--- a/proyecto/Slides/ED1.pptx
+++ b/proyecto/Slides/ED1.pptx
@@ -2,22 +2,27 @@
 <file path=ppt/presentation.xml><?xml version="1.0" encoding="utf-8"?>
 <p:presentation xmlns:a="http://schemas.openxmlformats.org/drawingml/2006/main" xmlns:r="http://schemas.openxmlformats.org/officeDocument/2006/relationships" xmlns:p="http://schemas.openxmlformats.org/presentationml/2006/main" saveSubsetFonts="1">
   <p:sldMasterIdLst>
-    <p:sldMasterId id="2147483648" r:id="rId1"/>
+    <p:sldMasterId id="2147483661" r:id="rId1"/>
   </p:sldMasterIdLst>
   <p:notesMasterIdLst>
-    <p:notesMasterId r:id="rId4"/>
+    <p:notesMasterId r:id="rId9"/>
   </p:notesMasterIdLst>
   <p:sldIdLst>
     <p:sldId id="257" r:id="rId2"/>
     <p:sldId id="258" r:id="rId3"/>
+    <p:sldId id="259" r:id="rId4"/>
+    <p:sldId id="260" r:id="rId5"/>
+    <p:sldId id="261" r:id="rId6"/>
+    <p:sldId id="262" r:id="rId7"/>
+    <p:sldId id="263" r:id="rId8"/>
   </p:sldIdLst>
   <p:sldSz cx="12192000" cy="6858000"/>
   <p:notesSz cx="6858000" cy="9144000"/>
   <p:defaultTextStyle>
     <a:defPPr>
-      <a:defRPr lang="es-CO"/>
+      <a:defRPr lang="en-US"/>
     </a:defPPr>
-    <a:lvl1pPr marL="0" algn="l" defTabSz="914400" rtl="0" eaLnBrk="1" latinLnBrk="0" hangingPunct="1">
+    <a:lvl1pPr marL="0" algn="l" defTabSz="457200" rtl="0" eaLnBrk="1" latinLnBrk="0" hangingPunct="1">
       <a:defRPr sz="1800" kern="1200">
         <a:solidFill>
           <a:schemeClr val="tx1"/>
@@ -27,7 +32,7 @@
         <a:cs typeface="+mn-cs"/>
       </a:defRPr>
     </a:lvl1pPr>
-    <a:lvl2pPr marL="457200" algn="l" defTabSz="914400" rtl="0" eaLnBrk="1" latinLnBrk="0" hangingPunct="1">
+    <a:lvl2pPr marL="457200" algn="l" defTabSz="457200" rtl="0" eaLnBrk="1" latinLnBrk="0" hangingPunct="1">
       <a:defRPr sz="1800" kern="1200">
         <a:solidFill>
           <a:schemeClr val="tx1"/>
@@ -37,7 +42,7 @@
         <a:cs typeface="+mn-cs"/>
       </a:defRPr>
     </a:lvl2pPr>
-    <a:lvl3pPr marL="914400" algn="l" defTabSz="914400" rtl="0" eaLnBrk="1" latinLnBrk="0" hangingPunct="1">
+    <a:lvl3pPr marL="914400" algn="l" defTabSz="457200" rtl="0" eaLnBrk="1" latinLnBrk="0" hangingPunct="1">
       <a:defRPr sz="1800" kern="1200">
         <a:solidFill>
           <a:schemeClr val="tx1"/>
@@ -47,7 +52,7 @@
         <a:cs typeface="+mn-cs"/>
       </a:defRPr>
     </a:lvl3pPr>
-    <a:lvl4pPr marL="1371600" algn="l" defTabSz="914400" rtl="0" eaLnBrk="1" latinLnBrk="0" hangingPunct="1">
+    <a:lvl4pPr marL="1371600" algn="l" defTabSz="457200" rtl="0" eaLnBrk="1" latinLnBrk="0" hangingPunct="1">
       <a:defRPr sz="1800" kern="1200">
         <a:solidFill>
           <a:schemeClr val="tx1"/>
@@ -57,7 +62,7 @@
         <a:cs typeface="+mn-cs"/>
       </a:defRPr>
     </a:lvl4pPr>
-    <a:lvl5pPr marL="1828800" algn="l" defTabSz="914400" rtl="0" eaLnBrk="1" latinLnBrk="0" hangingPunct="1">
+    <a:lvl5pPr marL="1828800" algn="l" defTabSz="457200" rtl="0" eaLnBrk="1" latinLnBrk="0" hangingPunct="1">
       <a:defRPr sz="1800" kern="1200">
         <a:solidFill>
           <a:schemeClr val="tx1"/>
@@ -67,7 +72,7 @@
         <a:cs typeface="+mn-cs"/>
       </a:defRPr>
     </a:lvl5pPr>
-    <a:lvl6pPr marL="2286000" algn="l" defTabSz="914400" rtl="0" eaLnBrk="1" latinLnBrk="0" hangingPunct="1">
+    <a:lvl6pPr marL="2286000" algn="l" defTabSz="457200" rtl="0" eaLnBrk="1" latinLnBrk="0" hangingPunct="1">
       <a:defRPr sz="1800" kern="1200">
         <a:solidFill>
           <a:schemeClr val="tx1"/>
@@ -77,7 +82,7 @@
         <a:cs typeface="+mn-cs"/>
       </a:defRPr>
     </a:lvl6pPr>
-    <a:lvl7pPr marL="2743200" algn="l" defTabSz="914400" rtl="0" eaLnBrk="1" latinLnBrk="0" hangingPunct="1">
+    <a:lvl7pPr marL="2743200" algn="l" defTabSz="457200" rtl="0" eaLnBrk="1" latinLnBrk="0" hangingPunct="1">
       <a:defRPr sz="1800" kern="1200">
         <a:solidFill>
           <a:schemeClr val="tx1"/>
@@ -87,7 +92,7 @@
         <a:cs typeface="+mn-cs"/>
       </a:defRPr>
     </a:lvl7pPr>
-    <a:lvl8pPr marL="3200400" algn="l" defTabSz="914400" rtl="0" eaLnBrk="1" latinLnBrk="0" hangingPunct="1">
+    <a:lvl8pPr marL="3200400" algn="l" defTabSz="457200" rtl="0" eaLnBrk="1" latinLnBrk="0" hangingPunct="1">
       <a:defRPr sz="1800" kern="1200">
         <a:solidFill>
           <a:schemeClr val="tx1"/>
@@ -97,7 +102,7 @@
         <a:cs typeface="+mn-cs"/>
       </a:defRPr>
     </a:lvl8pPr>
-    <a:lvl9pPr marL="3657600" algn="l" defTabSz="914400" rtl="0" eaLnBrk="1" latinLnBrk="0" hangingPunct="1">
+    <a:lvl9pPr marL="3657600" algn="l" defTabSz="457200" rtl="0" eaLnBrk="1" latinLnBrk="0" hangingPunct="1">
       <a:defRPr sz="1800" kern="1200">
         <a:solidFill>
           <a:schemeClr val="tx1"/>
@@ -198,7 +203,7 @@
           <a:p>
             <a:fld id="{47272C26-5B5C-4A26-A7C7-644BB447EA18}" type="datetimeFigureOut">
               <a:rPr lang="es-CO" smtClean="0"/>
-              <a:t>14/02/2021</a:t>
+              <a:t>14/04/2021</a:t>
             </a:fld>
             <a:endParaRPr lang="es-CO"/>
           </a:p>
@@ -675,7 +680,7 @@
 </file>
 
 <file path=ppt/slideLayouts/slideLayout1.xml><?xml version="1.0" encoding="utf-8"?>
-<p:sldLayout xmlns:a="http://schemas.openxmlformats.org/drawingml/2006/main" xmlns:r="http://schemas.openxmlformats.org/officeDocument/2006/relationships" xmlns:p="http://schemas.openxmlformats.org/presentationml/2006/main" type="title" preserve="1">
+<p:sldLayout xmlns:a="http://schemas.openxmlformats.org/drawingml/2006/main" xmlns:r="http://schemas.openxmlformats.org/officeDocument/2006/relationships" xmlns:p="http://schemas.openxmlformats.org/presentationml/2006/main" showMasterSp="0" type="title" preserve="1">
   <p:cSld name="Diapositiva de título">
     <p:spTree>
       <p:nvGrpSpPr>
@@ -691,15 +696,322 @@
           <a:chExt cx="0" cy="0"/>
         </a:xfrm>
       </p:grpSpPr>
-      <p:sp>
-        <p:nvSpPr>
-          <p:cNvPr id="2" name="Título 1">
-            <a:extLst>
-              <a:ext uri="{FF2B5EF4-FFF2-40B4-BE49-F238E27FC236}">
-                <a16:creationId xmlns:a16="http://schemas.microsoft.com/office/drawing/2014/main" id="{617C3F4E-C4DE-44F4-91DC-700AE079B98B}"/>
-              </a:ext>
-            </a:extLst>
-          </p:cNvPr>
+      <p:grpSp>
+        <p:nvGrpSpPr>
+          <p:cNvPr id="19" name="Group 18"/>
+          <p:cNvGrpSpPr/>
+          <p:nvPr/>
+        </p:nvGrpSpPr>
+        <p:grpSpPr>
+          <a:xfrm>
+            <a:off x="546100" y="-4763"/>
+            <a:ext cx="5014912" cy="6862763"/>
+            <a:chOff x="2928938" y="-4763"/>
+            <a:chExt cx="5014912" cy="6862763"/>
+          </a:xfrm>
+        </p:grpSpPr>
+        <p:sp>
+          <p:nvSpPr>
+            <p:cNvPr id="22" name="Freeform 6"/>
+            <p:cNvSpPr/>
+            <p:nvPr/>
+          </p:nvSpPr>
+          <p:spPr bwMode="auto">
+            <a:xfrm>
+              <a:off x="3367088" y="-4763"/>
+              <a:ext cx="1063625" cy="2782888"/>
+            </a:xfrm>
+            <a:custGeom>
+              <a:avLst/>
+              <a:gdLst/>
+              <a:ahLst/>
+              <a:cxnLst/>
+              <a:rect l="0" t="0" r="r" b="b"/>
+              <a:pathLst>
+                <a:path w="670" h="1753">
+                  <a:moveTo>
+                    <a:pt x="0" y="1696"/>
+                  </a:moveTo>
+                  <a:lnTo>
+                    <a:pt x="225" y="1753"/>
+                  </a:lnTo>
+                  <a:lnTo>
+                    <a:pt x="670" y="0"/>
+                  </a:lnTo>
+                  <a:lnTo>
+                    <a:pt x="430" y="0"/>
+                  </a:lnTo>
+                  <a:lnTo>
+                    <a:pt x="0" y="1696"/>
+                  </a:lnTo>
+                  <a:close/>
+                </a:path>
+              </a:pathLst>
+            </a:custGeom>
+            <a:solidFill>
+              <a:schemeClr val="accent1"/>
+            </a:solidFill>
+            <a:ln>
+              <a:noFill/>
+            </a:ln>
+          </p:spPr>
+        </p:sp>
+        <p:sp>
+          <p:nvSpPr>
+            <p:cNvPr id="23" name="Freeform 7"/>
+            <p:cNvSpPr/>
+            <p:nvPr/>
+          </p:nvSpPr>
+          <p:spPr bwMode="auto">
+            <a:xfrm>
+              <a:off x="2928938" y="-4763"/>
+              <a:ext cx="1035050" cy="2673350"/>
+            </a:xfrm>
+            <a:custGeom>
+              <a:avLst/>
+              <a:gdLst/>
+              <a:ahLst/>
+              <a:cxnLst/>
+              <a:rect l="0" t="0" r="r" b="b"/>
+              <a:pathLst>
+                <a:path w="652" h="1684">
+                  <a:moveTo>
+                    <a:pt x="225" y="1684"/>
+                  </a:moveTo>
+                  <a:lnTo>
+                    <a:pt x="652" y="0"/>
+                  </a:lnTo>
+                  <a:lnTo>
+                    <a:pt x="411" y="0"/>
+                  </a:lnTo>
+                  <a:lnTo>
+                    <a:pt x="0" y="1627"/>
+                  </a:lnTo>
+                  <a:lnTo>
+                    <a:pt x="219" y="1681"/>
+                  </a:lnTo>
+                  <a:lnTo>
+                    <a:pt x="225" y="1684"/>
+                  </a:lnTo>
+                  <a:close/>
+                </a:path>
+              </a:pathLst>
+            </a:custGeom>
+            <a:solidFill>
+              <a:schemeClr val="tx1">
+                <a:lumMod val="65000"/>
+                <a:lumOff val="35000"/>
+              </a:schemeClr>
+            </a:solidFill>
+            <a:ln>
+              <a:noFill/>
+            </a:ln>
+          </p:spPr>
+        </p:sp>
+        <p:sp>
+          <p:nvSpPr>
+            <p:cNvPr id="24" name="Freeform 9"/>
+            <p:cNvSpPr/>
+            <p:nvPr/>
+          </p:nvSpPr>
+          <p:spPr bwMode="auto">
+            <a:xfrm>
+              <a:off x="2928938" y="2582862"/>
+              <a:ext cx="2693987" cy="4275138"/>
+            </a:xfrm>
+            <a:custGeom>
+              <a:avLst/>
+              <a:gdLst/>
+              <a:ahLst/>
+              <a:cxnLst/>
+              <a:rect l="0" t="0" r="r" b="b"/>
+              <a:pathLst>
+                <a:path w="1697" h="2693">
+                  <a:moveTo>
+                    <a:pt x="0" y="0"/>
+                  </a:moveTo>
+                  <a:lnTo>
+                    <a:pt x="1622" y="2693"/>
+                  </a:lnTo>
+                  <a:lnTo>
+                    <a:pt x="1697" y="2693"/>
+                  </a:lnTo>
+                  <a:lnTo>
+                    <a:pt x="0" y="0"/>
+                  </a:lnTo>
+                  <a:close/>
+                </a:path>
+              </a:pathLst>
+            </a:custGeom>
+            <a:solidFill>
+              <a:schemeClr val="tx1">
+                <a:lumMod val="85000"/>
+                <a:lumOff val="15000"/>
+              </a:schemeClr>
+            </a:solidFill>
+            <a:ln>
+              <a:noFill/>
+            </a:ln>
+          </p:spPr>
+        </p:sp>
+        <p:sp>
+          <p:nvSpPr>
+            <p:cNvPr id="25" name="Freeform 10"/>
+            <p:cNvSpPr/>
+            <p:nvPr/>
+          </p:nvSpPr>
+          <p:spPr bwMode="auto">
+            <a:xfrm>
+              <a:off x="3371850" y="2692400"/>
+              <a:ext cx="3332162" cy="4165600"/>
+            </a:xfrm>
+            <a:custGeom>
+              <a:avLst/>
+              <a:gdLst/>
+              <a:ahLst/>
+              <a:cxnLst/>
+              <a:rect l="0" t="0" r="r" b="b"/>
+              <a:pathLst>
+                <a:path w="2099" h="2624">
+                  <a:moveTo>
+                    <a:pt x="2099" y="2624"/>
+                  </a:moveTo>
+                  <a:lnTo>
+                    <a:pt x="0" y="0"/>
+                  </a:lnTo>
+                  <a:lnTo>
+                    <a:pt x="2021" y="2624"/>
+                  </a:lnTo>
+                  <a:lnTo>
+                    <a:pt x="2099" y="2624"/>
+                  </a:lnTo>
+                  <a:close/>
+                </a:path>
+              </a:pathLst>
+            </a:custGeom>
+            <a:solidFill>
+              <a:schemeClr val="accent1">
+                <a:lumMod val="50000"/>
+              </a:schemeClr>
+            </a:solidFill>
+            <a:ln>
+              <a:noFill/>
+            </a:ln>
+          </p:spPr>
+        </p:sp>
+        <p:sp>
+          <p:nvSpPr>
+            <p:cNvPr id="26" name="Freeform 11"/>
+            <p:cNvSpPr/>
+            <p:nvPr/>
+          </p:nvSpPr>
+          <p:spPr bwMode="auto">
+            <a:xfrm>
+              <a:off x="3367088" y="2687637"/>
+              <a:ext cx="4576762" cy="4170363"/>
+            </a:xfrm>
+            <a:custGeom>
+              <a:avLst/>
+              <a:gdLst/>
+              <a:ahLst/>
+              <a:cxnLst/>
+              <a:rect l="0" t="0" r="r" b="b"/>
+              <a:pathLst>
+                <a:path w="2883" h="2627">
+                  <a:moveTo>
+                    <a:pt x="0" y="0"/>
+                  </a:moveTo>
+                  <a:lnTo>
+                    <a:pt x="3" y="3"/>
+                  </a:lnTo>
+                  <a:lnTo>
+                    <a:pt x="2102" y="2627"/>
+                  </a:lnTo>
+                  <a:lnTo>
+                    <a:pt x="2883" y="2627"/>
+                  </a:lnTo>
+                  <a:lnTo>
+                    <a:pt x="225" y="57"/>
+                  </a:lnTo>
+                  <a:lnTo>
+                    <a:pt x="0" y="0"/>
+                  </a:lnTo>
+                  <a:close/>
+                </a:path>
+              </a:pathLst>
+            </a:custGeom>
+            <a:solidFill>
+              <a:schemeClr val="accent1">
+                <a:lumMod val="75000"/>
+              </a:schemeClr>
+            </a:solidFill>
+            <a:ln>
+              <a:noFill/>
+            </a:ln>
+          </p:spPr>
+        </p:sp>
+        <p:sp>
+          <p:nvSpPr>
+            <p:cNvPr id="27" name="Freeform 12"/>
+            <p:cNvSpPr/>
+            <p:nvPr/>
+          </p:nvSpPr>
+          <p:spPr bwMode="auto">
+            <a:xfrm>
+              <a:off x="2928938" y="2578100"/>
+              <a:ext cx="3584575" cy="4279900"/>
+            </a:xfrm>
+            <a:custGeom>
+              <a:avLst/>
+              <a:gdLst/>
+              <a:ahLst/>
+              <a:cxnLst/>
+              <a:rect l="0" t="0" r="r" b="b"/>
+              <a:pathLst>
+                <a:path w="2258" h="2696">
+                  <a:moveTo>
+                    <a:pt x="2258" y="2696"/>
+                  </a:moveTo>
+                  <a:lnTo>
+                    <a:pt x="264" y="111"/>
+                  </a:lnTo>
+                  <a:lnTo>
+                    <a:pt x="228" y="60"/>
+                  </a:lnTo>
+                  <a:lnTo>
+                    <a:pt x="225" y="57"/>
+                  </a:lnTo>
+                  <a:lnTo>
+                    <a:pt x="0" y="0"/>
+                  </a:lnTo>
+                  <a:lnTo>
+                    <a:pt x="0" y="3"/>
+                  </a:lnTo>
+                  <a:lnTo>
+                    <a:pt x="1697" y="2696"/>
+                  </a:lnTo>
+                  <a:lnTo>
+                    <a:pt x="2258" y="2696"/>
+                  </a:lnTo>
+                  <a:close/>
+                </a:path>
+              </a:pathLst>
+            </a:custGeom>
+            <a:solidFill>
+              <a:schemeClr val="tx1">
+                <a:lumMod val="75000"/>
+                <a:lumOff val="25000"/>
+              </a:schemeClr>
+            </a:solidFill>
+            <a:ln>
+              <a:noFill/>
+            </a:ln>
+          </p:spPr>
+        </p:sp>
+      </p:grpSp>
+      <p:sp>
+        <p:nvSpPr>
+          <p:cNvPr id="2" name="Title 1"/>
           <p:cNvSpPr>
             <a:spLocks noGrp="1"/>
           </p:cNvSpPr>
@@ -709,15 +1021,19 @@
         </p:nvSpPr>
         <p:spPr>
           <a:xfrm>
-            <a:off x="1524000" y="1122363"/>
-            <a:ext cx="9144000" cy="2387600"/>
+            <a:off x="2928401" y="1380068"/>
+            <a:ext cx="8574622" cy="2616199"/>
           </a:xfrm>
         </p:spPr>
         <p:txBody>
-          <a:bodyPr anchor="b"/>
+          <a:bodyPr anchor="b">
+            <a:normAutofit/>
+          </a:bodyPr>
           <a:lstStyle>
-            <a:lvl1pPr algn="ctr">
-              <a:defRPr sz="6000"/>
+            <a:lvl1pPr algn="r">
+              <a:defRPr sz="6000">
+                <a:effectLst/>
+              </a:defRPr>
             </a:lvl1pPr>
           </a:lstStyle>
           <a:p>
@@ -725,19 +1041,13 @@
               <a:rPr lang="es-ES"/>
               <a:t>Haga clic para modificar el estilo de título del patrón</a:t>
             </a:r>
-            <a:endParaRPr lang="es-CO"/>
-          </a:p>
-        </p:txBody>
-      </p:sp>
-      <p:sp>
-        <p:nvSpPr>
-          <p:cNvPr id="3" name="Subtítulo 2">
-            <a:extLst>
-              <a:ext uri="{FF2B5EF4-FFF2-40B4-BE49-F238E27FC236}">
-                <a16:creationId xmlns:a16="http://schemas.microsoft.com/office/drawing/2014/main" id="{7D649C3A-9910-44E8-99F2-5E4D7FECEFD9}"/>
-              </a:ext>
-            </a:extLst>
-          </p:cNvPr>
+            <a:endParaRPr lang="en-US" dirty="0"/>
+          </a:p>
+        </p:txBody>
+      </p:sp>
+      <p:sp>
+        <p:nvSpPr>
+          <p:cNvPr id="3" name="Subtitle 2"/>
           <p:cNvSpPr>
             <a:spLocks noGrp="1"/>
           </p:cNvSpPr>
@@ -747,48 +1057,102 @@
         </p:nvSpPr>
         <p:spPr>
           <a:xfrm>
-            <a:off x="1524000" y="3602038"/>
-            <a:ext cx="9144000" cy="1655762"/>
+            <a:off x="4515377" y="3996267"/>
+            <a:ext cx="6987645" cy="1388534"/>
           </a:xfrm>
         </p:spPr>
         <p:txBody>
-          <a:bodyPr/>
+          <a:bodyPr anchor="t">
+            <a:normAutofit/>
+          </a:bodyPr>
           <a:lstStyle>
-            <a:lvl1pPr marL="0" indent="0" algn="ctr">
-              <a:buNone/>
-              <a:defRPr sz="2400"/>
+            <a:lvl1pPr marL="0" indent="0" algn="r">
+              <a:buNone/>
+              <a:defRPr sz="2100">
+                <a:solidFill>
+                  <a:schemeClr val="tx1"/>
+                </a:solidFill>
+              </a:defRPr>
             </a:lvl1pPr>
             <a:lvl2pPr marL="457200" indent="0" algn="ctr">
               <a:buNone/>
-              <a:defRPr sz="2000"/>
+              <a:defRPr>
+                <a:solidFill>
+                  <a:schemeClr val="tx1">
+                    <a:tint val="75000"/>
+                  </a:schemeClr>
+                </a:solidFill>
+              </a:defRPr>
             </a:lvl2pPr>
             <a:lvl3pPr marL="914400" indent="0" algn="ctr">
               <a:buNone/>
-              <a:defRPr sz="1800"/>
+              <a:defRPr>
+                <a:solidFill>
+                  <a:schemeClr val="tx1">
+                    <a:tint val="75000"/>
+                  </a:schemeClr>
+                </a:solidFill>
+              </a:defRPr>
             </a:lvl3pPr>
             <a:lvl4pPr marL="1371600" indent="0" algn="ctr">
               <a:buNone/>
-              <a:defRPr sz="1600"/>
+              <a:defRPr>
+                <a:solidFill>
+                  <a:schemeClr val="tx1">
+                    <a:tint val="75000"/>
+                  </a:schemeClr>
+                </a:solidFill>
+              </a:defRPr>
             </a:lvl4pPr>
             <a:lvl5pPr marL="1828800" indent="0" algn="ctr">
               <a:buNone/>
-              <a:defRPr sz="1600"/>
+              <a:defRPr>
+                <a:solidFill>
+                  <a:schemeClr val="tx1">
+                    <a:tint val="75000"/>
+                  </a:schemeClr>
+                </a:solidFill>
+              </a:defRPr>
             </a:lvl5pPr>
             <a:lvl6pPr marL="2286000" indent="0" algn="ctr">
               <a:buNone/>
-              <a:defRPr sz="1600"/>
+              <a:defRPr>
+                <a:solidFill>
+                  <a:schemeClr val="tx1">
+                    <a:tint val="75000"/>
+                  </a:schemeClr>
+                </a:solidFill>
+              </a:defRPr>
             </a:lvl6pPr>
             <a:lvl7pPr marL="2743200" indent="0" algn="ctr">
               <a:buNone/>
-              <a:defRPr sz="1600"/>
+              <a:defRPr>
+                <a:solidFill>
+                  <a:schemeClr val="tx1">
+                    <a:tint val="75000"/>
+                  </a:schemeClr>
+                </a:solidFill>
+              </a:defRPr>
             </a:lvl7pPr>
             <a:lvl8pPr marL="3200400" indent="0" algn="ctr">
               <a:buNone/>
-              <a:defRPr sz="1600"/>
+              <a:defRPr>
+                <a:solidFill>
+                  <a:schemeClr val="tx1">
+                    <a:tint val="75000"/>
+                  </a:schemeClr>
+                </a:solidFill>
+              </a:defRPr>
             </a:lvl8pPr>
             <a:lvl9pPr marL="3657600" indent="0" algn="ctr">
               <a:buNone/>
-              <a:defRPr sz="1600"/>
+              <a:defRPr>
+                <a:solidFill>
+                  <a:schemeClr val="tx1">
+                    <a:tint val="75000"/>
+                  </a:schemeClr>
+                </a:solidFill>
+              </a:defRPr>
             </a:lvl9pPr>
           </a:lstStyle>
           <a:p>
@@ -796,19 +1160,13 @@
               <a:rPr lang="es-ES"/>
               <a:t>Haga clic para modificar el estilo de subtítulo del patrón</a:t>
             </a:r>
-            <a:endParaRPr lang="es-CO"/>
-          </a:p>
-        </p:txBody>
-      </p:sp>
-      <p:sp>
-        <p:nvSpPr>
-          <p:cNvPr id="4" name="Marcador de fecha 3">
-            <a:extLst>
-              <a:ext uri="{FF2B5EF4-FFF2-40B4-BE49-F238E27FC236}">
-                <a16:creationId xmlns:a16="http://schemas.microsoft.com/office/drawing/2014/main" id="{2E11A031-68CB-4A7B-8ED7-FA79D4011629}"/>
-              </a:ext>
-            </a:extLst>
-          </p:cNvPr>
+            <a:endParaRPr lang="en-US" dirty="0"/>
+          </a:p>
+        </p:txBody>
+      </p:sp>
+      <p:sp>
+        <p:nvSpPr>
+          <p:cNvPr id="4" name="Date Placeholder 3"/>
           <p:cNvSpPr>
             <a:spLocks noGrp="1"/>
           </p:cNvSpPr>
@@ -823,7 +1181,7 @@
           <a:p>
             <a:fld id="{69E32DB5-B750-4F20-9EEF-A545E10E8069}" type="datetimeFigureOut">
               <a:rPr lang="es-CO" smtClean="0"/>
-              <a:t>14/02/2021</a:t>
+              <a:t>14/04/2021</a:t>
             </a:fld>
             <a:endParaRPr lang="es-CO"/>
           </a:p>
@@ -831,13 +1189,7 @@
       </p:sp>
       <p:sp>
         <p:nvSpPr>
-          <p:cNvPr id="5" name="Marcador de pie de página 4">
-            <a:extLst>
-              <a:ext uri="{FF2B5EF4-FFF2-40B4-BE49-F238E27FC236}">
-                <a16:creationId xmlns:a16="http://schemas.microsoft.com/office/drawing/2014/main" id="{861769DD-17DA-456A-B1AC-7E10FA3BBF97}"/>
-              </a:ext>
-            </a:extLst>
-          </p:cNvPr>
+          <p:cNvPr id="5" name="Footer Placeholder 4"/>
           <p:cNvSpPr>
             <a:spLocks noGrp="1"/>
           </p:cNvSpPr>
@@ -845,7 +1197,12 @@
             <p:ph type="ftr" sz="quarter" idx="11"/>
           </p:nvPr>
         </p:nvSpPr>
-        <p:spPr/>
+        <p:spPr>
+          <a:xfrm>
+            <a:off x="5332412" y="5883275"/>
+            <a:ext cx="4324044" cy="365125"/>
+          </a:xfrm>
+        </p:spPr>
         <p:txBody>
           <a:bodyPr/>
           <a:lstStyle/>
@@ -856,13 +1213,7 @@
       </p:sp>
       <p:sp>
         <p:nvSpPr>
-          <p:cNvPr id="6" name="Marcador de número de diapositiva 5">
-            <a:extLst>
-              <a:ext uri="{FF2B5EF4-FFF2-40B4-BE49-F238E27FC236}">
-                <a16:creationId xmlns:a16="http://schemas.microsoft.com/office/drawing/2014/main" id="{033600C2-B04A-4692-BBB3-BD40B367D93B}"/>
-              </a:ext>
-            </a:extLst>
-          </p:cNvPr>
+          <p:cNvPr id="6" name="Slide Number Placeholder 5"/>
           <p:cNvSpPr>
             <a:spLocks noGrp="1"/>
           </p:cNvSpPr>
@@ -886,7 +1237,7 @@
     </p:spTree>
     <p:extLst>
       <p:ext uri="{BB962C8B-B14F-4D97-AF65-F5344CB8AC3E}">
-        <p14:creationId xmlns:p14="http://schemas.microsoft.com/office/powerpoint/2010/main" val="3549074877"/>
+        <p14:creationId xmlns:p14="http://schemas.microsoft.com/office/powerpoint/2010/main" val="3133126669"/>
       </p:ext>
     </p:extLst>
   </p:cSld>
@@ -897,6 +1248,2162 @@
 </file>
 
 <file path=ppt/slideLayouts/slideLayout10.xml><?xml version="1.0" encoding="utf-8"?>
+<p:sldLayout xmlns:a="http://schemas.openxmlformats.org/drawingml/2006/main" xmlns:r="http://schemas.openxmlformats.org/officeDocument/2006/relationships" xmlns:p="http://schemas.openxmlformats.org/presentationml/2006/main" preserve="1">
+  <p:cSld name="Imagen panorámica con descripción">
+    <p:spTree>
+      <p:nvGrpSpPr>
+        <p:cNvPr id="1" name=""/>
+        <p:cNvGrpSpPr/>
+        <p:nvPr/>
+      </p:nvGrpSpPr>
+      <p:grpSpPr>
+        <a:xfrm>
+          <a:off x="0" y="0"/>
+          <a:ext cx="0" cy="0"/>
+          <a:chOff x="0" y="0"/>
+          <a:chExt cx="0" cy="0"/>
+        </a:xfrm>
+      </p:grpSpPr>
+      <p:sp>
+        <p:nvSpPr>
+          <p:cNvPr id="2" name="Title 1"/>
+          <p:cNvSpPr>
+            <a:spLocks noGrp="1"/>
+          </p:cNvSpPr>
+          <p:nvPr>
+            <p:ph type="title"/>
+          </p:nvPr>
+        </p:nvSpPr>
+        <p:spPr>
+          <a:xfrm>
+            <a:off x="1484311" y="4732865"/>
+            <a:ext cx="10018711" cy="566738"/>
+          </a:xfrm>
+        </p:spPr>
+        <p:txBody>
+          <a:bodyPr anchor="b">
+            <a:normAutofit/>
+          </a:bodyPr>
+          <a:lstStyle>
+            <a:lvl1pPr algn="ctr">
+              <a:defRPr sz="2400" b="0"/>
+            </a:lvl1pPr>
+          </a:lstStyle>
+          <a:p>
+            <a:r>
+              <a:rPr lang="es-ES"/>
+              <a:t>Haga clic para modificar el estilo de título del patrón</a:t>
+            </a:r>
+            <a:endParaRPr lang="en-US" dirty="0"/>
+          </a:p>
+        </p:txBody>
+      </p:sp>
+      <p:sp>
+        <p:nvSpPr>
+          <p:cNvPr id="3" name="Picture Placeholder 2"/>
+          <p:cNvSpPr>
+            <a:spLocks noGrp="1" noChangeAspect="1"/>
+          </p:cNvSpPr>
+          <p:nvPr>
+            <p:ph type="pic" idx="1"/>
+          </p:nvPr>
+        </p:nvSpPr>
+        <p:spPr>
+          <a:xfrm>
+            <a:off x="2386012" y="932112"/>
+            <a:ext cx="8225944" cy="3164976"/>
+          </a:xfrm>
+          <a:prstGeom prst="roundRect">
+            <a:avLst>
+              <a:gd name="adj" fmla="val 4380"/>
+            </a:avLst>
+          </a:prstGeom>
+          <a:ln w="38100">
+            <a:gradFill flip="none" rotWithShape="1">
+              <a:gsLst>
+                <a:gs pos="0">
+                  <a:schemeClr val="bg2"/>
+                </a:gs>
+                <a:gs pos="100000">
+                  <a:schemeClr val="bg2">
+                    <a:lumMod val="75000"/>
+                  </a:schemeClr>
+                </a:gs>
+              </a:gsLst>
+              <a:lin ang="5400000" scaled="0"/>
+              <a:tileRect/>
+            </a:gradFill>
+          </a:ln>
+          <a:effectLst>
+            <a:innerShdw blurRad="57150" dist="38100" dir="14460000">
+              <a:srgbClr val="000000">
+                <a:alpha val="70000"/>
+              </a:srgbClr>
+            </a:innerShdw>
+          </a:effectLst>
+        </p:spPr>
+        <p:txBody>
+          <a:bodyPr anchor="t">
+            <a:normAutofit/>
+          </a:bodyPr>
+          <a:lstStyle>
+            <a:lvl1pPr marL="0" indent="0" algn="ctr">
+              <a:buNone/>
+              <a:defRPr sz="1600"/>
+            </a:lvl1pPr>
+            <a:lvl2pPr marL="457200" indent="0">
+              <a:buNone/>
+              <a:defRPr sz="1600"/>
+            </a:lvl2pPr>
+            <a:lvl3pPr marL="914400" indent="0">
+              <a:buNone/>
+              <a:defRPr sz="1600"/>
+            </a:lvl3pPr>
+            <a:lvl4pPr marL="1371600" indent="0">
+              <a:buNone/>
+              <a:defRPr sz="1600"/>
+            </a:lvl4pPr>
+            <a:lvl5pPr marL="1828800" indent="0">
+              <a:buNone/>
+              <a:defRPr sz="1600"/>
+            </a:lvl5pPr>
+            <a:lvl6pPr marL="2286000" indent="0">
+              <a:buNone/>
+              <a:defRPr sz="1600"/>
+            </a:lvl6pPr>
+            <a:lvl7pPr marL="2743200" indent="0">
+              <a:buNone/>
+              <a:defRPr sz="1600"/>
+            </a:lvl7pPr>
+            <a:lvl8pPr marL="3200400" indent="0">
+              <a:buNone/>
+              <a:defRPr sz="1600"/>
+            </a:lvl8pPr>
+            <a:lvl9pPr marL="3657600" indent="0">
+              <a:buNone/>
+              <a:defRPr sz="1600"/>
+            </a:lvl9pPr>
+          </a:lstStyle>
+          <a:p>
+            <a:r>
+              <a:rPr lang="es-ES"/>
+              <a:t>Haga clic en el icono para agregar una imagen</a:t>
+            </a:r>
+            <a:endParaRPr lang="en-US" dirty="0"/>
+          </a:p>
+        </p:txBody>
+      </p:sp>
+      <p:sp>
+        <p:nvSpPr>
+          <p:cNvPr id="4" name="Text Placeholder 3"/>
+          <p:cNvSpPr>
+            <a:spLocks noGrp="1"/>
+          </p:cNvSpPr>
+          <p:nvPr>
+            <p:ph type="body" sz="half" idx="2"/>
+          </p:nvPr>
+        </p:nvSpPr>
+        <p:spPr>
+          <a:xfrm>
+            <a:off x="1484311" y="5299603"/>
+            <a:ext cx="10018711" cy="493712"/>
+          </a:xfrm>
+        </p:spPr>
+        <p:txBody>
+          <a:bodyPr>
+            <a:normAutofit/>
+          </a:bodyPr>
+          <a:lstStyle>
+            <a:lvl1pPr marL="0" indent="0" algn="ctr">
+              <a:buNone/>
+              <a:defRPr sz="1400"/>
+            </a:lvl1pPr>
+            <a:lvl2pPr marL="457200" indent="0">
+              <a:buNone/>
+              <a:defRPr sz="1200"/>
+            </a:lvl2pPr>
+            <a:lvl3pPr marL="914400" indent="0">
+              <a:buNone/>
+              <a:defRPr sz="1000"/>
+            </a:lvl3pPr>
+            <a:lvl4pPr marL="1371600" indent="0">
+              <a:buNone/>
+              <a:defRPr sz="900"/>
+            </a:lvl4pPr>
+            <a:lvl5pPr marL="1828800" indent="0">
+              <a:buNone/>
+              <a:defRPr sz="900"/>
+            </a:lvl5pPr>
+            <a:lvl6pPr marL="2286000" indent="0">
+              <a:buNone/>
+              <a:defRPr sz="900"/>
+            </a:lvl6pPr>
+            <a:lvl7pPr marL="2743200" indent="0">
+              <a:buNone/>
+              <a:defRPr sz="900"/>
+            </a:lvl7pPr>
+            <a:lvl8pPr marL="3200400" indent="0">
+              <a:buNone/>
+              <a:defRPr sz="900"/>
+            </a:lvl8pPr>
+            <a:lvl9pPr marL="3657600" indent="0">
+              <a:buNone/>
+              <a:defRPr sz="900"/>
+            </a:lvl9pPr>
+          </a:lstStyle>
+          <a:p>
+            <a:pPr lvl="0"/>
+            <a:r>
+              <a:rPr lang="es-ES"/>
+              <a:t>Haga clic para modificar los estilos de texto del patrón</a:t>
+            </a:r>
+          </a:p>
+        </p:txBody>
+      </p:sp>
+      <p:sp>
+        <p:nvSpPr>
+          <p:cNvPr id="5" name="Date Placeholder 4"/>
+          <p:cNvSpPr>
+            <a:spLocks noGrp="1"/>
+          </p:cNvSpPr>
+          <p:nvPr>
+            <p:ph type="dt" sz="half" idx="10"/>
+          </p:nvPr>
+        </p:nvSpPr>
+        <p:spPr/>
+        <p:txBody>
+          <a:bodyPr/>
+          <a:lstStyle/>
+          <a:p>
+            <a:fld id="{69E32DB5-B750-4F20-9EEF-A545E10E8069}" type="datetimeFigureOut">
+              <a:rPr lang="es-CO" smtClean="0"/>
+              <a:t>14/04/2021</a:t>
+            </a:fld>
+            <a:endParaRPr lang="es-CO"/>
+          </a:p>
+        </p:txBody>
+      </p:sp>
+      <p:sp>
+        <p:nvSpPr>
+          <p:cNvPr id="6" name="Footer Placeholder 5"/>
+          <p:cNvSpPr>
+            <a:spLocks noGrp="1"/>
+          </p:cNvSpPr>
+          <p:nvPr>
+            <p:ph type="ftr" sz="quarter" idx="11"/>
+          </p:nvPr>
+        </p:nvSpPr>
+        <p:spPr/>
+        <p:txBody>
+          <a:bodyPr/>
+          <a:lstStyle/>
+          <a:p>
+            <a:endParaRPr lang="es-CO"/>
+          </a:p>
+        </p:txBody>
+      </p:sp>
+      <p:sp>
+        <p:nvSpPr>
+          <p:cNvPr id="7" name="Slide Number Placeholder 6"/>
+          <p:cNvSpPr>
+            <a:spLocks noGrp="1"/>
+          </p:cNvSpPr>
+          <p:nvPr>
+            <p:ph type="sldNum" sz="quarter" idx="12"/>
+          </p:nvPr>
+        </p:nvSpPr>
+        <p:spPr/>
+        <p:txBody>
+          <a:bodyPr/>
+          <a:lstStyle/>
+          <a:p>
+            <a:fld id="{2C375566-C95F-40CD-B523-ACE5DDCDCE23}" type="slidenum">
+              <a:rPr lang="es-CO" smtClean="0"/>
+              <a:t>‹Nº›</a:t>
+            </a:fld>
+            <a:endParaRPr lang="es-CO"/>
+          </a:p>
+        </p:txBody>
+      </p:sp>
+    </p:spTree>
+    <p:extLst>
+      <p:ext uri="{BB962C8B-B14F-4D97-AF65-F5344CB8AC3E}">
+        <p14:creationId xmlns:p14="http://schemas.microsoft.com/office/powerpoint/2010/main" val="341264204"/>
+      </p:ext>
+    </p:extLst>
+  </p:cSld>
+  <p:clrMapOvr>
+    <a:masterClrMapping/>
+  </p:clrMapOvr>
+</p:sldLayout>
+</file>
+
+<file path=ppt/slideLayouts/slideLayout11.xml><?xml version="1.0" encoding="utf-8"?>
+<p:sldLayout xmlns:a="http://schemas.openxmlformats.org/drawingml/2006/main" xmlns:r="http://schemas.openxmlformats.org/officeDocument/2006/relationships" xmlns:p="http://schemas.openxmlformats.org/presentationml/2006/main" preserve="1">
+  <p:cSld name="Título y descripción">
+    <p:spTree>
+      <p:nvGrpSpPr>
+        <p:cNvPr id="1" name=""/>
+        <p:cNvGrpSpPr/>
+        <p:nvPr/>
+      </p:nvGrpSpPr>
+      <p:grpSpPr>
+        <a:xfrm>
+          <a:off x="0" y="0"/>
+          <a:ext cx="0" cy="0"/>
+          <a:chOff x="0" y="0"/>
+          <a:chExt cx="0" cy="0"/>
+        </a:xfrm>
+      </p:grpSpPr>
+      <p:sp>
+        <p:nvSpPr>
+          <p:cNvPr id="2" name="Title 1"/>
+          <p:cNvSpPr>
+            <a:spLocks noGrp="1"/>
+          </p:cNvSpPr>
+          <p:nvPr>
+            <p:ph type="title"/>
+          </p:nvPr>
+        </p:nvSpPr>
+        <p:spPr>
+          <a:xfrm>
+            <a:off x="1484312" y="685800"/>
+            <a:ext cx="10018711" cy="3048000"/>
+          </a:xfrm>
+        </p:spPr>
+        <p:txBody>
+          <a:bodyPr anchor="ctr">
+            <a:normAutofit/>
+          </a:bodyPr>
+          <a:lstStyle>
+            <a:lvl1pPr algn="ctr">
+              <a:defRPr sz="3200" b="0" cap="none"/>
+            </a:lvl1pPr>
+          </a:lstStyle>
+          <a:p>
+            <a:r>
+              <a:rPr lang="es-ES"/>
+              <a:t>Haga clic para modificar el estilo de título del patrón</a:t>
+            </a:r>
+            <a:endParaRPr lang="en-US" dirty="0"/>
+          </a:p>
+        </p:txBody>
+      </p:sp>
+      <p:sp>
+        <p:nvSpPr>
+          <p:cNvPr id="3" name="Text Placeholder 2"/>
+          <p:cNvSpPr>
+            <a:spLocks noGrp="1"/>
+          </p:cNvSpPr>
+          <p:nvPr>
+            <p:ph type="body" idx="1"/>
+          </p:nvPr>
+        </p:nvSpPr>
+        <p:spPr>
+          <a:xfrm>
+            <a:off x="1484312" y="4343400"/>
+            <a:ext cx="10018713" cy="1447800"/>
+          </a:xfrm>
+        </p:spPr>
+        <p:txBody>
+          <a:bodyPr anchor="ctr">
+            <a:normAutofit/>
+          </a:bodyPr>
+          <a:lstStyle>
+            <a:lvl1pPr marL="0" indent="0" algn="ctr">
+              <a:buNone/>
+              <a:defRPr sz="2000">
+                <a:solidFill>
+                  <a:schemeClr val="tx1"/>
+                </a:solidFill>
+              </a:defRPr>
+            </a:lvl1pPr>
+            <a:lvl2pPr marL="457200" indent="0">
+              <a:buNone/>
+              <a:defRPr sz="1800">
+                <a:solidFill>
+                  <a:schemeClr val="tx1">
+                    <a:tint val="75000"/>
+                  </a:schemeClr>
+                </a:solidFill>
+              </a:defRPr>
+            </a:lvl2pPr>
+            <a:lvl3pPr marL="914400" indent="0">
+              <a:buNone/>
+              <a:defRPr sz="1600">
+                <a:solidFill>
+                  <a:schemeClr val="tx1">
+                    <a:tint val="75000"/>
+                  </a:schemeClr>
+                </a:solidFill>
+              </a:defRPr>
+            </a:lvl3pPr>
+            <a:lvl4pPr marL="1371600" indent="0">
+              <a:buNone/>
+              <a:defRPr sz="1400">
+                <a:solidFill>
+                  <a:schemeClr val="tx1">
+                    <a:tint val="75000"/>
+                  </a:schemeClr>
+                </a:solidFill>
+              </a:defRPr>
+            </a:lvl4pPr>
+            <a:lvl5pPr marL="1828800" indent="0">
+              <a:buNone/>
+              <a:defRPr sz="1400">
+                <a:solidFill>
+                  <a:schemeClr val="tx1">
+                    <a:tint val="75000"/>
+                  </a:schemeClr>
+                </a:solidFill>
+              </a:defRPr>
+            </a:lvl5pPr>
+            <a:lvl6pPr marL="2286000" indent="0">
+              <a:buNone/>
+              <a:defRPr sz="1400">
+                <a:solidFill>
+                  <a:schemeClr val="tx1">
+                    <a:tint val="75000"/>
+                  </a:schemeClr>
+                </a:solidFill>
+              </a:defRPr>
+            </a:lvl6pPr>
+            <a:lvl7pPr marL="2743200" indent="0">
+              <a:buNone/>
+              <a:defRPr sz="1400">
+                <a:solidFill>
+                  <a:schemeClr val="tx1">
+                    <a:tint val="75000"/>
+                  </a:schemeClr>
+                </a:solidFill>
+              </a:defRPr>
+            </a:lvl7pPr>
+            <a:lvl8pPr marL="3200400" indent="0">
+              <a:buNone/>
+              <a:defRPr sz="1400">
+                <a:solidFill>
+                  <a:schemeClr val="tx1">
+                    <a:tint val="75000"/>
+                  </a:schemeClr>
+                </a:solidFill>
+              </a:defRPr>
+            </a:lvl8pPr>
+            <a:lvl9pPr marL="3657600" indent="0">
+              <a:buNone/>
+              <a:defRPr sz="1400">
+                <a:solidFill>
+                  <a:schemeClr val="tx1">
+                    <a:tint val="75000"/>
+                  </a:schemeClr>
+                </a:solidFill>
+              </a:defRPr>
+            </a:lvl9pPr>
+          </a:lstStyle>
+          <a:p>
+            <a:pPr lvl="0"/>
+            <a:r>
+              <a:rPr lang="es-ES"/>
+              <a:t>Haga clic para modificar los estilos de texto del patrón</a:t>
+            </a:r>
+          </a:p>
+        </p:txBody>
+      </p:sp>
+      <p:sp>
+        <p:nvSpPr>
+          <p:cNvPr id="4" name="Date Placeholder 3"/>
+          <p:cNvSpPr>
+            <a:spLocks noGrp="1"/>
+          </p:cNvSpPr>
+          <p:nvPr>
+            <p:ph type="dt" sz="half" idx="10"/>
+          </p:nvPr>
+        </p:nvSpPr>
+        <p:spPr/>
+        <p:txBody>
+          <a:bodyPr/>
+          <a:lstStyle/>
+          <a:p>
+            <a:fld id="{69E32DB5-B750-4F20-9EEF-A545E10E8069}" type="datetimeFigureOut">
+              <a:rPr lang="es-CO" smtClean="0"/>
+              <a:t>14/04/2021</a:t>
+            </a:fld>
+            <a:endParaRPr lang="es-CO"/>
+          </a:p>
+        </p:txBody>
+      </p:sp>
+      <p:sp>
+        <p:nvSpPr>
+          <p:cNvPr id="5" name="Footer Placeholder 4"/>
+          <p:cNvSpPr>
+            <a:spLocks noGrp="1"/>
+          </p:cNvSpPr>
+          <p:nvPr>
+            <p:ph type="ftr" sz="quarter" idx="11"/>
+          </p:nvPr>
+        </p:nvSpPr>
+        <p:spPr/>
+        <p:txBody>
+          <a:bodyPr/>
+          <a:lstStyle/>
+          <a:p>
+            <a:endParaRPr lang="es-CO"/>
+          </a:p>
+        </p:txBody>
+      </p:sp>
+      <p:sp>
+        <p:nvSpPr>
+          <p:cNvPr id="6" name="Slide Number Placeholder 5"/>
+          <p:cNvSpPr>
+            <a:spLocks noGrp="1"/>
+          </p:cNvSpPr>
+          <p:nvPr>
+            <p:ph type="sldNum" sz="quarter" idx="12"/>
+          </p:nvPr>
+        </p:nvSpPr>
+        <p:spPr/>
+        <p:txBody>
+          <a:bodyPr/>
+          <a:lstStyle/>
+          <a:p>
+            <a:fld id="{2C375566-C95F-40CD-B523-ACE5DDCDCE23}" type="slidenum">
+              <a:rPr lang="es-CO" smtClean="0"/>
+              <a:t>‹Nº›</a:t>
+            </a:fld>
+            <a:endParaRPr lang="es-CO"/>
+          </a:p>
+        </p:txBody>
+      </p:sp>
+    </p:spTree>
+    <p:extLst>
+      <p:ext uri="{BB962C8B-B14F-4D97-AF65-F5344CB8AC3E}">
+        <p14:creationId xmlns:p14="http://schemas.microsoft.com/office/powerpoint/2010/main" val="801469227"/>
+      </p:ext>
+    </p:extLst>
+  </p:cSld>
+  <p:clrMapOvr>
+    <a:masterClrMapping/>
+  </p:clrMapOvr>
+</p:sldLayout>
+</file>
+
+<file path=ppt/slideLayouts/slideLayout12.xml><?xml version="1.0" encoding="utf-8"?>
+<p:sldLayout xmlns:a="http://schemas.openxmlformats.org/drawingml/2006/main" xmlns:r="http://schemas.openxmlformats.org/officeDocument/2006/relationships" xmlns:p="http://schemas.openxmlformats.org/presentationml/2006/main" preserve="1">
+  <p:cSld name="Cita con descripción">
+    <p:spTree>
+      <p:nvGrpSpPr>
+        <p:cNvPr id="1" name=""/>
+        <p:cNvGrpSpPr/>
+        <p:nvPr/>
+      </p:nvGrpSpPr>
+      <p:grpSpPr>
+        <a:xfrm>
+          <a:off x="0" y="0"/>
+          <a:ext cx="0" cy="0"/>
+          <a:chOff x="0" y="0"/>
+          <a:chExt cx="0" cy="0"/>
+        </a:xfrm>
+      </p:grpSpPr>
+      <p:sp>
+        <p:nvSpPr>
+          <p:cNvPr id="14" name="TextBox 13"/>
+          <p:cNvSpPr txBox="1"/>
+          <p:nvPr/>
+        </p:nvSpPr>
+        <p:spPr>
+          <a:xfrm>
+            <a:off x="1598612" y="863023"/>
+            <a:ext cx="609600" cy="584776"/>
+          </a:xfrm>
+          <a:prstGeom prst="rect">
+            <a:avLst/>
+          </a:prstGeom>
+        </p:spPr>
+        <p:txBody>
+          <a:bodyPr vert="horz" lIns="91440" tIns="45720" rIns="91440" bIns="45720" rtlCol="0" anchor="ctr">
+            <a:noAutofit/>
+          </a:bodyPr>
+          <a:lstStyle>
+            <a:lvl1pPr>
+              <a:spcBef>
+                <a:spcPct val="0"/>
+              </a:spcBef>
+              <a:buNone/>
+              <a:defRPr sz="3200" b="0" cap="all">
+                <a:ln w="3175" cmpd="sng">
+                  <a:noFill/>
+                </a:ln>
+                <a:effectLst>
+                  <a:glow rad="38100">
+                    <a:schemeClr val="bg1">
+                      <a:lumMod val="65000"/>
+                      <a:lumOff val="35000"/>
+                      <a:alpha val="40000"/>
+                    </a:schemeClr>
+                  </a:glow>
+                  <a:outerShdw blurRad="28575" dist="38100" dir="14040000" algn="tl" rotWithShape="0">
+                    <a:srgbClr val="000000">
+                      <a:alpha val="25000"/>
+                    </a:srgbClr>
+                  </a:outerShdw>
+                </a:effectLst>
+              </a:defRPr>
+            </a:lvl1pPr>
+            <a:lvl2pPr>
+              <a:defRPr>
+                <a:solidFill>
+                  <a:schemeClr val="tx2"/>
+                </a:solidFill>
+              </a:defRPr>
+            </a:lvl2pPr>
+            <a:lvl3pPr>
+              <a:defRPr>
+                <a:solidFill>
+                  <a:schemeClr val="tx2"/>
+                </a:solidFill>
+              </a:defRPr>
+            </a:lvl3pPr>
+            <a:lvl4pPr>
+              <a:defRPr>
+                <a:solidFill>
+                  <a:schemeClr val="tx2"/>
+                </a:solidFill>
+              </a:defRPr>
+            </a:lvl4pPr>
+            <a:lvl5pPr>
+              <a:defRPr>
+                <a:solidFill>
+                  <a:schemeClr val="tx2"/>
+                </a:solidFill>
+              </a:defRPr>
+            </a:lvl5pPr>
+            <a:lvl6pPr>
+              <a:defRPr>
+                <a:solidFill>
+                  <a:schemeClr val="tx2"/>
+                </a:solidFill>
+              </a:defRPr>
+            </a:lvl6pPr>
+            <a:lvl7pPr>
+              <a:defRPr>
+                <a:solidFill>
+                  <a:schemeClr val="tx2"/>
+                </a:solidFill>
+              </a:defRPr>
+            </a:lvl7pPr>
+            <a:lvl8pPr>
+              <a:defRPr>
+                <a:solidFill>
+                  <a:schemeClr val="tx2"/>
+                </a:solidFill>
+              </a:defRPr>
+            </a:lvl8pPr>
+            <a:lvl9pPr>
+              <a:defRPr>
+                <a:solidFill>
+                  <a:schemeClr val="tx2"/>
+                </a:solidFill>
+              </a:defRPr>
+            </a:lvl9pPr>
+          </a:lstStyle>
+          <a:p>
+            <a:pPr lvl="0"/>
+            <a:r>
+              <a:rPr lang="en-US" sz="8000" dirty="0">
+                <a:solidFill>
+                  <a:schemeClr val="tx1"/>
+                </a:solidFill>
+                <a:effectLst/>
+              </a:rPr>
+              <a:t>“</a:t>
+            </a:r>
+          </a:p>
+        </p:txBody>
+      </p:sp>
+      <p:sp>
+        <p:nvSpPr>
+          <p:cNvPr id="15" name="TextBox 14"/>
+          <p:cNvSpPr txBox="1"/>
+          <p:nvPr/>
+        </p:nvSpPr>
+        <p:spPr>
+          <a:xfrm>
+            <a:off x="10893425" y="2819399"/>
+            <a:ext cx="609600" cy="584776"/>
+          </a:xfrm>
+          <a:prstGeom prst="rect">
+            <a:avLst/>
+          </a:prstGeom>
+        </p:spPr>
+        <p:txBody>
+          <a:bodyPr vert="horz" lIns="91440" tIns="45720" rIns="91440" bIns="45720" rtlCol="0" anchor="ctr">
+            <a:noAutofit/>
+          </a:bodyPr>
+          <a:lstStyle>
+            <a:lvl1pPr>
+              <a:spcBef>
+                <a:spcPct val="0"/>
+              </a:spcBef>
+              <a:buNone/>
+              <a:defRPr sz="3200" b="0" cap="all">
+                <a:ln w="3175" cmpd="sng">
+                  <a:noFill/>
+                </a:ln>
+                <a:effectLst>
+                  <a:glow rad="38100">
+                    <a:schemeClr val="bg1">
+                      <a:lumMod val="65000"/>
+                      <a:lumOff val="35000"/>
+                      <a:alpha val="40000"/>
+                    </a:schemeClr>
+                  </a:glow>
+                  <a:outerShdw blurRad="28575" dist="38100" dir="14040000" algn="tl" rotWithShape="0">
+                    <a:srgbClr val="000000">
+                      <a:alpha val="25000"/>
+                    </a:srgbClr>
+                  </a:outerShdw>
+                </a:effectLst>
+              </a:defRPr>
+            </a:lvl1pPr>
+            <a:lvl2pPr>
+              <a:defRPr>
+                <a:solidFill>
+                  <a:schemeClr val="tx2"/>
+                </a:solidFill>
+              </a:defRPr>
+            </a:lvl2pPr>
+            <a:lvl3pPr>
+              <a:defRPr>
+                <a:solidFill>
+                  <a:schemeClr val="tx2"/>
+                </a:solidFill>
+              </a:defRPr>
+            </a:lvl3pPr>
+            <a:lvl4pPr>
+              <a:defRPr>
+                <a:solidFill>
+                  <a:schemeClr val="tx2"/>
+                </a:solidFill>
+              </a:defRPr>
+            </a:lvl4pPr>
+            <a:lvl5pPr>
+              <a:defRPr>
+                <a:solidFill>
+                  <a:schemeClr val="tx2"/>
+                </a:solidFill>
+              </a:defRPr>
+            </a:lvl5pPr>
+            <a:lvl6pPr>
+              <a:defRPr>
+                <a:solidFill>
+                  <a:schemeClr val="tx2"/>
+                </a:solidFill>
+              </a:defRPr>
+            </a:lvl6pPr>
+            <a:lvl7pPr>
+              <a:defRPr>
+                <a:solidFill>
+                  <a:schemeClr val="tx2"/>
+                </a:solidFill>
+              </a:defRPr>
+            </a:lvl7pPr>
+            <a:lvl8pPr>
+              <a:defRPr>
+                <a:solidFill>
+                  <a:schemeClr val="tx2"/>
+                </a:solidFill>
+              </a:defRPr>
+            </a:lvl8pPr>
+            <a:lvl9pPr>
+              <a:defRPr>
+                <a:solidFill>
+                  <a:schemeClr val="tx2"/>
+                </a:solidFill>
+              </a:defRPr>
+            </a:lvl9pPr>
+          </a:lstStyle>
+          <a:p>
+            <a:pPr lvl="0" algn="r"/>
+            <a:r>
+              <a:rPr lang="en-US" sz="8000" dirty="0">
+                <a:solidFill>
+                  <a:schemeClr val="tx1"/>
+                </a:solidFill>
+                <a:effectLst/>
+              </a:rPr>
+              <a:t>”</a:t>
+            </a:r>
+          </a:p>
+        </p:txBody>
+      </p:sp>
+      <p:sp>
+        <p:nvSpPr>
+          <p:cNvPr id="2" name="Title 1"/>
+          <p:cNvSpPr>
+            <a:spLocks noGrp="1"/>
+          </p:cNvSpPr>
+          <p:nvPr>
+            <p:ph type="title"/>
+          </p:nvPr>
+        </p:nvSpPr>
+        <p:spPr>
+          <a:xfrm>
+            <a:off x="2208212" y="685800"/>
+            <a:ext cx="8990012" cy="2743199"/>
+          </a:xfrm>
+        </p:spPr>
+        <p:txBody>
+          <a:bodyPr anchor="ctr">
+            <a:normAutofit/>
+          </a:bodyPr>
+          <a:lstStyle>
+            <a:lvl1pPr algn="ctr">
+              <a:defRPr sz="3200" b="0" cap="none">
+                <a:solidFill>
+                  <a:schemeClr val="tx1"/>
+                </a:solidFill>
+              </a:defRPr>
+            </a:lvl1pPr>
+          </a:lstStyle>
+          <a:p>
+            <a:r>
+              <a:rPr lang="es-ES"/>
+              <a:t>Haga clic para modificar el estilo de título del patrón</a:t>
+            </a:r>
+            <a:endParaRPr lang="en-US" dirty="0"/>
+          </a:p>
+        </p:txBody>
+      </p:sp>
+      <p:sp>
+        <p:nvSpPr>
+          <p:cNvPr id="10" name="Text Placeholder 9"/>
+          <p:cNvSpPr>
+            <a:spLocks noGrp="1"/>
+          </p:cNvSpPr>
+          <p:nvPr>
+            <p:ph type="body" sz="quarter" idx="13"/>
+          </p:nvPr>
+        </p:nvSpPr>
+        <p:spPr>
+          <a:xfrm>
+            <a:off x="2436811" y="3428999"/>
+            <a:ext cx="8532815" cy="381000"/>
+          </a:xfrm>
+        </p:spPr>
+        <p:txBody>
+          <a:bodyPr anchor="ctr">
+            <a:normAutofit/>
+          </a:bodyPr>
+          <a:lstStyle>
+            <a:lvl1pPr marL="0" indent="0">
+              <a:buFontTx/>
+              <a:buNone/>
+              <a:defRPr sz="1800"/>
+            </a:lvl1pPr>
+            <a:lvl2pPr marL="457200" indent="0">
+              <a:buFontTx/>
+              <a:buNone/>
+              <a:defRPr/>
+            </a:lvl2pPr>
+            <a:lvl3pPr marL="914400" indent="0">
+              <a:buFontTx/>
+              <a:buNone/>
+              <a:defRPr/>
+            </a:lvl3pPr>
+            <a:lvl4pPr marL="1371600" indent="0">
+              <a:buFontTx/>
+              <a:buNone/>
+              <a:defRPr/>
+            </a:lvl4pPr>
+            <a:lvl5pPr marL="1828800" indent="0">
+              <a:buFontTx/>
+              <a:buNone/>
+              <a:defRPr/>
+            </a:lvl5pPr>
+          </a:lstStyle>
+          <a:p>
+            <a:pPr lvl="0"/>
+            <a:r>
+              <a:rPr lang="es-ES"/>
+              <a:t>Haga clic para modificar los estilos de texto del patrón</a:t>
+            </a:r>
+          </a:p>
+        </p:txBody>
+      </p:sp>
+      <p:sp>
+        <p:nvSpPr>
+          <p:cNvPr id="3" name="Text Placeholder 2"/>
+          <p:cNvSpPr>
+            <a:spLocks noGrp="1"/>
+          </p:cNvSpPr>
+          <p:nvPr>
+            <p:ph type="body" idx="1"/>
+          </p:nvPr>
+        </p:nvSpPr>
+        <p:spPr>
+          <a:xfrm>
+            <a:off x="1484311" y="4343400"/>
+            <a:ext cx="10018711" cy="1447800"/>
+          </a:xfrm>
+        </p:spPr>
+        <p:txBody>
+          <a:bodyPr anchor="ctr">
+            <a:normAutofit/>
+          </a:bodyPr>
+          <a:lstStyle>
+            <a:lvl1pPr marL="0" indent="0" algn="ctr">
+              <a:buNone/>
+              <a:defRPr sz="2000">
+                <a:solidFill>
+                  <a:schemeClr val="tx1"/>
+                </a:solidFill>
+              </a:defRPr>
+            </a:lvl1pPr>
+            <a:lvl2pPr marL="457200" indent="0">
+              <a:buNone/>
+              <a:defRPr sz="1800">
+                <a:solidFill>
+                  <a:schemeClr val="tx1">
+                    <a:tint val="75000"/>
+                  </a:schemeClr>
+                </a:solidFill>
+              </a:defRPr>
+            </a:lvl2pPr>
+            <a:lvl3pPr marL="914400" indent="0">
+              <a:buNone/>
+              <a:defRPr sz="1600">
+                <a:solidFill>
+                  <a:schemeClr val="tx1">
+                    <a:tint val="75000"/>
+                  </a:schemeClr>
+                </a:solidFill>
+              </a:defRPr>
+            </a:lvl3pPr>
+            <a:lvl4pPr marL="1371600" indent="0">
+              <a:buNone/>
+              <a:defRPr sz="1400">
+                <a:solidFill>
+                  <a:schemeClr val="tx1">
+                    <a:tint val="75000"/>
+                  </a:schemeClr>
+                </a:solidFill>
+              </a:defRPr>
+            </a:lvl4pPr>
+            <a:lvl5pPr marL="1828800" indent="0">
+              <a:buNone/>
+              <a:defRPr sz="1400">
+                <a:solidFill>
+                  <a:schemeClr val="tx1">
+                    <a:tint val="75000"/>
+                  </a:schemeClr>
+                </a:solidFill>
+              </a:defRPr>
+            </a:lvl5pPr>
+            <a:lvl6pPr marL="2286000" indent="0">
+              <a:buNone/>
+              <a:defRPr sz="1400">
+                <a:solidFill>
+                  <a:schemeClr val="tx1">
+                    <a:tint val="75000"/>
+                  </a:schemeClr>
+                </a:solidFill>
+              </a:defRPr>
+            </a:lvl6pPr>
+            <a:lvl7pPr marL="2743200" indent="0">
+              <a:buNone/>
+              <a:defRPr sz="1400">
+                <a:solidFill>
+                  <a:schemeClr val="tx1">
+                    <a:tint val="75000"/>
+                  </a:schemeClr>
+                </a:solidFill>
+              </a:defRPr>
+            </a:lvl7pPr>
+            <a:lvl8pPr marL="3200400" indent="0">
+              <a:buNone/>
+              <a:defRPr sz="1400">
+                <a:solidFill>
+                  <a:schemeClr val="tx1">
+                    <a:tint val="75000"/>
+                  </a:schemeClr>
+                </a:solidFill>
+              </a:defRPr>
+            </a:lvl8pPr>
+            <a:lvl9pPr marL="3657600" indent="0">
+              <a:buNone/>
+              <a:defRPr sz="1400">
+                <a:solidFill>
+                  <a:schemeClr val="tx1">
+                    <a:tint val="75000"/>
+                  </a:schemeClr>
+                </a:solidFill>
+              </a:defRPr>
+            </a:lvl9pPr>
+          </a:lstStyle>
+          <a:p>
+            <a:pPr lvl="0"/>
+            <a:r>
+              <a:rPr lang="es-ES"/>
+              <a:t>Haga clic para modificar los estilos de texto del patrón</a:t>
+            </a:r>
+          </a:p>
+        </p:txBody>
+      </p:sp>
+      <p:sp>
+        <p:nvSpPr>
+          <p:cNvPr id="4" name="Date Placeholder 3"/>
+          <p:cNvSpPr>
+            <a:spLocks noGrp="1"/>
+          </p:cNvSpPr>
+          <p:nvPr>
+            <p:ph type="dt" sz="half" idx="10"/>
+          </p:nvPr>
+        </p:nvSpPr>
+        <p:spPr/>
+        <p:txBody>
+          <a:bodyPr/>
+          <a:lstStyle/>
+          <a:p>
+            <a:fld id="{69E32DB5-B750-4F20-9EEF-A545E10E8069}" type="datetimeFigureOut">
+              <a:rPr lang="es-CO" smtClean="0"/>
+              <a:t>14/04/2021</a:t>
+            </a:fld>
+            <a:endParaRPr lang="es-CO"/>
+          </a:p>
+        </p:txBody>
+      </p:sp>
+      <p:sp>
+        <p:nvSpPr>
+          <p:cNvPr id="5" name="Footer Placeholder 4"/>
+          <p:cNvSpPr>
+            <a:spLocks noGrp="1"/>
+          </p:cNvSpPr>
+          <p:nvPr>
+            <p:ph type="ftr" sz="quarter" idx="11"/>
+          </p:nvPr>
+        </p:nvSpPr>
+        <p:spPr/>
+        <p:txBody>
+          <a:bodyPr/>
+          <a:lstStyle/>
+          <a:p>
+            <a:endParaRPr lang="es-CO"/>
+          </a:p>
+        </p:txBody>
+      </p:sp>
+      <p:sp>
+        <p:nvSpPr>
+          <p:cNvPr id="6" name="Slide Number Placeholder 5"/>
+          <p:cNvSpPr>
+            <a:spLocks noGrp="1"/>
+          </p:cNvSpPr>
+          <p:nvPr>
+            <p:ph type="sldNum" sz="quarter" idx="12"/>
+          </p:nvPr>
+        </p:nvSpPr>
+        <p:spPr/>
+        <p:txBody>
+          <a:bodyPr/>
+          <a:lstStyle/>
+          <a:p>
+            <a:fld id="{2C375566-C95F-40CD-B523-ACE5DDCDCE23}" type="slidenum">
+              <a:rPr lang="es-CO" smtClean="0"/>
+              <a:t>‹Nº›</a:t>
+            </a:fld>
+            <a:endParaRPr lang="es-CO"/>
+          </a:p>
+        </p:txBody>
+      </p:sp>
+    </p:spTree>
+    <p:extLst>
+      <p:ext uri="{BB962C8B-B14F-4D97-AF65-F5344CB8AC3E}">
+        <p14:creationId xmlns:p14="http://schemas.microsoft.com/office/powerpoint/2010/main" val="2446251022"/>
+      </p:ext>
+    </p:extLst>
+  </p:cSld>
+  <p:clrMapOvr>
+    <a:masterClrMapping/>
+  </p:clrMapOvr>
+</p:sldLayout>
+</file>
+
+<file path=ppt/slideLayouts/slideLayout13.xml><?xml version="1.0" encoding="utf-8"?>
+<p:sldLayout xmlns:a="http://schemas.openxmlformats.org/drawingml/2006/main" xmlns:r="http://schemas.openxmlformats.org/officeDocument/2006/relationships" xmlns:p="http://schemas.openxmlformats.org/presentationml/2006/main" preserve="1">
+  <p:cSld name="Tarjeta de nombre">
+    <p:spTree>
+      <p:nvGrpSpPr>
+        <p:cNvPr id="1" name=""/>
+        <p:cNvGrpSpPr/>
+        <p:nvPr/>
+      </p:nvGrpSpPr>
+      <p:grpSpPr>
+        <a:xfrm>
+          <a:off x="0" y="0"/>
+          <a:ext cx="0" cy="0"/>
+          <a:chOff x="0" y="0"/>
+          <a:chExt cx="0" cy="0"/>
+        </a:xfrm>
+      </p:grpSpPr>
+      <p:sp>
+        <p:nvSpPr>
+          <p:cNvPr id="2" name="Title 1"/>
+          <p:cNvSpPr>
+            <a:spLocks noGrp="1"/>
+          </p:cNvSpPr>
+          <p:nvPr>
+            <p:ph type="title"/>
+          </p:nvPr>
+        </p:nvSpPr>
+        <p:spPr>
+          <a:xfrm>
+            <a:off x="1484313" y="3308581"/>
+            <a:ext cx="10018709" cy="1468800"/>
+          </a:xfrm>
+        </p:spPr>
+        <p:txBody>
+          <a:bodyPr anchor="b">
+            <a:normAutofit/>
+          </a:bodyPr>
+          <a:lstStyle>
+            <a:lvl1pPr algn="r">
+              <a:defRPr sz="3200" b="0" cap="none"/>
+            </a:lvl1pPr>
+          </a:lstStyle>
+          <a:p>
+            <a:r>
+              <a:rPr lang="es-ES"/>
+              <a:t>Haga clic para modificar el estilo de título del patrón</a:t>
+            </a:r>
+            <a:endParaRPr lang="en-US" dirty="0"/>
+          </a:p>
+        </p:txBody>
+      </p:sp>
+      <p:sp>
+        <p:nvSpPr>
+          <p:cNvPr id="3" name="Text Placeholder 2"/>
+          <p:cNvSpPr>
+            <a:spLocks noGrp="1"/>
+          </p:cNvSpPr>
+          <p:nvPr>
+            <p:ph type="body" idx="1"/>
+          </p:nvPr>
+        </p:nvSpPr>
+        <p:spPr>
+          <a:xfrm>
+            <a:off x="1484312" y="4777381"/>
+            <a:ext cx="10018710" cy="860400"/>
+          </a:xfrm>
+        </p:spPr>
+        <p:txBody>
+          <a:bodyPr anchor="t">
+            <a:normAutofit/>
+          </a:bodyPr>
+          <a:lstStyle>
+            <a:lvl1pPr marL="0" indent="0" algn="r">
+              <a:buNone/>
+              <a:defRPr sz="2000">
+                <a:solidFill>
+                  <a:schemeClr val="tx1"/>
+                </a:solidFill>
+              </a:defRPr>
+            </a:lvl1pPr>
+            <a:lvl2pPr marL="457200" indent="0">
+              <a:buNone/>
+              <a:defRPr sz="1800">
+                <a:solidFill>
+                  <a:schemeClr val="tx1">
+                    <a:tint val="75000"/>
+                  </a:schemeClr>
+                </a:solidFill>
+              </a:defRPr>
+            </a:lvl2pPr>
+            <a:lvl3pPr marL="914400" indent="0">
+              <a:buNone/>
+              <a:defRPr sz="1600">
+                <a:solidFill>
+                  <a:schemeClr val="tx1">
+                    <a:tint val="75000"/>
+                  </a:schemeClr>
+                </a:solidFill>
+              </a:defRPr>
+            </a:lvl3pPr>
+            <a:lvl4pPr marL="1371600" indent="0">
+              <a:buNone/>
+              <a:defRPr sz="1400">
+                <a:solidFill>
+                  <a:schemeClr val="tx1">
+                    <a:tint val="75000"/>
+                  </a:schemeClr>
+                </a:solidFill>
+              </a:defRPr>
+            </a:lvl4pPr>
+            <a:lvl5pPr marL="1828800" indent="0">
+              <a:buNone/>
+              <a:defRPr sz="1400">
+                <a:solidFill>
+                  <a:schemeClr val="tx1">
+                    <a:tint val="75000"/>
+                  </a:schemeClr>
+                </a:solidFill>
+              </a:defRPr>
+            </a:lvl5pPr>
+            <a:lvl6pPr marL="2286000" indent="0">
+              <a:buNone/>
+              <a:defRPr sz="1400">
+                <a:solidFill>
+                  <a:schemeClr val="tx1">
+                    <a:tint val="75000"/>
+                  </a:schemeClr>
+                </a:solidFill>
+              </a:defRPr>
+            </a:lvl6pPr>
+            <a:lvl7pPr marL="2743200" indent="0">
+              <a:buNone/>
+              <a:defRPr sz="1400">
+                <a:solidFill>
+                  <a:schemeClr val="tx1">
+                    <a:tint val="75000"/>
+                  </a:schemeClr>
+                </a:solidFill>
+              </a:defRPr>
+            </a:lvl7pPr>
+            <a:lvl8pPr marL="3200400" indent="0">
+              <a:buNone/>
+              <a:defRPr sz="1400">
+                <a:solidFill>
+                  <a:schemeClr val="tx1">
+                    <a:tint val="75000"/>
+                  </a:schemeClr>
+                </a:solidFill>
+              </a:defRPr>
+            </a:lvl8pPr>
+            <a:lvl9pPr marL="3657600" indent="0">
+              <a:buNone/>
+              <a:defRPr sz="1400">
+                <a:solidFill>
+                  <a:schemeClr val="tx1">
+                    <a:tint val="75000"/>
+                  </a:schemeClr>
+                </a:solidFill>
+              </a:defRPr>
+            </a:lvl9pPr>
+          </a:lstStyle>
+          <a:p>
+            <a:pPr lvl="0"/>
+            <a:r>
+              <a:rPr lang="es-ES"/>
+              <a:t>Haga clic para modificar los estilos de texto del patrón</a:t>
+            </a:r>
+          </a:p>
+        </p:txBody>
+      </p:sp>
+      <p:sp>
+        <p:nvSpPr>
+          <p:cNvPr id="4" name="Date Placeholder 3"/>
+          <p:cNvSpPr>
+            <a:spLocks noGrp="1"/>
+          </p:cNvSpPr>
+          <p:nvPr>
+            <p:ph type="dt" sz="half" idx="10"/>
+          </p:nvPr>
+        </p:nvSpPr>
+        <p:spPr/>
+        <p:txBody>
+          <a:bodyPr/>
+          <a:lstStyle/>
+          <a:p>
+            <a:fld id="{69E32DB5-B750-4F20-9EEF-A545E10E8069}" type="datetimeFigureOut">
+              <a:rPr lang="es-CO" smtClean="0"/>
+              <a:t>14/04/2021</a:t>
+            </a:fld>
+            <a:endParaRPr lang="es-CO"/>
+          </a:p>
+        </p:txBody>
+      </p:sp>
+      <p:sp>
+        <p:nvSpPr>
+          <p:cNvPr id="5" name="Footer Placeholder 4"/>
+          <p:cNvSpPr>
+            <a:spLocks noGrp="1"/>
+          </p:cNvSpPr>
+          <p:nvPr>
+            <p:ph type="ftr" sz="quarter" idx="11"/>
+          </p:nvPr>
+        </p:nvSpPr>
+        <p:spPr/>
+        <p:txBody>
+          <a:bodyPr/>
+          <a:lstStyle/>
+          <a:p>
+            <a:endParaRPr lang="es-CO"/>
+          </a:p>
+        </p:txBody>
+      </p:sp>
+      <p:sp>
+        <p:nvSpPr>
+          <p:cNvPr id="6" name="Slide Number Placeholder 5"/>
+          <p:cNvSpPr>
+            <a:spLocks noGrp="1"/>
+          </p:cNvSpPr>
+          <p:nvPr>
+            <p:ph type="sldNum" sz="quarter" idx="12"/>
+          </p:nvPr>
+        </p:nvSpPr>
+        <p:spPr/>
+        <p:txBody>
+          <a:bodyPr/>
+          <a:lstStyle/>
+          <a:p>
+            <a:fld id="{2C375566-C95F-40CD-B523-ACE5DDCDCE23}" type="slidenum">
+              <a:rPr lang="es-CO" smtClean="0"/>
+              <a:t>‹Nº›</a:t>
+            </a:fld>
+            <a:endParaRPr lang="es-CO"/>
+          </a:p>
+        </p:txBody>
+      </p:sp>
+    </p:spTree>
+    <p:extLst>
+      <p:ext uri="{BB962C8B-B14F-4D97-AF65-F5344CB8AC3E}">
+        <p14:creationId xmlns:p14="http://schemas.microsoft.com/office/powerpoint/2010/main" val="490304580"/>
+      </p:ext>
+    </p:extLst>
+  </p:cSld>
+  <p:clrMapOvr>
+    <a:masterClrMapping/>
+  </p:clrMapOvr>
+</p:sldLayout>
+</file>
+
+<file path=ppt/slideLayouts/slideLayout14.xml><?xml version="1.0" encoding="utf-8"?>
+<p:sldLayout xmlns:a="http://schemas.openxmlformats.org/drawingml/2006/main" xmlns:r="http://schemas.openxmlformats.org/officeDocument/2006/relationships" xmlns:p="http://schemas.openxmlformats.org/presentationml/2006/main" preserve="1">
+  <p:cSld name="Citar la tarjeta de nombre">
+    <p:spTree>
+      <p:nvGrpSpPr>
+        <p:cNvPr id="1" name=""/>
+        <p:cNvGrpSpPr/>
+        <p:nvPr/>
+      </p:nvGrpSpPr>
+      <p:grpSpPr>
+        <a:xfrm>
+          <a:off x="0" y="0"/>
+          <a:ext cx="0" cy="0"/>
+          <a:chOff x="0" y="0"/>
+          <a:chExt cx="0" cy="0"/>
+        </a:xfrm>
+      </p:grpSpPr>
+      <p:sp>
+        <p:nvSpPr>
+          <p:cNvPr id="14" name="TextBox 13"/>
+          <p:cNvSpPr txBox="1"/>
+          <p:nvPr/>
+        </p:nvSpPr>
+        <p:spPr>
+          <a:xfrm>
+            <a:off x="1598612" y="863023"/>
+            <a:ext cx="609600" cy="584776"/>
+          </a:xfrm>
+          <a:prstGeom prst="rect">
+            <a:avLst/>
+          </a:prstGeom>
+        </p:spPr>
+        <p:txBody>
+          <a:bodyPr vert="horz" lIns="91440" tIns="45720" rIns="91440" bIns="45720" rtlCol="0" anchor="ctr">
+            <a:noAutofit/>
+          </a:bodyPr>
+          <a:lstStyle>
+            <a:lvl1pPr>
+              <a:spcBef>
+                <a:spcPct val="0"/>
+              </a:spcBef>
+              <a:buNone/>
+              <a:defRPr sz="3200" b="0" cap="all">
+                <a:ln w="3175" cmpd="sng">
+                  <a:noFill/>
+                </a:ln>
+                <a:effectLst>
+                  <a:glow rad="38100">
+                    <a:schemeClr val="bg1">
+                      <a:lumMod val="65000"/>
+                      <a:lumOff val="35000"/>
+                      <a:alpha val="40000"/>
+                    </a:schemeClr>
+                  </a:glow>
+                  <a:outerShdw blurRad="28575" dist="38100" dir="14040000" algn="tl" rotWithShape="0">
+                    <a:srgbClr val="000000">
+                      <a:alpha val="25000"/>
+                    </a:srgbClr>
+                  </a:outerShdw>
+                </a:effectLst>
+              </a:defRPr>
+            </a:lvl1pPr>
+            <a:lvl2pPr>
+              <a:defRPr>
+                <a:solidFill>
+                  <a:schemeClr val="tx2"/>
+                </a:solidFill>
+              </a:defRPr>
+            </a:lvl2pPr>
+            <a:lvl3pPr>
+              <a:defRPr>
+                <a:solidFill>
+                  <a:schemeClr val="tx2"/>
+                </a:solidFill>
+              </a:defRPr>
+            </a:lvl3pPr>
+            <a:lvl4pPr>
+              <a:defRPr>
+                <a:solidFill>
+                  <a:schemeClr val="tx2"/>
+                </a:solidFill>
+              </a:defRPr>
+            </a:lvl4pPr>
+            <a:lvl5pPr>
+              <a:defRPr>
+                <a:solidFill>
+                  <a:schemeClr val="tx2"/>
+                </a:solidFill>
+              </a:defRPr>
+            </a:lvl5pPr>
+            <a:lvl6pPr>
+              <a:defRPr>
+                <a:solidFill>
+                  <a:schemeClr val="tx2"/>
+                </a:solidFill>
+              </a:defRPr>
+            </a:lvl6pPr>
+            <a:lvl7pPr>
+              <a:defRPr>
+                <a:solidFill>
+                  <a:schemeClr val="tx2"/>
+                </a:solidFill>
+              </a:defRPr>
+            </a:lvl7pPr>
+            <a:lvl8pPr>
+              <a:defRPr>
+                <a:solidFill>
+                  <a:schemeClr val="tx2"/>
+                </a:solidFill>
+              </a:defRPr>
+            </a:lvl8pPr>
+            <a:lvl9pPr>
+              <a:defRPr>
+                <a:solidFill>
+                  <a:schemeClr val="tx2"/>
+                </a:solidFill>
+              </a:defRPr>
+            </a:lvl9pPr>
+          </a:lstStyle>
+          <a:p>
+            <a:pPr lvl="0"/>
+            <a:r>
+              <a:rPr lang="en-US" sz="8000" dirty="0">
+                <a:solidFill>
+                  <a:schemeClr val="tx1"/>
+                </a:solidFill>
+                <a:effectLst/>
+              </a:rPr>
+              <a:t>“</a:t>
+            </a:r>
+          </a:p>
+        </p:txBody>
+      </p:sp>
+      <p:sp>
+        <p:nvSpPr>
+          <p:cNvPr id="15" name="TextBox 14"/>
+          <p:cNvSpPr txBox="1"/>
+          <p:nvPr/>
+        </p:nvSpPr>
+        <p:spPr>
+          <a:xfrm>
+            <a:off x="10893425" y="2819399"/>
+            <a:ext cx="609600" cy="584776"/>
+          </a:xfrm>
+          <a:prstGeom prst="rect">
+            <a:avLst/>
+          </a:prstGeom>
+        </p:spPr>
+        <p:txBody>
+          <a:bodyPr vert="horz" lIns="91440" tIns="45720" rIns="91440" bIns="45720" rtlCol="0" anchor="ctr">
+            <a:noAutofit/>
+          </a:bodyPr>
+          <a:lstStyle>
+            <a:lvl1pPr>
+              <a:spcBef>
+                <a:spcPct val="0"/>
+              </a:spcBef>
+              <a:buNone/>
+              <a:defRPr sz="3200" b="0" cap="all">
+                <a:ln w="3175" cmpd="sng">
+                  <a:noFill/>
+                </a:ln>
+                <a:effectLst>
+                  <a:glow rad="38100">
+                    <a:schemeClr val="bg1">
+                      <a:lumMod val="65000"/>
+                      <a:lumOff val="35000"/>
+                      <a:alpha val="40000"/>
+                    </a:schemeClr>
+                  </a:glow>
+                  <a:outerShdw blurRad="28575" dist="38100" dir="14040000" algn="tl" rotWithShape="0">
+                    <a:srgbClr val="000000">
+                      <a:alpha val="25000"/>
+                    </a:srgbClr>
+                  </a:outerShdw>
+                </a:effectLst>
+              </a:defRPr>
+            </a:lvl1pPr>
+            <a:lvl2pPr>
+              <a:defRPr>
+                <a:solidFill>
+                  <a:schemeClr val="tx2"/>
+                </a:solidFill>
+              </a:defRPr>
+            </a:lvl2pPr>
+            <a:lvl3pPr>
+              <a:defRPr>
+                <a:solidFill>
+                  <a:schemeClr val="tx2"/>
+                </a:solidFill>
+              </a:defRPr>
+            </a:lvl3pPr>
+            <a:lvl4pPr>
+              <a:defRPr>
+                <a:solidFill>
+                  <a:schemeClr val="tx2"/>
+                </a:solidFill>
+              </a:defRPr>
+            </a:lvl4pPr>
+            <a:lvl5pPr>
+              <a:defRPr>
+                <a:solidFill>
+                  <a:schemeClr val="tx2"/>
+                </a:solidFill>
+              </a:defRPr>
+            </a:lvl5pPr>
+            <a:lvl6pPr>
+              <a:defRPr>
+                <a:solidFill>
+                  <a:schemeClr val="tx2"/>
+                </a:solidFill>
+              </a:defRPr>
+            </a:lvl6pPr>
+            <a:lvl7pPr>
+              <a:defRPr>
+                <a:solidFill>
+                  <a:schemeClr val="tx2"/>
+                </a:solidFill>
+              </a:defRPr>
+            </a:lvl7pPr>
+            <a:lvl8pPr>
+              <a:defRPr>
+                <a:solidFill>
+                  <a:schemeClr val="tx2"/>
+                </a:solidFill>
+              </a:defRPr>
+            </a:lvl8pPr>
+            <a:lvl9pPr>
+              <a:defRPr>
+                <a:solidFill>
+                  <a:schemeClr val="tx2"/>
+                </a:solidFill>
+              </a:defRPr>
+            </a:lvl9pPr>
+          </a:lstStyle>
+          <a:p>
+            <a:pPr lvl="0" algn="r"/>
+            <a:r>
+              <a:rPr lang="en-US" sz="8000" dirty="0">
+                <a:solidFill>
+                  <a:schemeClr val="tx1"/>
+                </a:solidFill>
+                <a:effectLst/>
+              </a:rPr>
+              <a:t>”</a:t>
+            </a:r>
+          </a:p>
+        </p:txBody>
+      </p:sp>
+      <p:sp>
+        <p:nvSpPr>
+          <p:cNvPr id="2" name="Title 1"/>
+          <p:cNvSpPr>
+            <a:spLocks noGrp="1"/>
+          </p:cNvSpPr>
+          <p:nvPr>
+            <p:ph type="title"/>
+          </p:nvPr>
+        </p:nvSpPr>
+        <p:spPr>
+          <a:xfrm>
+            <a:off x="2208212" y="685800"/>
+            <a:ext cx="8990012" cy="2743199"/>
+          </a:xfrm>
+        </p:spPr>
+        <p:txBody>
+          <a:bodyPr anchor="ctr">
+            <a:normAutofit/>
+          </a:bodyPr>
+          <a:lstStyle>
+            <a:lvl1pPr algn="ctr">
+              <a:defRPr sz="3200" b="0" cap="none">
+                <a:solidFill>
+                  <a:schemeClr val="tx1"/>
+                </a:solidFill>
+              </a:defRPr>
+            </a:lvl1pPr>
+          </a:lstStyle>
+          <a:p>
+            <a:r>
+              <a:rPr lang="es-ES"/>
+              <a:t>Haga clic para modificar el estilo de título del patrón</a:t>
+            </a:r>
+            <a:endParaRPr lang="en-US" dirty="0"/>
+          </a:p>
+        </p:txBody>
+      </p:sp>
+      <p:sp>
+        <p:nvSpPr>
+          <p:cNvPr id="10" name="Text Placeholder 9"/>
+          <p:cNvSpPr>
+            <a:spLocks noGrp="1"/>
+          </p:cNvSpPr>
+          <p:nvPr>
+            <p:ph type="body" sz="quarter" idx="13"/>
+          </p:nvPr>
+        </p:nvSpPr>
+        <p:spPr>
+          <a:xfrm>
+            <a:off x="1484313" y="3886200"/>
+            <a:ext cx="10018710" cy="889000"/>
+          </a:xfrm>
+        </p:spPr>
+        <p:txBody>
+          <a:bodyPr vert="horz" lIns="91440" tIns="45720" rIns="91440" bIns="45720" rtlCol="0" anchor="b">
+            <a:normAutofit/>
+          </a:bodyPr>
+          <a:lstStyle>
+            <a:lvl1pPr algn="r">
+              <a:buNone/>
+              <a:defRPr lang="en-US" sz="2400" b="0" cap="none" dirty="0">
+                <a:ln w="3175" cmpd="sng">
+                  <a:noFill/>
+                </a:ln>
+                <a:solidFill>
+                  <a:schemeClr val="tx1"/>
+                </a:solidFill>
+                <a:effectLst/>
+              </a:defRPr>
+            </a:lvl1pPr>
+          </a:lstStyle>
+          <a:p>
+            <a:pPr marL="0" lvl="0">
+              <a:spcBef>
+                <a:spcPct val="0"/>
+              </a:spcBef>
+              <a:buNone/>
+            </a:pPr>
+            <a:r>
+              <a:rPr lang="es-ES"/>
+              <a:t>Haga clic para modificar los estilos de texto del patrón</a:t>
+            </a:r>
+          </a:p>
+        </p:txBody>
+      </p:sp>
+      <p:sp>
+        <p:nvSpPr>
+          <p:cNvPr id="3" name="Text Placeholder 2"/>
+          <p:cNvSpPr>
+            <a:spLocks noGrp="1"/>
+          </p:cNvSpPr>
+          <p:nvPr>
+            <p:ph type="body" idx="1"/>
+          </p:nvPr>
+        </p:nvSpPr>
+        <p:spPr>
+          <a:xfrm>
+            <a:off x="1484312" y="4775200"/>
+            <a:ext cx="10018710" cy="1016000"/>
+          </a:xfrm>
+        </p:spPr>
+        <p:txBody>
+          <a:bodyPr anchor="t">
+            <a:normAutofit/>
+          </a:bodyPr>
+          <a:lstStyle>
+            <a:lvl1pPr marL="0" indent="0" algn="r">
+              <a:buNone/>
+              <a:defRPr sz="1800">
+                <a:solidFill>
+                  <a:schemeClr val="tx1"/>
+                </a:solidFill>
+              </a:defRPr>
+            </a:lvl1pPr>
+            <a:lvl2pPr marL="457200" indent="0">
+              <a:buNone/>
+              <a:defRPr sz="1800">
+                <a:solidFill>
+                  <a:schemeClr val="tx1">
+                    <a:tint val="75000"/>
+                  </a:schemeClr>
+                </a:solidFill>
+              </a:defRPr>
+            </a:lvl2pPr>
+            <a:lvl3pPr marL="914400" indent="0">
+              <a:buNone/>
+              <a:defRPr sz="1600">
+                <a:solidFill>
+                  <a:schemeClr val="tx1">
+                    <a:tint val="75000"/>
+                  </a:schemeClr>
+                </a:solidFill>
+              </a:defRPr>
+            </a:lvl3pPr>
+            <a:lvl4pPr marL="1371600" indent="0">
+              <a:buNone/>
+              <a:defRPr sz="1400">
+                <a:solidFill>
+                  <a:schemeClr val="tx1">
+                    <a:tint val="75000"/>
+                  </a:schemeClr>
+                </a:solidFill>
+              </a:defRPr>
+            </a:lvl4pPr>
+            <a:lvl5pPr marL="1828800" indent="0">
+              <a:buNone/>
+              <a:defRPr sz="1400">
+                <a:solidFill>
+                  <a:schemeClr val="tx1">
+                    <a:tint val="75000"/>
+                  </a:schemeClr>
+                </a:solidFill>
+              </a:defRPr>
+            </a:lvl5pPr>
+            <a:lvl6pPr marL="2286000" indent="0">
+              <a:buNone/>
+              <a:defRPr sz="1400">
+                <a:solidFill>
+                  <a:schemeClr val="tx1">
+                    <a:tint val="75000"/>
+                  </a:schemeClr>
+                </a:solidFill>
+              </a:defRPr>
+            </a:lvl6pPr>
+            <a:lvl7pPr marL="2743200" indent="0">
+              <a:buNone/>
+              <a:defRPr sz="1400">
+                <a:solidFill>
+                  <a:schemeClr val="tx1">
+                    <a:tint val="75000"/>
+                  </a:schemeClr>
+                </a:solidFill>
+              </a:defRPr>
+            </a:lvl7pPr>
+            <a:lvl8pPr marL="3200400" indent="0">
+              <a:buNone/>
+              <a:defRPr sz="1400">
+                <a:solidFill>
+                  <a:schemeClr val="tx1">
+                    <a:tint val="75000"/>
+                  </a:schemeClr>
+                </a:solidFill>
+              </a:defRPr>
+            </a:lvl8pPr>
+            <a:lvl9pPr marL="3657600" indent="0">
+              <a:buNone/>
+              <a:defRPr sz="1400">
+                <a:solidFill>
+                  <a:schemeClr val="tx1">
+                    <a:tint val="75000"/>
+                  </a:schemeClr>
+                </a:solidFill>
+              </a:defRPr>
+            </a:lvl9pPr>
+          </a:lstStyle>
+          <a:p>
+            <a:pPr lvl="0"/>
+            <a:r>
+              <a:rPr lang="es-ES"/>
+              <a:t>Haga clic para modificar los estilos de texto del patrón</a:t>
+            </a:r>
+          </a:p>
+        </p:txBody>
+      </p:sp>
+      <p:sp>
+        <p:nvSpPr>
+          <p:cNvPr id="4" name="Date Placeholder 3"/>
+          <p:cNvSpPr>
+            <a:spLocks noGrp="1"/>
+          </p:cNvSpPr>
+          <p:nvPr>
+            <p:ph type="dt" sz="half" idx="10"/>
+          </p:nvPr>
+        </p:nvSpPr>
+        <p:spPr/>
+        <p:txBody>
+          <a:bodyPr/>
+          <a:lstStyle/>
+          <a:p>
+            <a:fld id="{69E32DB5-B750-4F20-9EEF-A545E10E8069}" type="datetimeFigureOut">
+              <a:rPr lang="es-CO" smtClean="0"/>
+              <a:t>14/04/2021</a:t>
+            </a:fld>
+            <a:endParaRPr lang="es-CO"/>
+          </a:p>
+        </p:txBody>
+      </p:sp>
+      <p:sp>
+        <p:nvSpPr>
+          <p:cNvPr id="5" name="Footer Placeholder 4"/>
+          <p:cNvSpPr>
+            <a:spLocks noGrp="1"/>
+          </p:cNvSpPr>
+          <p:nvPr>
+            <p:ph type="ftr" sz="quarter" idx="11"/>
+          </p:nvPr>
+        </p:nvSpPr>
+        <p:spPr/>
+        <p:txBody>
+          <a:bodyPr/>
+          <a:lstStyle/>
+          <a:p>
+            <a:endParaRPr lang="es-CO"/>
+          </a:p>
+        </p:txBody>
+      </p:sp>
+      <p:sp>
+        <p:nvSpPr>
+          <p:cNvPr id="6" name="Slide Number Placeholder 5"/>
+          <p:cNvSpPr>
+            <a:spLocks noGrp="1"/>
+          </p:cNvSpPr>
+          <p:nvPr>
+            <p:ph type="sldNum" sz="quarter" idx="12"/>
+          </p:nvPr>
+        </p:nvSpPr>
+        <p:spPr/>
+        <p:txBody>
+          <a:bodyPr/>
+          <a:lstStyle/>
+          <a:p>
+            <a:fld id="{2C375566-C95F-40CD-B523-ACE5DDCDCE23}" type="slidenum">
+              <a:rPr lang="es-CO" smtClean="0"/>
+              <a:t>‹Nº›</a:t>
+            </a:fld>
+            <a:endParaRPr lang="es-CO"/>
+          </a:p>
+        </p:txBody>
+      </p:sp>
+    </p:spTree>
+    <p:extLst>
+      <p:ext uri="{BB962C8B-B14F-4D97-AF65-F5344CB8AC3E}">
+        <p14:creationId xmlns:p14="http://schemas.microsoft.com/office/powerpoint/2010/main" val="1054383590"/>
+      </p:ext>
+    </p:extLst>
+  </p:cSld>
+  <p:clrMapOvr>
+    <a:masterClrMapping/>
+  </p:clrMapOvr>
+</p:sldLayout>
+</file>
+
+<file path=ppt/slideLayouts/slideLayout15.xml><?xml version="1.0" encoding="utf-8"?>
+<p:sldLayout xmlns:a="http://schemas.openxmlformats.org/drawingml/2006/main" xmlns:r="http://schemas.openxmlformats.org/officeDocument/2006/relationships" xmlns:p="http://schemas.openxmlformats.org/presentationml/2006/main" preserve="1">
+  <p:cSld name="Verdadero o falso">
+    <p:spTree>
+      <p:nvGrpSpPr>
+        <p:cNvPr id="1" name=""/>
+        <p:cNvGrpSpPr/>
+        <p:nvPr/>
+      </p:nvGrpSpPr>
+      <p:grpSpPr>
+        <a:xfrm>
+          <a:off x="0" y="0"/>
+          <a:ext cx="0" cy="0"/>
+          <a:chOff x="0" y="0"/>
+          <a:chExt cx="0" cy="0"/>
+        </a:xfrm>
+      </p:grpSpPr>
+      <p:sp>
+        <p:nvSpPr>
+          <p:cNvPr id="2" name="Title 1"/>
+          <p:cNvSpPr>
+            <a:spLocks noGrp="1"/>
+          </p:cNvSpPr>
+          <p:nvPr>
+            <p:ph type="title"/>
+          </p:nvPr>
+        </p:nvSpPr>
+        <p:spPr>
+          <a:xfrm>
+            <a:off x="1484313" y="685800"/>
+            <a:ext cx="10018712" cy="2727325"/>
+          </a:xfrm>
+        </p:spPr>
+        <p:txBody>
+          <a:bodyPr vert="horz" lIns="91440" tIns="45720" rIns="91440" bIns="45720" rtlCol="0" anchor="ctr">
+            <a:normAutofit/>
+          </a:bodyPr>
+          <a:lstStyle>
+            <a:lvl1pPr>
+              <a:defRPr lang="en-US" b="0" dirty="0"/>
+            </a:lvl1pPr>
+          </a:lstStyle>
+          <a:p>
+            <a:pPr marL="0" lvl="0"/>
+            <a:r>
+              <a:rPr lang="es-ES"/>
+              <a:t>Haga clic para modificar el estilo de título del patrón</a:t>
+            </a:r>
+            <a:endParaRPr lang="en-US" dirty="0"/>
+          </a:p>
+        </p:txBody>
+      </p:sp>
+      <p:sp>
+        <p:nvSpPr>
+          <p:cNvPr id="10" name="Text Placeholder 9"/>
+          <p:cNvSpPr>
+            <a:spLocks noGrp="1"/>
+          </p:cNvSpPr>
+          <p:nvPr>
+            <p:ph type="body" sz="quarter" idx="13"/>
+          </p:nvPr>
+        </p:nvSpPr>
+        <p:spPr>
+          <a:xfrm>
+            <a:off x="1484312" y="3505200"/>
+            <a:ext cx="10018713" cy="838200"/>
+          </a:xfrm>
+        </p:spPr>
+        <p:txBody>
+          <a:bodyPr vert="horz" lIns="91440" tIns="45720" rIns="91440" bIns="45720" rtlCol="0" anchor="b">
+            <a:normAutofit/>
+          </a:bodyPr>
+          <a:lstStyle>
+            <a:lvl1pPr>
+              <a:buNone/>
+              <a:defRPr lang="en-US" sz="2800" b="0" cap="none" dirty="0">
+                <a:ln w="3175" cmpd="sng">
+                  <a:noFill/>
+                </a:ln>
+                <a:solidFill>
+                  <a:schemeClr val="tx1"/>
+                </a:solidFill>
+                <a:effectLst/>
+              </a:defRPr>
+            </a:lvl1pPr>
+          </a:lstStyle>
+          <a:p>
+            <a:pPr marL="0" lvl="0">
+              <a:spcBef>
+                <a:spcPct val="0"/>
+              </a:spcBef>
+              <a:buNone/>
+            </a:pPr>
+            <a:r>
+              <a:rPr lang="es-ES"/>
+              <a:t>Haga clic para modificar los estilos de texto del patrón</a:t>
+            </a:r>
+          </a:p>
+        </p:txBody>
+      </p:sp>
+      <p:sp>
+        <p:nvSpPr>
+          <p:cNvPr id="3" name="Text Placeholder 2"/>
+          <p:cNvSpPr>
+            <a:spLocks noGrp="1"/>
+          </p:cNvSpPr>
+          <p:nvPr>
+            <p:ph type="body" idx="1"/>
+          </p:nvPr>
+        </p:nvSpPr>
+        <p:spPr>
+          <a:xfrm>
+            <a:off x="1484311" y="4343400"/>
+            <a:ext cx="10018713" cy="1447800"/>
+          </a:xfrm>
+        </p:spPr>
+        <p:txBody>
+          <a:bodyPr anchor="t">
+            <a:normAutofit/>
+          </a:bodyPr>
+          <a:lstStyle>
+            <a:lvl1pPr marL="0" indent="0" algn="l">
+              <a:buNone/>
+              <a:defRPr sz="1800">
+                <a:solidFill>
+                  <a:schemeClr val="tx1"/>
+                </a:solidFill>
+              </a:defRPr>
+            </a:lvl1pPr>
+            <a:lvl2pPr marL="457200" indent="0">
+              <a:buNone/>
+              <a:defRPr sz="1800">
+                <a:solidFill>
+                  <a:schemeClr val="tx1">
+                    <a:tint val="75000"/>
+                  </a:schemeClr>
+                </a:solidFill>
+              </a:defRPr>
+            </a:lvl2pPr>
+            <a:lvl3pPr marL="914400" indent="0">
+              <a:buNone/>
+              <a:defRPr sz="1600">
+                <a:solidFill>
+                  <a:schemeClr val="tx1">
+                    <a:tint val="75000"/>
+                  </a:schemeClr>
+                </a:solidFill>
+              </a:defRPr>
+            </a:lvl3pPr>
+            <a:lvl4pPr marL="1371600" indent="0">
+              <a:buNone/>
+              <a:defRPr sz="1400">
+                <a:solidFill>
+                  <a:schemeClr val="tx1">
+                    <a:tint val="75000"/>
+                  </a:schemeClr>
+                </a:solidFill>
+              </a:defRPr>
+            </a:lvl4pPr>
+            <a:lvl5pPr marL="1828800" indent="0">
+              <a:buNone/>
+              <a:defRPr sz="1400">
+                <a:solidFill>
+                  <a:schemeClr val="tx1">
+                    <a:tint val="75000"/>
+                  </a:schemeClr>
+                </a:solidFill>
+              </a:defRPr>
+            </a:lvl5pPr>
+            <a:lvl6pPr marL="2286000" indent="0">
+              <a:buNone/>
+              <a:defRPr sz="1400">
+                <a:solidFill>
+                  <a:schemeClr val="tx1">
+                    <a:tint val="75000"/>
+                  </a:schemeClr>
+                </a:solidFill>
+              </a:defRPr>
+            </a:lvl6pPr>
+            <a:lvl7pPr marL="2743200" indent="0">
+              <a:buNone/>
+              <a:defRPr sz="1400">
+                <a:solidFill>
+                  <a:schemeClr val="tx1">
+                    <a:tint val="75000"/>
+                  </a:schemeClr>
+                </a:solidFill>
+              </a:defRPr>
+            </a:lvl7pPr>
+            <a:lvl8pPr marL="3200400" indent="0">
+              <a:buNone/>
+              <a:defRPr sz="1400">
+                <a:solidFill>
+                  <a:schemeClr val="tx1">
+                    <a:tint val="75000"/>
+                  </a:schemeClr>
+                </a:solidFill>
+              </a:defRPr>
+            </a:lvl8pPr>
+            <a:lvl9pPr marL="3657600" indent="0">
+              <a:buNone/>
+              <a:defRPr sz="1400">
+                <a:solidFill>
+                  <a:schemeClr val="tx1">
+                    <a:tint val="75000"/>
+                  </a:schemeClr>
+                </a:solidFill>
+              </a:defRPr>
+            </a:lvl9pPr>
+          </a:lstStyle>
+          <a:p>
+            <a:pPr lvl="0"/>
+            <a:r>
+              <a:rPr lang="es-ES"/>
+              <a:t>Haga clic para modificar los estilos de texto del patrón</a:t>
+            </a:r>
+          </a:p>
+        </p:txBody>
+      </p:sp>
+      <p:sp>
+        <p:nvSpPr>
+          <p:cNvPr id="4" name="Date Placeholder 3"/>
+          <p:cNvSpPr>
+            <a:spLocks noGrp="1"/>
+          </p:cNvSpPr>
+          <p:nvPr>
+            <p:ph type="dt" sz="half" idx="10"/>
+          </p:nvPr>
+        </p:nvSpPr>
+        <p:spPr/>
+        <p:txBody>
+          <a:bodyPr/>
+          <a:lstStyle/>
+          <a:p>
+            <a:fld id="{69E32DB5-B750-4F20-9EEF-A545E10E8069}" type="datetimeFigureOut">
+              <a:rPr lang="es-CO" smtClean="0"/>
+              <a:t>14/04/2021</a:t>
+            </a:fld>
+            <a:endParaRPr lang="es-CO"/>
+          </a:p>
+        </p:txBody>
+      </p:sp>
+      <p:sp>
+        <p:nvSpPr>
+          <p:cNvPr id="5" name="Footer Placeholder 4"/>
+          <p:cNvSpPr>
+            <a:spLocks noGrp="1"/>
+          </p:cNvSpPr>
+          <p:nvPr>
+            <p:ph type="ftr" sz="quarter" idx="11"/>
+          </p:nvPr>
+        </p:nvSpPr>
+        <p:spPr/>
+        <p:txBody>
+          <a:bodyPr/>
+          <a:lstStyle/>
+          <a:p>
+            <a:endParaRPr lang="es-CO"/>
+          </a:p>
+        </p:txBody>
+      </p:sp>
+      <p:sp>
+        <p:nvSpPr>
+          <p:cNvPr id="6" name="Slide Number Placeholder 5"/>
+          <p:cNvSpPr>
+            <a:spLocks noGrp="1"/>
+          </p:cNvSpPr>
+          <p:nvPr>
+            <p:ph type="sldNum" sz="quarter" idx="12"/>
+          </p:nvPr>
+        </p:nvSpPr>
+        <p:spPr/>
+        <p:txBody>
+          <a:bodyPr/>
+          <a:lstStyle/>
+          <a:p>
+            <a:fld id="{2C375566-C95F-40CD-B523-ACE5DDCDCE23}" type="slidenum">
+              <a:rPr lang="es-CO" smtClean="0"/>
+              <a:t>‹Nº›</a:t>
+            </a:fld>
+            <a:endParaRPr lang="es-CO"/>
+          </a:p>
+        </p:txBody>
+      </p:sp>
+    </p:spTree>
+    <p:extLst>
+      <p:ext uri="{BB962C8B-B14F-4D97-AF65-F5344CB8AC3E}">
+        <p14:creationId xmlns:p14="http://schemas.microsoft.com/office/powerpoint/2010/main" val="4174924525"/>
+      </p:ext>
+    </p:extLst>
+  </p:cSld>
+  <p:clrMapOvr>
+    <a:masterClrMapping/>
+  </p:clrMapOvr>
+</p:sldLayout>
+</file>
+
+<file path=ppt/slideLayouts/slideLayout16.xml><?xml version="1.0" encoding="utf-8"?>
 <p:sldLayout xmlns:a="http://schemas.openxmlformats.org/drawingml/2006/main" xmlns:r="http://schemas.openxmlformats.org/officeDocument/2006/relationships" xmlns:p="http://schemas.openxmlformats.org/presentationml/2006/main" type="vertTx" preserve="1">
   <p:cSld name="Título y texto vertical">
     <p:spTree>
@@ -915,18 +3422,91 @@
       </p:grpSpPr>
       <p:sp>
         <p:nvSpPr>
-          <p:cNvPr id="2" name="Título 1">
-            <a:extLst>
-              <a:ext uri="{FF2B5EF4-FFF2-40B4-BE49-F238E27FC236}">
-                <a16:creationId xmlns:a16="http://schemas.microsoft.com/office/drawing/2014/main" id="{AB40784C-FEA2-4BAB-AB60-CD7AA2B5952A}"/>
-              </a:ext>
-            </a:extLst>
-          </p:cNvPr>
+          <p:cNvPr id="2" name="Title 1"/>
           <p:cNvSpPr>
             <a:spLocks noGrp="1"/>
           </p:cNvSpPr>
           <p:nvPr>
             <p:ph type="title"/>
+          </p:nvPr>
+        </p:nvSpPr>
+        <p:spPr/>
+        <p:txBody>
+          <a:bodyPr/>
+          <a:lstStyle>
+            <a:lvl1pPr algn="ctr">
+              <a:defRPr/>
+            </a:lvl1pPr>
+          </a:lstStyle>
+          <a:p>
+            <a:r>
+              <a:rPr lang="es-ES"/>
+              <a:t>Haga clic para modificar el estilo de título del patrón</a:t>
+            </a:r>
+            <a:endParaRPr lang="en-US" dirty="0"/>
+          </a:p>
+        </p:txBody>
+      </p:sp>
+      <p:sp>
+        <p:nvSpPr>
+          <p:cNvPr id="3" name="Vertical Text Placeholder 2"/>
+          <p:cNvSpPr>
+            <a:spLocks noGrp="1"/>
+          </p:cNvSpPr>
+          <p:nvPr>
+            <p:ph type="body" orient="vert" idx="1"/>
+          </p:nvPr>
+        </p:nvSpPr>
+        <p:spPr/>
+        <p:txBody>
+          <a:bodyPr vert="eaVert" anchor="t"/>
+          <a:lstStyle/>
+          <a:p>
+            <a:pPr lvl="0"/>
+            <a:r>
+              <a:rPr lang="es-ES"/>
+              <a:t>Haga clic para modificar los estilos de texto del patrón</a:t>
+            </a:r>
+          </a:p>
+          <a:p>
+            <a:pPr lvl="1"/>
+            <a:r>
+              <a:rPr lang="es-ES"/>
+              <a:t>Segundo nivel</a:t>
+            </a:r>
+          </a:p>
+          <a:p>
+            <a:pPr lvl="2"/>
+            <a:r>
+              <a:rPr lang="es-ES"/>
+              <a:t>Tercer nivel</a:t>
+            </a:r>
+          </a:p>
+          <a:p>
+            <a:pPr lvl="3"/>
+            <a:r>
+              <a:rPr lang="es-ES"/>
+              <a:t>Cuarto nivel</a:t>
+            </a:r>
+          </a:p>
+          <a:p>
+            <a:pPr lvl="4"/>
+            <a:r>
+              <a:rPr lang="es-ES"/>
+              <a:t>Quinto nivel</a:t>
+            </a:r>
+            <a:endParaRPr lang="en-US" dirty="0"/>
+          </a:p>
+        </p:txBody>
+      </p:sp>
+      <p:sp>
+        <p:nvSpPr>
+          <p:cNvPr id="4" name="Date Placeholder 3"/>
+          <p:cNvSpPr>
+            <a:spLocks noGrp="1"/>
+          </p:cNvSpPr>
+          <p:nvPr>
+            <p:ph type="dt" sz="half" idx="10"/>
           </p:nvPr>
         </p:nvSpPr>
         <p:spPr/>
@@ -934,86 +3514,22 @@
           <a:bodyPr/>
           <a:lstStyle/>
           <a:p>
-            <a:r>
-              <a:rPr lang="es-ES"/>
-              <a:t>Haga clic para modificar el estilo de título del patrón</a:t>
-            </a:r>
+            <a:fld id="{69E32DB5-B750-4F20-9EEF-A545E10E8069}" type="datetimeFigureOut">
+              <a:rPr lang="es-CO" smtClean="0"/>
+              <a:t>14/04/2021</a:t>
+            </a:fld>
             <a:endParaRPr lang="es-CO"/>
           </a:p>
         </p:txBody>
       </p:sp>
       <p:sp>
         <p:nvSpPr>
-          <p:cNvPr id="3" name="Marcador de texto vertical 2">
-            <a:extLst>
-              <a:ext uri="{FF2B5EF4-FFF2-40B4-BE49-F238E27FC236}">
-                <a16:creationId xmlns:a16="http://schemas.microsoft.com/office/drawing/2014/main" id="{8A48F562-2758-4F28-8936-06B793FEF2A4}"/>
-              </a:ext>
-            </a:extLst>
-          </p:cNvPr>
-          <p:cNvSpPr>
-            <a:spLocks noGrp="1"/>
-          </p:cNvSpPr>
-          <p:nvPr>
-            <p:ph type="body" orient="vert" idx="1"/>
-          </p:nvPr>
-        </p:nvSpPr>
-        <p:spPr/>
-        <p:txBody>
-          <a:bodyPr vert="eaVert"/>
-          <a:lstStyle/>
-          <a:p>
-            <a:pPr lvl="0"/>
-            <a:r>
-              <a:rPr lang="es-ES"/>
-              <a:t>Haga clic para modificar los estilos de texto del patrón</a:t>
-            </a:r>
-          </a:p>
-          <a:p>
-            <a:pPr lvl="1"/>
-            <a:r>
-              <a:rPr lang="es-ES"/>
-              <a:t>Segundo nivel</a:t>
-            </a:r>
-          </a:p>
-          <a:p>
-            <a:pPr lvl="2"/>
-            <a:r>
-              <a:rPr lang="es-ES"/>
-              <a:t>Tercer nivel</a:t>
-            </a:r>
-          </a:p>
-          <a:p>
-            <a:pPr lvl="3"/>
-            <a:r>
-              <a:rPr lang="es-ES"/>
-              <a:t>Cuarto nivel</a:t>
-            </a:r>
-          </a:p>
-          <a:p>
-            <a:pPr lvl="4"/>
-            <a:r>
-              <a:rPr lang="es-ES"/>
-              <a:t>Quinto nivel</a:t>
-            </a:r>
-            <a:endParaRPr lang="es-CO"/>
-          </a:p>
-        </p:txBody>
-      </p:sp>
-      <p:sp>
-        <p:nvSpPr>
-          <p:cNvPr id="4" name="Marcador de fecha 3">
-            <a:extLst>
-              <a:ext uri="{FF2B5EF4-FFF2-40B4-BE49-F238E27FC236}">
-                <a16:creationId xmlns:a16="http://schemas.microsoft.com/office/drawing/2014/main" id="{89CFFA60-37C0-433E-9F22-233DA1EC2F20}"/>
-              </a:ext>
-            </a:extLst>
-          </p:cNvPr>
-          <p:cNvSpPr>
-            <a:spLocks noGrp="1"/>
-          </p:cNvSpPr>
-          <p:nvPr>
-            <p:ph type="dt" sz="half" idx="10"/>
+          <p:cNvPr id="5" name="Footer Placeholder 4"/>
+          <p:cNvSpPr>
+            <a:spLocks noGrp="1"/>
+          </p:cNvSpPr>
+          <p:nvPr>
+            <p:ph type="ftr" sz="quarter" idx="11"/>
           </p:nvPr>
         </p:nvSpPr>
         <p:spPr/>
@@ -1021,48 +3537,13 @@
           <a:bodyPr/>
           <a:lstStyle/>
           <a:p>
-            <a:fld id="{69E32DB5-B750-4F20-9EEF-A545E10E8069}" type="datetimeFigureOut">
-              <a:rPr lang="es-CO" smtClean="0"/>
-              <a:t>14/02/2021</a:t>
-            </a:fld>
             <a:endParaRPr lang="es-CO"/>
           </a:p>
         </p:txBody>
       </p:sp>
       <p:sp>
         <p:nvSpPr>
-          <p:cNvPr id="5" name="Marcador de pie de página 4">
-            <a:extLst>
-              <a:ext uri="{FF2B5EF4-FFF2-40B4-BE49-F238E27FC236}">
-                <a16:creationId xmlns:a16="http://schemas.microsoft.com/office/drawing/2014/main" id="{8114A85D-8D91-4EA2-808F-7AA401E89B60}"/>
-              </a:ext>
-            </a:extLst>
-          </p:cNvPr>
-          <p:cNvSpPr>
-            <a:spLocks noGrp="1"/>
-          </p:cNvSpPr>
-          <p:nvPr>
-            <p:ph type="ftr" sz="quarter" idx="11"/>
-          </p:nvPr>
-        </p:nvSpPr>
-        <p:spPr/>
-        <p:txBody>
-          <a:bodyPr/>
-          <a:lstStyle/>
-          <a:p>
-            <a:endParaRPr lang="es-CO"/>
-          </a:p>
-        </p:txBody>
-      </p:sp>
-      <p:sp>
-        <p:nvSpPr>
-          <p:cNvPr id="6" name="Marcador de número de diapositiva 5">
-            <a:extLst>
-              <a:ext uri="{FF2B5EF4-FFF2-40B4-BE49-F238E27FC236}">
-                <a16:creationId xmlns:a16="http://schemas.microsoft.com/office/drawing/2014/main" id="{3DCB3FCB-939E-422E-8C37-050877C75FD6}"/>
-              </a:ext>
-            </a:extLst>
-          </p:cNvPr>
+          <p:cNvPr id="6" name="Slide Number Placeholder 5"/>
           <p:cNvSpPr>
             <a:spLocks noGrp="1"/>
           </p:cNvSpPr>
@@ -1086,7 +3567,7 @@
     </p:spTree>
     <p:extLst>
       <p:ext uri="{BB962C8B-B14F-4D97-AF65-F5344CB8AC3E}">
-        <p14:creationId xmlns:p14="http://schemas.microsoft.com/office/powerpoint/2010/main" val="1900062191"/>
+        <p14:creationId xmlns:p14="http://schemas.microsoft.com/office/powerpoint/2010/main" val="340221349"/>
       </p:ext>
     </p:extLst>
   </p:cSld>
@@ -1096,7 +3577,7 @@
 </p:sldLayout>
 </file>
 
-<file path=ppt/slideLayouts/slideLayout11.xml><?xml version="1.0" encoding="utf-8"?>
+<file path=ppt/slideLayouts/slideLayout17.xml><?xml version="1.0" encoding="utf-8"?>
 <p:sldLayout xmlns:a="http://schemas.openxmlformats.org/drawingml/2006/main" xmlns:r="http://schemas.openxmlformats.org/officeDocument/2006/relationships" xmlns:p="http://schemas.openxmlformats.org/presentationml/2006/main" type="vertTitleAndTx" preserve="1">
   <p:cSld name="Título vertical y texto">
     <p:spTree>
@@ -1115,13 +3596,7 @@
       </p:grpSpPr>
       <p:sp>
         <p:nvSpPr>
-          <p:cNvPr id="2" name="Título vertical 1">
-            <a:extLst>
-              <a:ext uri="{FF2B5EF4-FFF2-40B4-BE49-F238E27FC236}">
-                <a16:creationId xmlns:a16="http://schemas.microsoft.com/office/drawing/2014/main" id="{3913AA95-DF68-4412-BD18-D7A73E3BF880}"/>
-              </a:ext>
-            </a:extLst>
-          </p:cNvPr>
+          <p:cNvPr id="2" name="Vertical Title 1"/>
           <p:cNvSpPr>
             <a:spLocks noGrp="1"/>
           </p:cNvSpPr>
@@ -1131,8 +3606,8 @@
         </p:nvSpPr>
         <p:spPr>
           <a:xfrm>
-            <a:off x="8724900" y="365125"/>
-            <a:ext cx="2628900" cy="5811838"/>
+            <a:off x="9732655" y="685800"/>
+            <a:ext cx="1770369" cy="5105400"/>
           </a:xfrm>
         </p:spPr>
         <p:txBody>
@@ -1143,19 +3618,13 @@
               <a:rPr lang="es-ES"/>
               <a:t>Haga clic para modificar el estilo de título del patrón</a:t>
             </a:r>
-            <a:endParaRPr lang="es-CO"/>
-          </a:p>
-        </p:txBody>
-      </p:sp>
-      <p:sp>
-        <p:nvSpPr>
-          <p:cNvPr id="3" name="Marcador de texto vertical 2">
-            <a:extLst>
-              <a:ext uri="{FF2B5EF4-FFF2-40B4-BE49-F238E27FC236}">
-                <a16:creationId xmlns:a16="http://schemas.microsoft.com/office/drawing/2014/main" id="{50A9459F-424A-4085-A7C0-8902B4ADE4E0}"/>
-              </a:ext>
-            </a:extLst>
-          </p:cNvPr>
+            <a:endParaRPr lang="en-US" dirty="0"/>
+          </a:p>
+        </p:txBody>
+      </p:sp>
+      <p:sp>
+        <p:nvSpPr>
+          <p:cNvPr id="3" name="Vertical Text Placeholder 2"/>
           <p:cNvSpPr>
             <a:spLocks noGrp="1"/>
           </p:cNvSpPr>
@@ -1165,12 +3634,12 @@
         </p:nvSpPr>
         <p:spPr>
           <a:xfrm>
-            <a:off x="838200" y="365125"/>
-            <a:ext cx="7734300" cy="5811838"/>
+            <a:off x="1484312" y="685800"/>
+            <a:ext cx="8019742" cy="5105400"/>
           </a:xfrm>
         </p:spPr>
         <p:txBody>
-          <a:bodyPr vert="eaVert"/>
+          <a:bodyPr vert="eaVert" anchor="t"/>
           <a:lstStyle/>
           <a:p>
             <a:pPr lvl="0"/>
@@ -1206,19 +3675,13 @@
               <a:rPr lang="es-ES"/>
               <a:t>Quinto nivel</a:t>
             </a:r>
-            <a:endParaRPr lang="es-CO"/>
-          </a:p>
-        </p:txBody>
-      </p:sp>
-      <p:sp>
-        <p:nvSpPr>
-          <p:cNvPr id="4" name="Marcador de fecha 3">
-            <a:extLst>
-              <a:ext uri="{FF2B5EF4-FFF2-40B4-BE49-F238E27FC236}">
-                <a16:creationId xmlns:a16="http://schemas.microsoft.com/office/drawing/2014/main" id="{05B710E5-2D08-48F3-A43E-963172FFA980}"/>
-              </a:ext>
-            </a:extLst>
-          </p:cNvPr>
+            <a:endParaRPr lang="en-US" dirty="0"/>
+          </a:p>
+        </p:txBody>
+      </p:sp>
+      <p:sp>
+        <p:nvSpPr>
+          <p:cNvPr id="4" name="Date Placeholder 3"/>
           <p:cNvSpPr>
             <a:spLocks noGrp="1"/>
           </p:cNvSpPr>
@@ -1233,7 +3696,7 @@
           <a:p>
             <a:fld id="{69E32DB5-B750-4F20-9EEF-A545E10E8069}" type="datetimeFigureOut">
               <a:rPr lang="es-CO" smtClean="0"/>
-              <a:t>14/02/2021</a:t>
+              <a:t>14/04/2021</a:t>
             </a:fld>
             <a:endParaRPr lang="es-CO"/>
           </a:p>
@@ -1241,13 +3704,7 @@
       </p:sp>
       <p:sp>
         <p:nvSpPr>
-          <p:cNvPr id="5" name="Marcador de pie de página 4">
-            <a:extLst>
-              <a:ext uri="{FF2B5EF4-FFF2-40B4-BE49-F238E27FC236}">
-                <a16:creationId xmlns:a16="http://schemas.microsoft.com/office/drawing/2014/main" id="{BBAB6549-3515-463E-BC50-21161B09AC04}"/>
-              </a:ext>
-            </a:extLst>
-          </p:cNvPr>
+          <p:cNvPr id="5" name="Footer Placeholder 4"/>
           <p:cNvSpPr>
             <a:spLocks noGrp="1"/>
           </p:cNvSpPr>
@@ -1266,13 +3723,7 @@
       </p:sp>
       <p:sp>
         <p:nvSpPr>
-          <p:cNvPr id="6" name="Marcador de número de diapositiva 5">
-            <a:extLst>
-              <a:ext uri="{FF2B5EF4-FFF2-40B4-BE49-F238E27FC236}">
-                <a16:creationId xmlns:a16="http://schemas.microsoft.com/office/drawing/2014/main" id="{A979EB6D-A67A-4AB7-9CD9-40AE66E72260}"/>
-              </a:ext>
-            </a:extLst>
-          </p:cNvPr>
+          <p:cNvPr id="6" name="Slide Number Placeholder 5"/>
           <p:cNvSpPr>
             <a:spLocks noGrp="1"/>
           </p:cNvSpPr>
@@ -1296,7 +3747,7 @@
     </p:spTree>
     <p:extLst>
       <p:ext uri="{BB962C8B-B14F-4D97-AF65-F5344CB8AC3E}">
-        <p14:creationId xmlns:p14="http://schemas.microsoft.com/office/powerpoint/2010/main" val="2185847751"/>
+        <p14:creationId xmlns:p14="http://schemas.microsoft.com/office/powerpoint/2010/main" val="3437358287"/>
       </p:ext>
     </p:extLst>
   </p:cSld>
@@ -1306,7 +3757,7 @@
 </p:sldLayout>
 </file>
 
-<file path=ppt/slideLayouts/slideLayout12.xml><?xml version="1.0" encoding="utf-8"?>
+<file path=ppt/slideLayouts/slideLayout18.xml><?xml version="1.0" encoding="utf-8"?>
 <p:sldLayout xmlns:a="http://schemas.openxmlformats.org/drawingml/2006/main" xmlns:r="http://schemas.openxmlformats.org/officeDocument/2006/relationships" xmlns:p="http://schemas.openxmlformats.org/presentationml/2006/main" matchingName="Title Slide" type="tx">
   <p:cSld name="Title Slide">
     <p:spTree>
@@ -1592,7 +4043,7 @@
     </p:spTree>
     <p:extLst>
       <p:ext uri="{BB962C8B-B14F-4D97-AF65-F5344CB8AC3E}">
-        <p14:creationId xmlns:p14="http://schemas.microsoft.com/office/powerpoint/2010/main" val="2445152358"/>
+        <p14:creationId xmlns:p14="http://schemas.microsoft.com/office/powerpoint/2010/main" val="1844034707"/>
       </p:ext>
     </p:extLst>
   </p:cSld>
@@ -1621,13 +4072,7 @@
       </p:grpSpPr>
       <p:sp>
         <p:nvSpPr>
-          <p:cNvPr id="2" name="Título 1">
-            <a:extLst>
-              <a:ext uri="{FF2B5EF4-FFF2-40B4-BE49-F238E27FC236}">
-                <a16:creationId xmlns:a16="http://schemas.microsoft.com/office/drawing/2014/main" id="{11DAD591-0743-4A0D-8C1B-C39F1BB4FD68}"/>
-              </a:ext>
-            </a:extLst>
-          </p:cNvPr>
+          <p:cNvPr id="2" name="Title 1"/>
           <p:cNvSpPr>
             <a:spLocks noGrp="1"/>
           </p:cNvSpPr>
@@ -1644,24 +4089,70 @@
               <a:rPr lang="es-ES"/>
               <a:t>Haga clic para modificar el estilo de título del patrón</a:t>
             </a:r>
-            <a:endParaRPr lang="es-CO"/>
-          </a:p>
-        </p:txBody>
-      </p:sp>
-      <p:sp>
-        <p:nvSpPr>
-          <p:cNvPr id="3" name="Marcador de contenido 2">
-            <a:extLst>
-              <a:ext uri="{FF2B5EF4-FFF2-40B4-BE49-F238E27FC236}">
-                <a16:creationId xmlns:a16="http://schemas.microsoft.com/office/drawing/2014/main" id="{0F3DA324-6731-4555-B5BD-445F821100C7}"/>
-              </a:ext>
-            </a:extLst>
-          </p:cNvPr>
+            <a:endParaRPr lang="en-US" dirty="0"/>
+          </a:p>
+        </p:txBody>
+      </p:sp>
+      <p:sp>
+        <p:nvSpPr>
+          <p:cNvPr id="3" name="Content Placeholder 2"/>
           <p:cNvSpPr>
             <a:spLocks noGrp="1"/>
           </p:cNvSpPr>
           <p:nvPr>
             <p:ph idx="1"/>
+          </p:nvPr>
+        </p:nvSpPr>
+        <p:spPr/>
+        <p:txBody>
+          <a:bodyPr anchor="ctr"/>
+          <a:lstStyle/>
+          <a:p>
+            <a:pPr lvl="0"/>
+            <a:r>
+              <a:rPr lang="es-ES"/>
+              <a:t>Haga clic para modificar los estilos de texto del patrón</a:t>
+            </a:r>
+          </a:p>
+          <a:p>
+            <a:pPr lvl="1"/>
+            <a:r>
+              <a:rPr lang="es-ES"/>
+              <a:t>Segundo nivel</a:t>
+            </a:r>
+          </a:p>
+          <a:p>
+            <a:pPr lvl="2"/>
+            <a:r>
+              <a:rPr lang="es-ES"/>
+              <a:t>Tercer nivel</a:t>
+            </a:r>
+          </a:p>
+          <a:p>
+            <a:pPr lvl="3"/>
+            <a:r>
+              <a:rPr lang="es-ES"/>
+              <a:t>Cuarto nivel</a:t>
+            </a:r>
+          </a:p>
+          <a:p>
+            <a:pPr lvl="4"/>
+            <a:r>
+              <a:rPr lang="es-ES"/>
+              <a:t>Quinto nivel</a:t>
+            </a:r>
+            <a:endParaRPr lang="en-US" dirty="0"/>
+          </a:p>
+        </p:txBody>
+      </p:sp>
+      <p:sp>
+        <p:nvSpPr>
+          <p:cNvPr id="4" name="Date Placeholder 3"/>
+          <p:cNvSpPr>
+            <a:spLocks noGrp="1"/>
+          </p:cNvSpPr>
+          <p:nvPr>
+            <p:ph type="dt" sz="half" idx="10"/>
           </p:nvPr>
         </p:nvSpPr>
         <p:spPr/>
@@ -1669,57 +4160,22 @@
           <a:bodyPr/>
           <a:lstStyle/>
           <a:p>
-            <a:pPr lvl="0"/>
-            <a:r>
-              <a:rPr lang="es-ES"/>
-              <a:t>Haga clic para modificar los estilos de texto del patrón</a:t>
-            </a:r>
-          </a:p>
-          <a:p>
-            <a:pPr lvl="1"/>
-            <a:r>
-              <a:rPr lang="es-ES"/>
-              <a:t>Segundo nivel</a:t>
-            </a:r>
-          </a:p>
-          <a:p>
-            <a:pPr lvl="2"/>
-            <a:r>
-              <a:rPr lang="es-ES"/>
-              <a:t>Tercer nivel</a:t>
-            </a:r>
-          </a:p>
-          <a:p>
-            <a:pPr lvl="3"/>
-            <a:r>
-              <a:rPr lang="es-ES"/>
-              <a:t>Cuarto nivel</a:t>
-            </a:r>
-          </a:p>
-          <a:p>
-            <a:pPr lvl="4"/>
-            <a:r>
-              <a:rPr lang="es-ES"/>
-              <a:t>Quinto nivel</a:t>
-            </a:r>
+            <a:fld id="{69E32DB5-B750-4F20-9EEF-A545E10E8069}" type="datetimeFigureOut">
+              <a:rPr lang="es-CO" smtClean="0"/>
+              <a:t>14/04/2021</a:t>
+            </a:fld>
             <a:endParaRPr lang="es-CO"/>
           </a:p>
         </p:txBody>
       </p:sp>
       <p:sp>
         <p:nvSpPr>
-          <p:cNvPr id="4" name="Marcador de fecha 3">
-            <a:extLst>
-              <a:ext uri="{FF2B5EF4-FFF2-40B4-BE49-F238E27FC236}">
-                <a16:creationId xmlns:a16="http://schemas.microsoft.com/office/drawing/2014/main" id="{5A14C775-C449-436D-8098-C11F1F751C16}"/>
-              </a:ext>
-            </a:extLst>
-          </p:cNvPr>
-          <p:cNvSpPr>
-            <a:spLocks noGrp="1"/>
-          </p:cNvSpPr>
-          <p:nvPr>
-            <p:ph type="dt" sz="half" idx="10"/>
+          <p:cNvPr id="5" name="Footer Placeholder 4"/>
+          <p:cNvSpPr>
+            <a:spLocks noGrp="1"/>
+          </p:cNvSpPr>
+          <p:nvPr>
+            <p:ph type="ftr" sz="quarter" idx="11"/>
           </p:nvPr>
         </p:nvSpPr>
         <p:spPr/>
@@ -1727,48 +4183,13 @@
           <a:bodyPr/>
           <a:lstStyle/>
           <a:p>
-            <a:fld id="{69E32DB5-B750-4F20-9EEF-A545E10E8069}" type="datetimeFigureOut">
-              <a:rPr lang="es-CO" smtClean="0"/>
-              <a:t>14/02/2021</a:t>
-            </a:fld>
             <a:endParaRPr lang="es-CO"/>
           </a:p>
         </p:txBody>
       </p:sp>
       <p:sp>
         <p:nvSpPr>
-          <p:cNvPr id="5" name="Marcador de pie de página 4">
-            <a:extLst>
-              <a:ext uri="{FF2B5EF4-FFF2-40B4-BE49-F238E27FC236}">
-                <a16:creationId xmlns:a16="http://schemas.microsoft.com/office/drawing/2014/main" id="{7165F1EB-4E34-4F16-B65E-3EC369F7FB57}"/>
-              </a:ext>
-            </a:extLst>
-          </p:cNvPr>
-          <p:cNvSpPr>
-            <a:spLocks noGrp="1"/>
-          </p:cNvSpPr>
-          <p:nvPr>
-            <p:ph type="ftr" sz="quarter" idx="11"/>
-          </p:nvPr>
-        </p:nvSpPr>
-        <p:spPr/>
-        <p:txBody>
-          <a:bodyPr/>
-          <a:lstStyle/>
-          <a:p>
-            <a:endParaRPr lang="es-CO"/>
-          </a:p>
-        </p:txBody>
-      </p:sp>
-      <p:sp>
-        <p:nvSpPr>
-          <p:cNvPr id="6" name="Marcador de número de diapositiva 5">
-            <a:extLst>
-              <a:ext uri="{FF2B5EF4-FFF2-40B4-BE49-F238E27FC236}">
-                <a16:creationId xmlns:a16="http://schemas.microsoft.com/office/drawing/2014/main" id="{71182384-B40F-4836-ABC5-3C6FCF5D55D5}"/>
-              </a:ext>
-            </a:extLst>
-          </p:cNvPr>
+          <p:cNvPr id="6" name="Slide Number Placeholder 5"/>
           <p:cNvSpPr>
             <a:spLocks noGrp="1"/>
           </p:cNvSpPr>
@@ -1776,7 +4197,12 @@
             <p:ph type="sldNum" sz="quarter" idx="12"/>
           </p:nvPr>
         </p:nvSpPr>
-        <p:spPr/>
+        <p:spPr>
+          <a:xfrm>
+            <a:off x="10951856" y="5867131"/>
+            <a:ext cx="551167" cy="365125"/>
+          </a:xfrm>
+        </p:spPr>
         <p:txBody>
           <a:bodyPr/>
           <a:lstStyle/>
@@ -1792,7 +4218,7 @@
     </p:spTree>
     <p:extLst>
       <p:ext uri="{BB962C8B-B14F-4D97-AF65-F5344CB8AC3E}">
-        <p14:creationId xmlns:p14="http://schemas.microsoft.com/office/powerpoint/2010/main" val="3949867915"/>
+        <p14:creationId xmlns:p14="http://schemas.microsoft.com/office/powerpoint/2010/main" val="2273816041"/>
       </p:ext>
     </p:extLst>
   </p:cSld>
@@ -1821,13 +4247,7 @@
       </p:grpSpPr>
       <p:sp>
         <p:nvSpPr>
-          <p:cNvPr id="2" name="Título 1">
-            <a:extLst>
-              <a:ext uri="{FF2B5EF4-FFF2-40B4-BE49-F238E27FC236}">
-                <a16:creationId xmlns:a16="http://schemas.microsoft.com/office/drawing/2014/main" id="{079C5783-C1C6-4937-8F45-2FC50E87C296}"/>
-              </a:ext>
-            </a:extLst>
-          </p:cNvPr>
+          <p:cNvPr id="2" name="Title 1"/>
           <p:cNvSpPr>
             <a:spLocks noGrp="1"/>
           </p:cNvSpPr>
@@ -1837,15 +4257,15 @@
         </p:nvSpPr>
         <p:spPr>
           <a:xfrm>
-            <a:off x="831850" y="1709738"/>
-            <a:ext cx="10515600" cy="2852737"/>
+            <a:off x="2572279" y="2666999"/>
+            <a:ext cx="8930747" cy="2110382"/>
           </a:xfrm>
         </p:spPr>
         <p:txBody>
           <a:bodyPr anchor="b"/>
           <a:lstStyle>
-            <a:lvl1pPr>
-              <a:defRPr sz="6000"/>
+            <a:lvl1pPr algn="r">
+              <a:defRPr sz="4000" b="0" cap="none"/>
             </a:lvl1pPr>
           </a:lstStyle>
           <a:p>
@@ -1853,19 +4273,13 @@
               <a:rPr lang="es-ES"/>
               <a:t>Haga clic para modificar el estilo de título del patrón</a:t>
             </a:r>
-            <a:endParaRPr lang="es-CO"/>
-          </a:p>
-        </p:txBody>
-      </p:sp>
-      <p:sp>
-        <p:nvSpPr>
-          <p:cNvPr id="3" name="Marcador de texto 2">
-            <a:extLst>
-              <a:ext uri="{FF2B5EF4-FFF2-40B4-BE49-F238E27FC236}">
-                <a16:creationId xmlns:a16="http://schemas.microsoft.com/office/drawing/2014/main" id="{FBE93469-5E34-4AE0-8A2E-8210800E5D52}"/>
-              </a:ext>
-            </a:extLst>
-          </p:cNvPr>
+            <a:endParaRPr lang="en-US" dirty="0"/>
+          </a:p>
+        </p:txBody>
+      </p:sp>
+      <p:sp>
+        <p:nvSpPr>
+          <p:cNvPr id="3" name="Text Placeholder 2"/>
           <p:cNvSpPr>
             <a:spLocks noGrp="1"/>
           </p:cNvSpPr>
@@ -1875,102 +4289,102 @@
         </p:nvSpPr>
         <p:spPr>
           <a:xfrm>
-            <a:off x="831850" y="4589463"/>
-            <a:ext cx="10515600" cy="1500187"/>
+            <a:off x="2572278" y="4777381"/>
+            <a:ext cx="8930748" cy="860400"/>
           </a:xfrm>
         </p:spPr>
         <p:txBody>
-          <a:bodyPr/>
+          <a:bodyPr anchor="t">
+            <a:normAutofit/>
+          </a:bodyPr>
           <a:lstStyle>
-            <a:lvl1pPr marL="0" indent="0">
-              <a:buNone/>
-              <a:defRPr sz="2400">
+            <a:lvl1pPr marL="0" indent="0" algn="r">
+              <a:buNone/>
+              <a:defRPr sz="2000">
+                <a:solidFill>
+                  <a:schemeClr val="tx1"/>
+                </a:solidFill>
+              </a:defRPr>
+            </a:lvl1pPr>
+            <a:lvl2pPr marL="457200" indent="0">
+              <a:buNone/>
+              <a:defRPr sz="1800">
                 <a:solidFill>
                   <a:schemeClr val="tx1">
                     <a:tint val="75000"/>
                   </a:schemeClr>
                 </a:solidFill>
               </a:defRPr>
-            </a:lvl1pPr>
-            <a:lvl2pPr marL="457200" indent="0">
-              <a:buNone/>
-              <a:defRPr sz="2000">
+            </a:lvl2pPr>
+            <a:lvl3pPr marL="914400" indent="0">
+              <a:buNone/>
+              <a:defRPr sz="1600">
                 <a:solidFill>
                   <a:schemeClr val="tx1">
                     <a:tint val="75000"/>
                   </a:schemeClr>
                 </a:solidFill>
               </a:defRPr>
-            </a:lvl2pPr>
-            <a:lvl3pPr marL="914400" indent="0">
-              <a:buNone/>
-              <a:defRPr sz="1800">
+            </a:lvl3pPr>
+            <a:lvl4pPr marL="1371600" indent="0">
+              <a:buNone/>
+              <a:defRPr sz="1400">
                 <a:solidFill>
                   <a:schemeClr val="tx1">
                     <a:tint val="75000"/>
                   </a:schemeClr>
                 </a:solidFill>
               </a:defRPr>
-            </a:lvl3pPr>
-            <a:lvl4pPr marL="1371600" indent="0">
-              <a:buNone/>
-              <a:defRPr sz="1600">
+            </a:lvl4pPr>
+            <a:lvl5pPr marL="1828800" indent="0">
+              <a:buNone/>
+              <a:defRPr sz="1400">
                 <a:solidFill>
                   <a:schemeClr val="tx1">
                     <a:tint val="75000"/>
                   </a:schemeClr>
                 </a:solidFill>
               </a:defRPr>
-            </a:lvl4pPr>
-            <a:lvl5pPr marL="1828800" indent="0">
-              <a:buNone/>
-              <a:defRPr sz="1600">
+            </a:lvl5pPr>
+            <a:lvl6pPr marL="2286000" indent="0">
+              <a:buNone/>
+              <a:defRPr sz="1400">
                 <a:solidFill>
                   <a:schemeClr val="tx1">
                     <a:tint val="75000"/>
                   </a:schemeClr>
                 </a:solidFill>
               </a:defRPr>
-            </a:lvl5pPr>
-            <a:lvl6pPr marL="2286000" indent="0">
-              <a:buNone/>
-              <a:defRPr sz="1600">
+            </a:lvl6pPr>
+            <a:lvl7pPr marL="2743200" indent="0">
+              <a:buNone/>
+              <a:defRPr sz="1400">
                 <a:solidFill>
                   <a:schemeClr val="tx1">
                     <a:tint val="75000"/>
                   </a:schemeClr>
                 </a:solidFill>
               </a:defRPr>
-            </a:lvl6pPr>
-            <a:lvl7pPr marL="2743200" indent="0">
-              <a:buNone/>
-              <a:defRPr sz="1600">
+            </a:lvl7pPr>
+            <a:lvl8pPr marL="3200400" indent="0">
+              <a:buNone/>
+              <a:defRPr sz="1400">
                 <a:solidFill>
                   <a:schemeClr val="tx1">
                     <a:tint val="75000"/>
                   </a:schemeClr>
                 </a:solidFill>
               </a:defRPr>
-            </a:lvl7pPr>
-            <a:lvl8pPr marL="3200400" indent="0">
-              <a:buNone/>
-              <a:defRPr sz="1600">
+            </a:lvl8pPr>
+            <a:lvl9pPr marL="3657600" indent="0">
+              <a:buNone/>
+              <a:defRPr sz="1400">
                 <a:solidFill>
                   <a:schemeClr val="tx1">
                     <a:tint val="75000"/>
                   </a:schemeClr>
                 </a:solidFill>
               </a:defRPr>
-            </a:lvl8pPr>
-            <a:lvl9pPr marL="3657600" indent="0">
-              <a:buNone/>
-              <a:defRPr sz="1600">
-                <a:solidFill>
-                  <a:schemeClr val="tx1">
-                    <a:tint val="75000"/>
-                  </a:schemeClr>
-                </a:solidFill>
-              </a:defRPr>
             </a:lvl9pPr>
           </a:lstStyle>
           <a:p>
@@ -1984,13 +4398,7 @@
       </p:sp>
       <p:sp>
         <p:nvSpPr>
-          <p:cNvPr id="4" name="Marcador de fecha 3">
-            <a:extLst>
-              <a:ext uri="{FF2B5EF4-FFF2-40B4-BE49-F238E27FC236}">
-                <a16:creationId xmlns:a16="http://schemas.microsoft.com/office/drawing/2014/main" id="{8DA64372-7AA3-4702-B183-3863EEDF9733}"/>
-              </a:ext>
-            </a:extLst>
-          </p:cNvPr>
+          <p:cNvPr id="4" name="Date Placeholder 3"/>
           <p:cNvSpPr>
             <a:spLocks noGrp="1"/>
           </p:cNvSpPr>
@@ -2005,7 +4413,7 @@
           <a:p>
             <a:fld id="{69E32DB5-B750-4F20-9EEF-A545E10E8069}" type="datetimeFigureOut">
               <a:rPr lang="es-CO" smtClean="0"/>
-              <a:t>14/02/2021</a:t>
+              <a:t>14/04/2021</a:t>
             </a:fld>
             <a:endParaRPr lang="es-CO"/>
           </a:p>
@@ -2013,13 +4421,7 @@
       </p:sp>
       <p:sp>
         <p:nvSpPr>
-          <p:cNvPr id="5" name="Marcador de pie de página 4">
-            <a:extLst>
-              <a:ext uri="{FF2B5EF4-FFF2-40B4-BE49-F238E27FC236}">
-                <a16:creationId xmlns:a16="http://schemas.microsoft.com/office/drawing/2014/main" id="{9B64E283-3E10-4DAA-9318-D8E4E45079F1}"/>
-              </a:ext>
-            </a:extLst>
-          </p:cNvPr>
+          <p:cNvPr id="5" name="Footer Placeholder 4"/>
           <p:cNvSpPr>
             <a:spLocks noGrp="1"/>
           </p:cNvSpPr>
@@ -2038,13 +4440,7 @@
       </p:sp>
       <p:sp>
         <p:nvSpPr>
-          <p:cNvPr id="6" name="Marcador de número de diapositiva 5">
-            <a:extLst>
-              <a:ext uri="{FF2B5EF4-FFF2-40B4-BE49-F238E27FC236}">
-                <a16:creationId xmlns:a16="http://schemas.microsoft.com/office/drawing/2014/main" id="{6BACADB7-56B2-48E7-975E-4256DB61C25F}"/>
-              </a:ext>
-            </a:extLst>
-          </p:cNvPr>
+          <p:cNvPr id="6" name="Slide Number Placeholder 5"/>
           <p:cNvSpPr>
             <a:spLocks noGrp="1"/>
           </p:cNvSpPr>
@@ -2068,7 +4464,7 @@
     </p:spTree>
     <p:extLst>
       <p:ext uri="{BB962C8B-B14F-4D97-AF65-F5344CB8AC3E}">
-        <p14:creationId xmlns:p14="http://schemas.microsoft.com/office/powerpoint/2010/main" val="3952753873"/>
+        <p14:creationId xmlns:p14="http://schemas.microsoft.com/office/powerpoint/2010/main" val="2207876608"/>
       </p:ext>
     </p:extLst>
   </p:cSld>
@@ -2097,13 +4493,7 @@
       </p:grpSpPr>
       <p:sp>
         <p:nvSpPr>
-          <p:cNvPr id="2" name="Título 1">
-            <a:extLst>
-              <a:ext uri="{FF2B5EF4-FFF2-40B4-BE49-F238E27FC236}">
-                <a16:creationId xmlns:a16="http://schemas.microsoft.com/office/drawing/2014/main" id="{55211FE3-D553-474B-8247-CAB7017CDEF2}"/>
-              </a:ext>
-            </a:extLst>
-          </p:cNvPr>
+          <p:cNvPr id="2" name="Title 1"/>
           <p:cNvSpPr>
             <a:spLocks noGrp="1"/>
           </p:cNvSpPr>
@@ -2111,7 +4501,12 @@
             <p:ph type="title"/>
           </p:nvPr>
         </p:nvSpPr>
-        <p:spPr/>
+        <p:spPr>
+          <a:xfrm>
+            <a:off x="1484311" y="685800"/>
+            <a:ext cx="10018713" cy="1752599"/>
+          </a:xfrm>
+        </p:spPr>
         <p:txBody>
           <a:bodyPr/>
           <a:lstStyle/>
@@ -2120,19 +4515,13 @@
               <a:rPr lang="es-ES"/>
               <a:t>Haga clic para modificar el estilo de título del patrón</a:t>
             </a:r>
-            <a:endParaRPr lang="es-CO"/>
-          </a:p>
-        </p:txBody>
-      </p:sp>
-      <p:sp>
-        <p:nvSpPr>
-          <p:cNvPr id="3" name="Marcador de contenido 2">
-            <a:extLst>
-              <a:ext uri="{FF2B5EF4-FFF2-40B4-BE49-F238E27FC236}">
-                <a16:creationId xmlns:a16="http://schemas.microsoft.com/office/drawing/2014/main" id="{CB4AB60B-87A7-4BF4-8CA7-999828874648}"/>
-              </a:ext>
-            </a:extLst>
-          </p:cNvPr>
+            <a:endParaRPr lang="en-US" dirty="0"/>
+          </a:p>
+        </p:txBody>
+      </p:sp>
+      <p:sp>
+        <p:nvSpPr>
+          <p:cNvPr id="3" name="Content Placeholder 2"/>
           <p:cNvSpPr>
             <a:spLocks noGrp="1"/>
           </p:cNvSpPr>
@@ -2142,177 +4531,213 @@
         </p:nvSpPr>
         <p:spPr>
           <a:xfrm>
-            <a:off x="838200" y="1825625"/>
-            <a:ext cx="5181600" cy="4351338"/>
+            <a:off x="1484312" y="2666999"/>
+            <a:ext cx="4895055" cy="3124201"/>
           </a:xfrm>
         </p:spPr>
         <p:txBody>
+          <a:bodyPr>
+            <a:normAutofit/>
+          </a:bodyPr>
+          <a:lstStyle>
+            <a:lvl1pPr>
+              <a:defRPr sz="1800"/>
+            </a:lvl1pPr>
+            <a:lvl2pPr>
+              <a:defRPr sz="1600"/>
+            </a:lvl2pPr>
+            <a:lvl3pPr>
+              <a:defRPr sz="1400"/>
+            </a:lvl3pPr>
+            <a:lvl4pPr>
+              <a:defRPr sz="1200"/>
+            </a:lvl4pPr>
+            <a:lvl5pPr>
+              <a:defRPr sz="1200"/>
+            </a:lvl5pPr>
+            <a:lvl6pPr>
+              <a:defRPr sz="1200"/>
+            </a:lvl6pPr>
+            <a:lvl7pPr>
+              <a:defRPr sz="1200"/>
+            </a:lvl7pPr>
+            <a:lvl8pPr>
+              <a:defRPr sz="1200"/>
+            </a:lvl8pPr>
+            <a:lvl9pPr>
+              <a:defRPr sz="1200"/>
+            </a:lvl9pPr>
+          </a:lstStyle>
+          <a:p>
+            <a:pPr lvl="0"/>
+            <a:r>
+              <a:rPr lang="es-ES"/>
+              <a:t>Haga clic para modificar los estilos de texto del patrón</a:t>
+            </a:r>
+          </a:p>
+          <a:p>
+            <a:pPr lvl="1"/>
+            <a:r>
+              <a:rPr lang="es-ES"/>
+              <a:t>Segundo nivel</a:t>
+            </a:r>
+          </a:p>
+          <a:p>
+            <a:pPr lvl="2"/>
+            <a:r>
+              <a:rPr lang="es-ES"/>
+              <a:t>Tercer nivel</a:t>
+            </a:r>
+          </a:p>
+          <a:p>
+            <a:pPr lvl="3"/>
+            <a:r>
+              <a:rPr lang="es-ES"/>
+              <a:t>Cuarto nivel</a:t>
+            </a:r>
+          </a:p>
+          <a:p>
+            <a:pPr lvl="4"/>
+            <a:r>
+              <a:rPr lang="es-ES"/>
+              <a:t>Quinto nivel</a:t>
+            </a:r>
+            <a:endParaRPr lang="en-US" dirty="0"/>
+          </a:p>
+        </p:txBody>
+      </p:sp>
+      <p:sp>
+        <p:nvSpPr>
+          <p:cNvPr id="4" name="Content Placeholder 3"/>
+          <p:cNvSpPr>
+            <a:spLocks noGrp="1"/>
+          </p:cNvSpPr>
+          <p:nvPr>
+            <p:ph sz="half" idx="2"/>
+          </p:nvPr>
+        </p:nvSpPr>
+        <p:spPr>
+          <a:xfrm>
+            <a:off x="6607967" y="2667000"/>
+            <a:ext cx="4895056" cy="3124200"/>
+          </a:xfrm>
+        </p:spPr>
+        <p:txBody>
+          <a:bodyPr>
+            <a:normAutofit/>
+          </a:bodyPr>
+          <a:lstStyle>
+            <a:lvl1pPr>
+              <a:defRPr sz="1800"/>
+            </a:lvl1pPr>
+            <a:lvl2pPr>
+              <a:defRPr sz="1600"/>
+            </a:lvl2pPr>
+            <a:lvl3pPr>
+              <a:defRPr sz="1400"/>
+            </a:lvl3pPr>
+            <a:lvl4pPr>
+              <a:defRPr sz="1200"/>
+            </a:lvl4pPr>
+            <a:lvl5pPr>
+              <a:defRPr sz="1200"/>
+            </a:lvl5pPr>
+            <a:lvl6pPr>
+              <a:defRPr sz="1200"/>
+            </a:lvl6pPr>
+            <a:lvl7pPr>
+              <a:defRPr sz="1200"/>
+            </a:lvl7pPr>
+            <a:lvl8pPr>
+              <a:defRPr sz="1200"/>
+            </a:lvl8pPr>
+            <a:lvl9pPr>
+              <a:defRPr sz="1200"/>
+            </a:lvl9pPr>
+          </a:lstStyle>
+          <a:p>
+            <a:pPr lvl="0"/>
+            <a:r>
+              <a:rPr lang="es-ES"/>
+              <a:t>Haga clic para modificar los estilos de texto del patrón</a:t>
+            </a:r>
+          </a:p>
+          <a:p>
+            <a:pPr lvl="1"/>
+            <a:r>
+              <a:rPr lang="es-ES"/>
+              <a:t>Segundo nivel</a:t>
+            </a:r>
+          </a:p>
+          <a:p>
+            <a:pPr lvl="2"/>
+            <a:r>
+              <a:rPr lang="es-ES"/>
+              <a:t>Tercer nivel</a:t>
+            </a:r>
+          </a:p>
+          <a:p>
+            <a:pPr lvl="3"/>
+            <a:r>
+              <a:rPr lang="es-ES"/>
+              <a:t>Cuarto nivel</a:t>
+            </a:r>
+          </a:p>
+          <a:p>
+            <a:pPr lvl="4"/>
+            <a:r>
+              <a:rPr lang="es-ES"/>
+              <a:t>Quinto nivel</a:t>
+            </a:r>
+            <a:endParaRPr lang="en-US" dirty="0"/>
+          </a:p>
+        </p:txBody>
+      </p:sp>
+      <p:sp>
+        <p:nvSpPr>
+          <p:cNvPr id="5" name="Date Placeholder 4"/>
+          <p:cNvSpPr>
+            <a:spLocks noGrp="1"/>
+          </p:cNvSpPr>
+          <p:nvPr>
+            <p:ph type="dt" sz="half" idx="10"/>
+          </p:nvPr>
+        </p:nvSpPr>
+        <p:spPr/>
+        <p:txBody>
           <a:bodyPr/>
           <a:lstStyle/>
           <a:p>
-            <a:pPr lvl="0"/>
-            <a:r>
-              <a:rPr lang="es-ES"/>
-              <a:t>Haga clic para modificar los estilos de texto del patrón</a:t>
-            </a:r>
-          </a:p>
-          <a:p>
-            <a:pPr lvl="1"/>
-            <a:r>
-              <a:rPr lang="es-ES"/>
-              <a:t>Segundo nivel</a:t>
-            </a:r>
-          </a:p>
-          <a:p>
-            <a:pPr lvl="2"/>
-            <a:r>
-              <a:rPr lang="es-ES"/>
-              <a:t>Tercer nivel</a:t>
-            </a:r>
-          </a:p>
-          <a:p>
-            <a:pPr lvl="3"/>
-            <a:r>
-              <a:rPr lang="es-ES"/>
-              <a:t>Cuarto nivel</a:t>
-            </a:r>
-          </a:p>
-          <a:p>
-            <a:pPr lvl="4"/>
-            <a:r>
-              <a:rPr lang="es-ES"/>
-              <a:t>Quinto nivel</a:t>
-            </a:r>
+            <a:fld id="{69E32DB5-B750-4F20-9EEF-A545E10E8069}" type="datetimeFigureOut">
+              <a:rPr lang="es-CO" smtClean="0"/>
+              <a:t>14/04/2021</a:t>
+            </a:fld>
             <a:endParaRPr lang="es-CO"/>
           </a:p>
         </p:txBody>
       </p:sp>
       <p:sp>
         <p:nvSpPr>
-          <p:cNvPr id="4" name="Marcador de contenido 3">
-            <a:extLst>
-              <a:ext uri="{FF2B5EF4-FFF2-40B4-BE49-F238E27FC236}">
-                <a16:creationId xmlns:a16="http://schemas.microsoft.com/office/drawing/2014/main" id="{F371AD16-C33E-4C06-9F5C-A185AB277E84}"/>
-              </a:ext>
-            </a:extLst>
-          </p:cNvPr>
-          <p:cNvSpPr>
-            <a:spLocks noGrp="1"/>
-          </p:cNvSpPr>
-          <p:nvPr>
-            <p:ph sz="half" idx="2"/>
-          </p:nvPr>
-        </p:nvSpPr>
-        <p:spPr>
-          <a:xfrm>
-            <a:off x="6172200" y="1825625"/>
-            <a:ext cx="5181600" cy="4351338"/>
-          </a:xfrm>
-        </p:spPr>
+          <p:cNvPr id="6" name="Footer Placeholder 5"/>
+          <p:cNvSpPr>
+            <a:spLocks noGrp="1"/>
+          </p:cNvSpPr>
+          <p:nvPr>
+            <p:ph type="ftr" sz="quarter" idx="11"/>
+          </p:nvPr>
+        </p:nvSpPr>
+        <p:spPr/>
         <p:txBody>
           <a:bodyPr/>
           <a:lstStyle/>
           <a:p>
-            <a:pPr lvl="0"/>
-            <a:r>
-              <a:rPr lang="es-ES"/>
-              <a:t>Haga clic para modificar los estilos de texto del patrón</a:t>
-            </a:r>
-          </a:p>
-          <a:p>
-            <a:pPr lvl="1"/>
-            <a:r>
-              <a:rPr lang="es-ES"/>
-              <a:t>Segundo nivel</a:t>
-            </a:r>
-          </a:p>
-          <a:p>
-            <a:pPr lvl="2"/>
-            <a:r>
-              <a:rPr lang="es-ES"/>
-              <a:t>Tercer nivel</a:t>
-            </a:r>
-          </a:p>
-          <a:p>
-            <a:pPr lvl="3"/>
-            <a:r>
-              <a:rPr lang="es-ES"/>
-              <a:t>Cuarto nivel</a:t>
-            </a:r>
-          </a:p>
-          <a:p>
-            <a:pPr lvl="4"/>
-            <a:r>
-              <a:rPr lang="es-ES"/>
-              <a:t>Quinto nivel</a:t>
-            </a:r>
             <a:endParaRPr lang="es-CO"/>
           </a:p>
         </p:txBody>
       </p:sp>
       <p:sp>
         <p:nvSpPr>
-          <p:cNvPr id="5" name="Marcador de fecha 4">
-            <a:extLst>
-              <a:ext uri="{FF2B5EF4-FFF2-40B4-BE49-F238E27FC236}">
-                <a16:creationId xmlns:a16="http://schemas.microsoft.com/office/drawing/2014/main" id="{40767CCB-71F7-4D6B-883B-88B1F5739027}"/>
-              </a:ext>
-            </a:extLst>
-          </p:cNvPr>
-          <p:cNvSpPr>
-            <a:spLocks noGrp="1"/>
-          </p:cNvSpPr>
-          <p:nvPr>
-            <p:ph type="dt" sz="half" idx="10"/>
-          </p:nvPr>
-        </p:nvSpPr>
-        <p:spPr/>
-        <p:txBody>
-          <a:bodyPr/>
-          <a:lstStyle/>
-          <a:p>
-            <a:fld id="{69E32DB5-B750-4F20-9EEF-A545E10E8069}" type="datetimeFigureOut">
-              <a:rPr lang="es-CO" smtClean="0"/>
-              <a:t>14/02/2021</a:t>
-            </a:fld>
-            <a:endParaRPr lang="es-CO"/>
-          </a:p>
-        </p:txBody>
-      </p:sp>
-      <p:sp>
-        <p:nvSpPr>
-          <p:cNvPr id="6" name="Marcador de pie de página 5">
-            <a:extLst>
-              <a:ext uri="{FF2B5EF4-FFF2-40B4-BE49-F238E27FC236}">
-                <a16:creationId xmlns:a16="http://schemas.microsoft.com/office/drawing/2014/main" id="{A3A9D3F3-7424-4D7E-80D0-FAF8F2C3181E}"/>
-              </a:ext>
-            </a:extLst>
-          </p:cNvPr>
-          <p:cNvSpPr>
-            <a:spLocks noGrp="1"/>
-          </p:cNvSpPr>
-          <p:nvPr>
-            <p:ph type="ftr" sz="quarter" idx="11"/>
-          </p:nvPr>
-        </p:nvSpPr>
-        <p:spPr/>
-        <p:txBody>
-          <a:bodyPr/>
-          <a:lstStyle/>
-          <a:p>
-            <a:endParaRPr lang="es-CO"/>
-          </a:p>
-        </p:txBody>
-      </p:sp>
-      <p:sp>
-        <p:nvSpPr>
-          <p:cNvPr id="7" name="Marcador de número de diapositiva 6">
-            <a:extLst>
-              <a:ext uri="{FF2B5EF4-FFF2-40B4-BE49-F238E27FC236}">
-                <a16:creationId xmlns:a16="http://schemas.microsoft.com/office/drawing/2014/main" id="{E44B96C9-8E7F-4898-BC27-FAEF942DB6CE}"/>
-              </a:ext>
-            </a:extLst>
-          </p:cNvPr>
+          <p:cNvPr id="7" name="Slide Number Placeholder 6"/>
           <p:cNvSpPr>
             <a:spLocks noGrp="1"/>
           </p:cNvSpPr>
@@ -2336,7 +4761,7 @@
     </p:spTree>
     <p:extLst>
       <p:ext uri="{BB962C8B-B14F-4D97-AF65-F5344CB8AC3E}">
-        <p14:creationId xmlns:p14="http://schemas.microsoft.com/office/powerpoint/2010/main" val="3245385164"/>
+        <p14:creationId xmlns:p14="http://schemas.microsoft.com/office/powerpoint/2010/main" val="3376846292"/>
       </p:ext>
     </p:extLst>
   </p:cSld>
@@ -2365,66 +4790,61 @@
       </p:grpSpPr>
       <p:sp>
         <p:nvSpPr>
-          <p:cNvPr id="2" name="Título 1">
-            <a:extLst>
-              <a:ext uri="{FF2B5EF4-FFF2-40B4-BE49-F238E27FC236}">
-                <a16:creationId xmlns:a16="http://schemas.microsoft.com/office/drawing/2014/main" id="{4E74E9EC-E76F-4956-AAA0-76E7A440FC79}"/>
-              </a:ext>
-            </a:extLst>
-          </p:cNvPr>
+          <p:cNvPr id="2" name="Title 1"/>
           <p:cNvSpPr>
             <a:spLocks noGrp="1"/>
           </p:cNvSpPr>
           <p:nvPr>
             <p:ph type="title"/>
+          </p:nvPr>
+        </p:nvSpPr>
+        <p:spPr/>
+        <p:txBody>
+          <a:bodyPr/>
+          <a:lstStyle>
+            <a:lvl1pPr>
+              <a:defRPr/>
+            </a:lvl1pPr>
+          </a:lstStyle>
+          <a:p>
+            <a:r>
+              <a:rPr lang="es-ES"/>
+              <a:t>Haga clic para modificar el estilo de título del patrón</a:t>
+            </a:r>
+            <a:endParaRPr lang="en-US" dirty="0"/>
+          </a:p>
+        </p:txBody>
+      </p:sp>
+      <p:sp>
+        <p:nvSpPr>
+          <p:cNvPr id="3" name="Text Placeholder 2"/>
+          <p:cNvSpPr>
+            <a:spLocks noGrp="1"/>
+          </p:cNvSpPr>
+          <p:nvPr>
+            <p:ph type="body" idx="1"/>
           </p:nvPr>
         </p:nvSpPr>
         <p:spPr>
           <a:xfrm>
-            <a:off x="839788" y="365125"/>
-            <a:ext cx="10515600" cy="1325563"/>
+            <a:off x="1772179" y="2658533"/>
+            <a:ext cx="4607188" cy="576262"/>
           </a:xfrm>
         </p:spPr>
         <p:txBody>
-          <a:bodyPr/>
-          <a:lstStyle/>
-          <a:p>
-            <a:r>
-              <a:rPr lang="es-ES"/>
-              <a:t>Haga clic para modificar el estilo de título del patrón</a:t>
-            </a:r>
-            <a:endParaRPr lang="es-CO"/>
-          </a:p>
-        </p:txBody>
-      </p:sp>
-      <p:sp>
-        <p:nvSpPr>
-          <p:cNvPr id="3" name="Marcador de texto 2">
-            <a:extLst>
-              <a:ext uri="{FF2B5EF4-FFF2-40B4-BE49-F238E27FC236}">
-                <a16:creationId xmlns:a16="http://schemas.microsoft.com/office/drawing/2014/main" id="{11A156A6-9C45-4E62-9901-6053EBFCEDC8}"/>
-              </a:ext>
-            </a:extLst>
-          </p:cNvPr>
-          <p:cNvSpPr>
-            <a:spLocks noGrp="1"/>
-          </p:cNvSpPr>
-          <p:nvPr>
-            <p:ph type="body" idx="1"/>
-          </p:nvPr>
-        </p:nvSpPr>
-        <p:spPr>
-          <a:xfrm>
-            <a:off x="839788" y="1681163"/>
-            <a:ext cx="5157787" cy="823912"/>
-          </a:xfrm>
-        </p:spPr>
-        <p:txBody>
-          <a:bodyPr anchor="b"/>
+          <a:bodyPr anchor="b">
+            <a:noAutofit/>
+          </a:bodyPr>
           <a:lstStyle>
             <a:lvl1pPr marL="0" indent="0">
               <a:buNone/>
-              <a:defRPr sz="2400" b="1"/>
+              <a:defRPr sz="2800" b="0">
+                <a:solidFill>
+                  <a:schemeClr val="accent1">
+                    <a:lumMod val="75000"/>
+                  </a:schemeClr>
+                </a:solidFill>
+              </a:defRPr>
             </a:lvl1pPr>
             <a:lvl2pPr marL="457200" indent="0">
               <a:buNone/>
@@ -2470,13 +4890,7 @@
       </p:sp>
       <p:sp>
         <p:nvSpPr>
-          <p:cNvPr id="4" name="Marcador de contenido 3">
-            <a:extLst>
-              <a:ext uri="{FF2B5EF4-FFF2-40B4-BE49-F238E27FC236}">
-                <a16:creationId xmlns:a16="http://schemas.microsoft.com/office/drawing/2014/main" id="{AAD20061-4774-470E-AA58-E3C0C50C6381}"/>
-              </a:ext>
-            </a:extLst>
-          </p:cNvPr>
+          <p:cNvPr id="4" name="Content Placeholder 3"/>
           <p:cNvSpPr>
             <a:spLocks noGrp="1"/>
           </p:cNvSpPr>
@@ -2486,13 +4900,43 @@
         </p:nvSpPr>
         <p:spPr>
           <a:xfrm>
-            <a:off x="839788" y="2505075"/>
-            <a:ext cx="5157787" cy="3684588"/>
+            <a:off x="1484311" y="3335337"/>
+            <a:ext cx="4895056" cy="2455862"/>
           </a:xfrm>
         </p:spPr>
         <p:txBody>
-          <a:bodyPr/>
-          <a:lstStyle/>
+          <a:bodyPr anchor="t">
+            <a:normAutofit/>
+          </a:bodyPr>
+          <a:lstStyle>
+            <a:lvl1pPr>
+              <a:defRPr sz="1800"/>
+            </a:lvl1pPr>
+            <a:lvl2pPr>
+              <a:defRPr sz="1600"/>
+            </a:lvl2pPr>
+            <a:lvl3pPr>
+              <a:defRPr sz="1400"/>
+            </a:lvl3pPr>
+            <a:lvl4pPr>
+              <a:defRPr sz="1200"/>
+            </a:lvl4pPr>
+            <a:lvl5pPr>
+              <a:defRPr sz="1200"/>
+            </a:lvl5pPr>
+            <a:lvl6pPr>
+              <a:defRPr sz="1200"/>
+            </a:lvl6pPr>
+            <a:lvl7pPr>
+              <a:defRPr sz="1200"/>
+            </a:lvl7pPr>
+            <a:lvl8pPr>
+              <a:defRPr sz="1200"/>
+            </a:lvl8pPr>
+            <a:lvl9pPr>
+              <a:defRPr sz="1200"/>
+            </a:lvl9pPr>
+          </a:lstStyle>
           <a:p>
             <a:pPr lvl="0"/>
             <a:r>
@@ -2527,19 +4971,13 @@
               <a:rPr lang="es-ES"/>
               <a:t>Quinto nivel</a:t>
             </a:r>
-            <a:endParaRPr lang="es-CO"/>
-          </a:p>
-        </p:txBody>
-      </p:sp>
-      <p:sp>
-        <p:nvSpPr>
-          <p:cNvPr id="5" name="Marcador de texto 4">
-            <a:extLst>
-              <a:ext uri="{FF2B5EF4-FFF2-40B4-BE49-F238E27FC236}">
-                <a16:creationId xmlns:a16="http://schemas.microsoft.com/office/drawing/2014/main" id="{184AFEA7-4C94-487A-9A5B-E4EB1AE72815}"/>
-              </a:ext>
-            </a:extLst>
-          </p:cNvPr>
+            <a:endParaRPr lang="en-US" dirty="0"/>
+          </a:p>
+        </p:txBody>
+      </p:sp>
+      <p:sp>
+        <p:nvSpPr>
+          <p:cNvPr id="5" name="Text Placeholder 4"/>
           <p:cNvSpPr>
             <a:spLocks noGrp="1"/>
           </p:cNvSpPr>
@@ -2549,16 +4987,24 @@
         </p:nvSpPr>
         <p:spPr>
           <a:xfrm>
-            <a:off x="6172200" y="1681163"/>
-            <a:ext cx="5183188" cy="823912"/>
+            <a:off x="6880487" y="2667000"/>
+            <a:ext cx="4622537" cy="576262"/>
           </a:xfrm>
         </p:spPr>
         <p:txBody>
-          <a:bodyPr anchor="b"/>
+          <a:bodyPr anchor="b">
+            <a:noAutofit/>
+          </a:bodyPr>
           <a:lstStyle>
             <a:lvl1pPr marL="0" indent="0">
               <a:buNone/>
-              <a:defRPr sz="2400" b="1"/>
+              <a:defRPr sz="2800" b="0">
+                <a:solidFill>
+                  <a:schemeClr val="accent1">
+                    <a:lumMod val="75000"/>
+                  </a:schemeClr>
+                </a:solidFill>
+              </a:defRPr>
             </a:lvl1pPr>
             <a:lvl2pPr marL="457200" indent="0">
               <a:buNone/>
@@ -2604,13 +5050,7 @@
       </p:sp>
       <p:sp>
         <p:nvSpPr>
-          <p:cNvPr id="6" name="Marcador de contenido 5">
-            <a:extLst>
-              <a:ext uri="{FF2B5EF4-FFF2-40B4-BE49-F238E27FC236}">
-                <a16:creationId xmlns:a16="http://schemas.microsoft.com/office/drawing/2014/main" id="{3CEEC2FC-F349-4497-879A-BB0702CCBAE3}"/>
-              </a:ext>
-            </a:extLst>
-          </p:cNvPr>
+          <p:cNvPr id="6" name="Content Placeholder 5"/>
           <p:cNvSpPr>
             <a:spLocks noGrp="1"/>
           </p:cNvSpPr>
@@ -2620,65 +5060,112 @@
         </p:nvSpPr>
         <p:spPr>
           <a:xfrm>
-            <a:off x="6172200" y="2505075"/>
-            <a:ext cx="5183188" cy="3684588"/>
+            <a:off x="6607967" y="3335337"/>
+            <a:ext cx="4895056" cy="2455862"/>
           </a:xfrm>
         </p:spPr>
         <p:txBody>
+          <a:bodyPr anchor="t">
+            <a:normAutofit/>
+          </a:bodyPr>
+          <a:lstStyle>
+            <a:lvl1pPr>
+              <a:defRPr sz="1800"/>
+            </a:lvl1pPr>
+            <a:lvl2pPr>
+              <a:defRPr sz="1600"/>
+            </a:lvl2pPr>
+            <a:lvl3pPr>
+              <a:defRPr sz="1400"/>
+            </a:lvl3pPr>
+            <a:lvl4pPr>
+              <a:defRPr sz="1200"/>
+            </a:lvl4pPr>
+            <a:lvl5pPr>
+              <a:defRPr sz="1200"/>
+            </a:lvl5pPr>
+            <a:lvl6pPr>
+              <a:defRPr sz="1200"/>
+            </a:lvl6pPr>
+            <a:lvl7pPr>
+              <a:defRPr sz="1200"/>
+            </a:lvl7pPr>
+            <a:lvl8pPr>
+              <a:defRPr sz="1200"/>
+            </a:lvl8pPr>
+            <a:lvl9pPr>
+              <a:defRPr sz="1200"/>
+            </a:lvl9pPr>
+          </a:lstStyle>
+          <a:p>
+            <a:pPr lvl="0"/>
+            <a:r>
+              <a:rPr lang="es-ES"/>
+              <a:t>Haga clic para modificar los estilos de texto del patrón</a:t>
+            </a:r>
+          </a:p>
+          <a:p>
+            <a:pPr lvl="1"/>
+            <a:r>
+              <a:rPr lang="es-ES"/>
+              <a:t>Segundo nivel</a:t>
+            </a:r>
+          </a:p>
+          <a:p>
+            <a:pPr lvl="2"/>
+            <a:r>
+              <a:rPr lang="es-ES"/>
+              <a:t>Tercer nivel</a:t>
+            </a:r>
+          </a:p>
+          <a:p>
+            <a:pPr lvl="3"/>
+            <a:r>
+              <a:rPr lang="es-ES"/>
+              <a:t>Cuarto nivel</a:t>
+            </a:r>
+          </a:p>
+          <a:p>
+            <a:pPr lvl="4"/>
+            <a:r>
+              <a:rPr lang="es-ES"/>
+              <a:t>Quinto nivel</a:t>
+            </a:r>
+            <a:endParaRPr lang="en-US" dirty="0"/>
+          </a:p>
+        </p:txBody>
+      </p:sp>
+      <p:sp>
+        <p:nvSpPr>
+          <p:cNvPr id="7" name="Date Placeholder 6"/>
+          <p:cNvSpPr>
+            <a:spLocks noGrp="1"/>
+          </p:cNvSpPr>
+          <p:nvPr>
+            <p:ph type="dt" sz="half" idx="10"/>
+          </p:nvPr>
+        </p:nvSpPr>
+        <p:spPr/>
+        <p:txBody>
           <a:bodyPr/>
           <a:lstStyle/>
           <a:p>
-            <a:pPr lvl="0"/>
-            <a:r>
-              <a:rPr lang="es-ES"/>
-              <a:t>Haga clic para modificar los estilos de texto del patrón</a:t>
-            </a:r>
-          </a:p>
-          <a:p>
-            <a:pPr lvl="1"/>
-            <a:r>
-              <a:rPr lang="es-ES"/>
-              <a:t>Segundo nivel</a:t>
-            </a:r>
-          </a:p>
-          <a:p>
-            <a:pPr lvl="2"/>
-            <a:r>
-              <a:rPr lang="es-ES"/>
-              <a:t>Tercer nivel</a:t>
-            </a:r>
-          </a:p>
-          <a:p>
-            <a:pPr lvl="3"/>
-            <a:r>
-              <a:rPr lang="es-ES"/>
-              <a:t>Cuarto nivel</a:t>
-            </a:r>
-          </a:p>
-          <a:p>
-            <a:pPr lvl="4"/>
-            <a:r>
-              <a:rPr lang="es-ES"/>
-              <a:t>Quinto nivel</a:t>
-            </a:r>
+            <a:fld id="{69E32DB5-B750-4F20-9EEF-A545E10E8069}" type="datetimeFigureOut">
+              <a:rPr lang="es-CO" smtClean="0"/>
+              <a:t>14/04/2021</a:t>
+            </a:fld>
             <a:endParaRPr lang="es-CO"/>
           </a:p>
         </p:txBody>
       </p:sp>
       <p:sp>
         <p:nvSpPr>
-          <p:cNvPr id="7" name="Marcador de fecha 6">
-            <a:extLst>
-              <a:ext uri="{FF2B5EF4-FFF2-40B4-BE49-F238E27FC236}">
-                <a16:creationId xmlns:a16="http://schemas.microsoft.com/office/drawing/2014/main" id="{C5042942-FC39-4711-9E2E-D2E1F1B63DA2}"/>
-              </a:ext>
-            </a:extLst>
-          </p:cNvPr>
-          <p:cNvSpPr>
-            <a:spLocks noGrp="1"/>
-          </p:cNvSpPr>
-          <p:nvPr>
-            <p:ph type="dt" sz="half" idx="10"/>
+          <p:cNvPr id="8" name="Footer Placeholder 7"/>
+          <p:cNvSpPr>
+            <a:spLocks noGrp="1"/>
+          </p:cNvSpPr>
+          <p:nvPr>
+            <p:ph type="ftr" sz="quarter" idx="11"/>
           </p:nvPr>
         </p:nvSpPr>
         <p:spPr/>
@@ -2686,48 +5173,13 @@
           <a:bodyPr/>
           <a:lstStyle/>
           <a:p>
-            <a:fld id="{69E32DB5-B750-4F20-9EEF-A545E10E8069}" type="datetimeFigureOut">
-              <a:rPr lang="es-CO" smtClean="0"/>
-              <a:t>14/02/2021</a:t>
-            </a:fld>
             <a:endParaRPr lang="es-CO"/>
           </a:p>
         </p:txBody>
       </p:sp>
       <p:sp>
         <p:nvSpPr>
-          <p:cNvPr id="8" name="Marcador de pie de página 7">
-            <a:extLst>
-              <a:ext uri="{FF2B5EF4-FFF2-40B4-BE49-F238E27FC236}">
-                <a16:creationId xmlns:a16="http://schemas.microsoft.com/office/drawing/2014/main" id="{C1A4B36C-0B4D-4751-A45D-6CDBFFBCE1A8}"/>
-              </a:ext>
-            </a:extLst>
-          </p:cNvPr>
-          <p:cNvSpPr>
-            <a:spLocks noGrp="1"/>
-          </p:cNvSpPr>
-          <p:nvPr>
-            <p:ph type="ftr" sz="quarter" idx="11"/>
-          </p:nvPr>
-        </p:nvSpPr>
-        <p:spPr/>
-        <p:txBody>
-          <a:bodyPr/>
-          <a:lstStyle/>
-          <a:p>
-            <a:endParaRPr lang="es-CO"/>
-          </a:p>
-        </p:txBody>
-      </p:sp>
-      <p:sp>
-        <p:nvSpPr>
-          <p:cNvPr id="9" name="Marcador de número de diapositiva 8">
-            <a:extLst>
-              <a:ext uri="{FF2B5EF4-FFF2-40B4-BE49-F238E27FC236}">
-                <a16:creationId xmlns:a16="http://schemas.microsoft.com/office/drawing/2014/main" id="{3F8D0B14-BCF1-49F4-B13B-AB31BA0D5ECD}"/>
-              </a:ext>
-            </a:extLst>
-          </p:cNvPr>
+          <p:cNvPr id="9" name="Slide Number Placeholder 8"/>
           <p:cNvSpPr>
             <a:spLocks noGrp="1"/>
           </p:cNvSpPr>
@@ -2751,7 +5203,7 @@
     </p:spTree>
     <p:extLst>
       <p:ext uri="{BB962C8B-B14F-4D97-AF65-F5344CB8AC3E}">
-        <p14:creationId xmlns:p14="http://schemas.microsoft.com/office/powerpoint/2010/main" val="349567244"/>
+        <p14:creationId xmlns:p14="http://schemas.microsoft.com/office/powerpoint/2010/main" val="32608913"/>
       </p:ext>
     </p:extLst>
   </p:cSld>
@@ -2780,13 +5232,7 @@
       </p:grpSpPr>
       <p:sp>
         <p:nvSpPr>
-          <p:cNvPr id="2" name="Título 1">
-            <a:extLst>
-              <a:ext uri="{FF2B5EF4-FFF2-40B4-BE49-F238E27FC236}">
-                <a16:creationId xmlns:a16="http://schemas.microsoft.com/office/drawing/2014/main" id="{54C31410-924A-4E82-B746-0FC3E9741035}"/>
-              </a:ext>
-            </a:extLst>
-          </p:cNvPr>
+          <p:cNvPr id="2" name="Title 1"/>
           <p:cNvSpPr>
             <a:spLocks noGrp="1"/>
           </p:cNvSpPr>
@@ -2803,19 +5249,13 @@
               <a:rPr lang="es-ES"/>
               <a:t>Haga clic para modificar el estilo de título del patrón</a:t>
             </a:r>
-            <a:endParaRPr lang="es-CO"/>
-          </a:p>
-        </p:txBody>
-      </p:sp>
-      <p:sp>
-        <p:nvSpPr>
-          <p:cNvPr id="3" name="Marcador de fecha 2">
-            <a:extLst>
-              <a:ext uri="{FF2B5EF4-FFF2-40B4-BE49-F238E27FC236}">
-                <a16:creationId xmlns:a16="http://schemas.microsoft.com/office/drawing/2014/main" id="{E1BF2D60-E0A5-46E6-9849-A3F4D42267A3}"/>
-              </a:ext>
-            </a:extLst>
-          </p:cNvPr>
+            <a:endParaRPr lang="en-US" dirty="0"/>
+          </a:p>
+        </p:txBody>
+      </p:sp>
+      <p:sp>
+        <p:nvSpPr>
+          <p:cNvPr id="3" name="Date Placeholder 2"/>
           <p:cNvSpPr>
             <a:spLocks noGrp="1"/>
           </p:cNvSpPr>
@@ -2830,7 +5270,7 @@
           <a:p>
             <a:fld id="{69E32DB5-B750-4F20-9EEF-A545E10E8069}" type="datetimeFigureOut">
               <a:rPr lang="es-CO" smtClean="0"/>
-              <a:t>14/02/2021</a:t>
+              <a:t>14/04/2021</a:t>
             </a:fld>
             <a:endParaRPr lang="es-CO"/>
           </a:p>
@@ -2838,13 +5278,7 @@
       </p:sp>
       <p:sp>
         <p:nvSpPr>
-          <p:cNvPr id="4" name="Marcador de pie de página 3">
-            <a:extLst>
-              <a:ext uri="{FF2B5EF4-FFF2-40B4-BE49-F238E27FC236}">
-                <a16:creationId xmlns:a16="http://schemas.microsoft.com/office/drawing/2014/main" id="{51726192-004D-469E-B64F-E91646BBB4BA}"/>
-              </a:ext>
-            </a:extLst>
-          </p:cNvPr>
+          <p:cNvPr id="4" name="Footer Placeholder 3"/>
           <p:cNvSpPr>
             <a:spLocks noGrp="1"/>
           </p:cNvSpPr>
@@ -2863,13 +5297,7 @@
       </p:sp>
       <p:sp>
         <p:nvSpPr>
-          <p:cNvPr id="5" name="Marcador de número de diapositiva 4">
-            <a:extLst>
-              <a:ext uri="{FF2B5EF4-FFF2-40B4-BE49-F238E27FC236}">
-                <a16:creationId xmlns:a16="http://schemas.microsoft.com/office/drawing/2014/main" id="{8B3BAFFC-E367-4F72-B3BB-E0778E624D02}"/>
-              </a:ext>
-            </a:extLst>
-          </p:cNvPr>
+          <p:cNvPr id="5" name="Slide Number Placeholder 4"/>
           <p:cNvSpPr>
             <a:spLocks noGrp="1"/>
           </p:cNvSpPr>
@@ -2893,7 +5321,7 @@
     </p:spTree>
     <p:extLst>
       <p:ext uri="{BB962C8B-B14F-4D97-AF65-F5344CB8AC3E}">
-        <p14:creationId xmlns:p14="http://schemas.microsoft.com/office/powerpoint/2010/main" val="3864437013"/>
+        <p14:creationId xmlns:p14="http://schemas.microsoft.com/office/powerpoint/2010/main" val="843763327"/>
       </p:ext>
     </p:extLst>
   </p:cSld>
@@ -2922,13 +5350,7 @@
       </p:grpSpPr>
       <p:sp>
         <p:nvSpPr>
-          <p:cNvPr id="2" name="Marcador de fecha 1">
-            <a:extLst>
-              <a:ext uri="{FF2B5EF4-FFF2-40B4-BE49-F238E27FC236}">
-                <a16:creationId xmlns:a16="http://schemas.microsoft.com/office/drawing/2014/main" id="{319F28EB-493B-46B9-AE23-8CFDEB6848A7}"/>
-              </a:ext>
-            </a:extLst>
-          </p:cNvPr>
+          <p:cNvPr id="2" name="Date Placeholder 1"/>
           <p:cNvSpPr>
             <a:spLocks noGrp="1"/>
           </p:cNvSpPr>
@@ -2943,7 +5365,7 @@
           <a:p>
             <a:fld id="{69E32DB5-B750-4F20-9EEF-A545E10E8069}" type="datetimeFigureOut">
               <a:rPr lang="es-CO" smtClean="0"/>
-              <a:t>14/02/2021</a:t>
+              <a:t>14/04/2021</a:t>
             </a:fld>
             <a:endParaRPr lang="es-CO"/>
           </a:p>
@@ -2951,13 +5373,7 @@
       </p:sp>
       <p:sp>
         <p:nvSpPr>
-          <p:cNvPr id="3" name="Marcador de pie de página 2">
-            <a:extLst>
-              <a:ext uri="{FF2B5EF4-FFF2-40B4-BE49-F238E27FC236}">
-                <a16:creationId xmlns:a16="http://schemas.microsoft.com/office/drawing/2014/main" id="{8E4983D8-B313-4F4B-9882-E3C5376FE53F}"/>
-              </a:ext>
-            </a:extLst>
-          </p:cNvPr>
+          <p:cNvPr id="3" name="Footer Placeholder 2"/>
           <p:cNvSpPr>
             <a:spLocks noGrp="1"/>
           </p:cNvSpPr>
@@ -2976,13 +5392,7 @@
       </p:sp>
       <p:sp>
         <p:nvSpPr>
-          <p:cNvPr id="4" name="Marcador de número de diapositiva 3">
-            <a:extLst>
-              <a:ext uri="{FF2B5EF4-FFF2-40B4-BE49-F238E27FC236}">
-                <a16:creationId xmlns:a16="http://schemas.microsoft.com/office/drawing/2014/main" id="{B069C956-2226-4123-AE47-79A9A0E6B03C}"/>
-              </a:ext>
-            </a:extLst>
-          </p:cNvPr>
+          <p:cNvPr id="4" name="Slide Number Placeholder 3"/>
           <p:cNvSpPr>
             <a:spLocks noGrp="1"/>
           </p:cNvSpPr>
@@ -3006,7 +5416,7 @@
     </p:spTree>
     <p:extLst>
       <p:ext uri="{BB962C8B-B14F-4D97-AF65-F5344CB8AC3E}">
-        <p14:creationId xmlns:p14="http://schemas.microsoft.com/office/powerpoint/2010/main" val="573905935"/>
+        <p14:creationId xmlns:p14="http://schemas.microsoft.com/office/powerpoint/2010/main" val="4188885083"/>
       </p:ext>
     </p:extLst>
   </p:cSld>
@@ -3035,13 +5445,7 @@
       </p:grpSpPr>
       <p:sp>
         <p:nvSpPr>
-          <p:cNvPr id="2" name="Título 1">
-            <a:extLst>
-              <a:ext uri="{FF2B5EF4-FFF2-40B4-BE49-F238E27FC236}">
-                <a16:creationId xmlns:a16="http://schemas.microsoft.com/office/drawing/2014/main" id="{BB9C1D38-2690-41E6-A662-DEE29290586D}"/>
-              </a:ext>
-            </a:extLst>
-          </p:cNvPr>
+          <p:cNvPr id="2" name="Title 1"/>
           <p:cNvSpPr>
             <a:spLocks noGrp="1"/>
           </p:cNvSpPr>
@@ -3051,177 +5455,171 @@
         </p:nvSpPr>
         <p:spPr>
           <a:xfrm>
-            <a:off x="839788" y="457200"/>
-            <a:ext cx="3932237" cy="1600200"/>
+            <a:off x="1484312" y="1600200"/>
+            <a:ext cx="3549121" cy="1371600"/>
           </a:xfrm>
         </p:spPr>
         <p:txBody>
-          <a:bodyPr anchor="b"/>
+          <a:bodyPr anchor="b">
+            <a:normAutofit/>
+          </a:bodyPr>
+          <a:lstStyle>
+            <a:lvl1pPr algn="ctr">
+              <a:defRPr sz="2400" b="0"/>
+            </a:lvl1pPr>
+          </a:lstStyle>
+          <a:p>
+            <a:r>
+              <a:rPr lang="es-ES"/>
+              <a:t>Haga clic para modificar el estilo de título del patrón</a:t>
+            </a:r>
+            <a:endParaRPr lang="en-US" dirty="0"/>
+          </a:p>
+        </p:txBody>
+      </p:sp>
+      <p:sp>
+        <p:nvSpPr>
+          <p:cNvPr id="3" name="Content Placeholder 2"/>
+          <p:cNvSpPr>
+            <a:spLocks noGrp="1"/>
+          </p:cNvSpPr>
+          <p:nvPr>
+            <p:ph idx="1"/>
+          </p:nvPr>
+        </p:nvSpPr>
+        <p:spPr>
+          <a:xfrm>
+            <a:off x="5262033" y="685799"/>
+            <a:ext cx="6240990" cy="5105401"/>
+          </a:xfrm>
+        </p:spPr>
+        <p:txBody>
+          <a:bodyPr anchor="ctr">
+            <a:normAutofit/>
+          </a:bodyPr>
           <a:lstStyle>
             <a:lvl1pPr>
-              <a:defRPr sz="3200"/>
+              <a:defRPr sz="2000"/>
             </a:lvl1pPr>
+            <a:lvl2pPr>
+              <a:defRPr sz="1800"/>
+            </a:lvl2pPr>
+            <a:lvl3pPr>
+              <a:defRPr sz="1600"/>
+            </a:lvl3pPr>
+            <a:lvl4pPr>
+              <a:defRPr sz="1400"/>
+            </a:lvl4pPr>
+            <a:lvl5pPr>
+              <a:defRPr sz="1400"/>
+            </a:lvl5pPr>
+            <a:lvl6pPr>
+              <a:defRPr sz="1400"/>
+            </a:lvl6pPr>
+            <a:lvl7pPr>
+              <a:defRPr sz="1400"/>
+            </a:lvl7pPr>
+            <a:lvl8pPr>
+              <a:defRPr sz="1400"/>
+            </a:lvl8pPr>
+            <a:lvl9pPr>
+              <a:defRPr sz="1400"/>
+            </a:lvl9pPr>
           </a:lstStyle>
           <a:p>
+            <a:pPr lvl="0"/>
             <a:r>
               <a:rPr lang="es-ES"/>
-              <a:t>Haga clic para modificar el estilo de título del patrón</a:t>
-            </a:r>
-            <a:endParaRPr lang="es-CO"/>
-          </a:p>
-        </p:txBody>
-      </p:sp>
-      <p:sp>
-        <p:nvSpPr>
-          <p:cNvPr id="3" name="Marcador de contenido 2">
-            <a:extLst>
-              <a:ext uri="{FF2B5EF4-FFF2-40B4-BE49-F238E27FC236}">
-                <a16:creationId xmlns:a16="http://schemas.microsoft.com/office/drawing/2014/main" id="{C0CB8486-0DFC-49E7-822F-F4807479D0FF}"/>
-              </a:ext>
-            </a:extLst>
-          </p:cNvPr>
-          <p:cNvSpPr>
-            <a:spLocks noGrp="1"/>
-          </p:cNvSpPr>
-          <p:nvPr>
-            <p:ph idx="1"/>
+              <a:t>Haga clic para modificar los estilos de texto del patrón</a:t>
+            </a:r>
+          </a:p>
+          <a:p>
+            <a:pPr lvl="1"/>
+            <a:r>
+              <a:rPr lang="es-ES"/>
+              <a:t>Segundo nivel</a:t>
+            </a:r>
+          </a:p>
+          <a:p>
+            <a:pPr lvl="2"/>
+            <a:r>
+              <a:rPr lang="es-ES"/>
+              <a:t>Tercer nivel</a:t>
+            </a:r>
+          </a:p>
+          <a:p>
+            <a:pPr lvl="3"/>
+            <a:r>
+              <a:rPr lang="es-ES"/>
+              <a:t>Cuarto nivel</a:t>
+            </a:r>
+          </a:p>
+          <a:p>
+            <a:pPr lvl="4"/>
+            <a:r>
+              <a:rPr lang="es-ES"/>
+              <a:t>Quinto nivel</a:t>
+            </a:r>
+            <a:endParaRPr lang="en-US" dirty="0"/>
+          </a:p>
+        </p:txBody>
+      </p:sp>
+      <p:sp>
+        <p:nvSpPr>
+          <p:cNvPr id="4" name="Text Placeholder 3"/>
+          <p:cNvSpPr>
+            <a:spLocks noGrp="1"/>
+          </p:cNvSpPr>
+          <p:nvPr>
+            <p:ph type="body" sz="half" idx="2"/>
           </p:nvPr>
         </p:nvSpPr>
         <p:spPr>
           <a:xfrm>
-            <a:off x="5183188" y="987425"/>
-            <a:ext cx="6172200" cy="4873625"/>
+            <a:off x="1484312" y="2971800"/>
+            <a:ext cx="3549121" cy="1828800"/>
           </a:xfrm>
         </p:spPr>
         <p:txBody>
-          <a:bodyPr/>
+          <a:bodyPr>
+            <a:normAutofit/>
+          </a:bodyPr>
           <a:lstStyle>
-            <a:lvl1pPr>
-              <a:defRPr sz="3200"/>
-            </a:lvl1pPr>
-            <a:lvl2pPr>
-              <a:defRPr sz="2800"/>
-            </a:lvl2pPr>
-            <a:lvl3pPr>
-              <a:defRPr sz="2400"/>
-            </a:lvl3pPr>
-            <a:lvl4pPr>
-              <a:defRPr sz="2000"/>
-            </a:lvl4pPr>
-            <a:lvl5pPr>
-              <a:defRPr sz="2000"/>
-            </a:lvl5pPr>
-            <a:lvl6pPr>
-              <a:defRPr sz="2000"/>
-            </a:lvl6pPr>
-            <a:lvl7pPr>
-              <a:defRPr sz="2000"/>
-            </a:lvl7pPr>
-            <a:lvl8pPr>
-              <a:defRPr sz="2000"/>
-            </a:lvl8pPr>
-            <a:lvl9pPr>
-              <a:defRPr sz="2000"/>
-            </a:lvl9pPr>
-          </a:lstStyle>
-          <a:p>
-            <a:pPr lvl="0"/>
-            <a:r>
-              <a:rPr lang="es-ES"/>
-              <a:t>Haga clic para modificar los estilos de texto del patrón</a:t>
-            </a:r>
-          </a:p>
-          <a:p>
-            <a:pPr lvl="1"/>
-            <a:r>
-              <a:rPr lang="es-ES"/>
-              <a:t>Segundo nivel</a:t>
-            </a:r>
-          </a:p>
-          <a:p>
-            <a:pPr lvl="2"/>
-            <a:r>
-              <a:rPr lang="es-ES"/>
-              <a:t>Tercer nivel</a:t>
-            </a:r>
-          </a:p>
-          <a:p>
-            <a:pPr lvl="3"/>
-            <a:r>
-              <a:rPr lang="es-ES"/>
-              <a:t>Cuarto nivel</a:t>
-            </a:r>
-          </a:p>
-          <a:p>
-            <a:pPr lvl="4"/>
-            <a:r>
-              <a:rPr lang="es-ES"/>
-              <a:t>Quinto nivel</a:t>
-            </a:r>
-            <a:endParaRPr lang="es-CO"/>
-          </a:p>
-        </p:txBody>
-      </p:sp>
-      <p:sp>
-        <p:nvSpPr>
-          <p:cNvPr id="4" name="Marcador de texto 3">
-            <a:extLst>
-              <a:ext uri="{FF2B5EF4-FFF2-40B4-BE49-F238E27FC236}">
-                <a16:creationId xmlns:a16="http://schemas.microsoft.com/office/drawing/2014/main" id="{48CF5255-4EA4-4A85-AAD4-466A0CDD82AE}"/>
-              </a:ext>
-            </a:extLst>
-          </p:cNvPr>
-          <p:cNvSpPr>
-            <a:spLocks noGrp="1"/>
-          </p:cNvSpPr>
-          <p:nvPr>
-            <p:ph type="body" sz="half" idx="2"/>
-          </p:nvPr>
-        </p:nvSpPr>
-        <p:spPr>
-          <a:xfrm>
-            <a:off x="839788" y="2057400"/>
-            <a:ext cx="3932237" cy="3811588"/>
-          </a:xfrm>
-        </p:spPr>
-        <p:txBody>
-          <a:bodyPr/>
-          <a:lstStyle>
-            <a:lvl1pPr marL="0" indent="0">
+            <a:lvl1pPr marL="0" indent="0" algn="ctr">
               <a:buNone/>
               <a:defRPr sz="1600"/>
             </a:lvl1pPr>
             <a:lvl2pPr marL="457200" indent="0">
               <a:buNone/>
-              <a:defRPr sz="1400"/>
+              <a:defRPr sz="1200"/>
             </a:lvl2pPr>
             <a:lvl3pPr marL="914400" indent="0">
               <a:buNone/>
-              <a:defRPr sz="1200"/>
+              <a:defRPr sz="1000"/>
             </a:lvl3pPr>
             <a:lvl4pPr marL="1371600" indent="0">
               <a:buNone/>
-              <a:defRPr sz="1000"/>
+              <a:defRPr sz="900"/>
             </a:lvl4pPr>
             <a:lvl5pPr marL="1828800" indent="0">
               <a:buNone/>
-              <a:defRPr sz="1000"/>
+              <a:defRPr sz="900"/>
             </a:lvl5pPr>
             <a:lvl6pPr marL="2286000" indent="0">
               <a:buNone/>
-              <a:defRPr sz="1000"/>
+              <a:defRPr sz="900"/>
             </a:lvl6pPr>
             <a:lvl7pPr marL="2743200" indent="0">
               <a:buNone/>
-              <a:defRPr sz="1000"/>
+              <a:defRPr sz="900"/>
             </a:lvl7pPr>
             <a:lvl8pPr marL="3200400" indent="0">
               <a:buNone/>
-              <a:defRPr sz="1000"/>
+              <a:defRPr sz="900"/>
             </a:lvl8pPr>
             <a:lvl9pPr marL="3657600" indent="0">
               <a:buNone/>
-              <a:defRPr sz="1000"/>
+              <a:defRPr sz="900"/>
             </a:lvl9pPr>
           </a:lstStyle>
           <a:p>
@@ -3235,13 +5633,7 @@
       </p:sp>
       <p:sp>
         <p:nvSpPr>
-          <p:cNvPr id="5" name="Marcador de fecha 4">
-            <a:extLst>
-              <a:ext uri="{FF2B5EF4-FFF2-40B4-BE49-F238E27FC236}">
-                <a16:creationId xmlns:a16="http://schemas.microsoft.com/office/drawing/2014/main" id="{E5B31BB0-DC20-4EC6-A5FD-85DAD7975BA8}"/>
-              </a:ext>
-            </a:extLst>
-          </p:cNvPr>
+          <p:cNvPr id="5" name="Date Placeholder 4"/>
           <p:cNvSpPr>
             <a:spLocks noGrp="1"/>
           </p:cNvSpPr>
@@ -3256,7 +5648,7 @@
           <a:p>
             <a:fld id="{69E32DB5-B750-4F20-9EEF-A545E10E8069}" type="datetimeFigureOut">
               <a:rPr lang="es-CO" smtClean="0"/>
-              <a:t>14/02/2021</a:t>
+              <a:t>14/04/2021</a:t>
             </a:fld>
             <a:endParaRPr lang="es-CO"/>
           </a:p>
@@ -3264,13 +5656,7 @@
       </p:sp>
       <p:sp>
         <p:nvSpPr>
-          <p:cNvPr id="6" name="Marcador de pie de página 5">
-            <a:extLst>
-              <a:ext uri="{FF2B5EF4-FFF2-40B4-BE49-F238E27FC236}">
-                <a16:creationId xmlns:a16="http://schemas.microsoft.com/office/drawing/2014/main" id="{A757B59A-CACF-4009-896C-65D49DAFDE8C}"/>
-              </a:ext>
-            </a:extLst>
-          </p:cNvPr>
+          <p:cNvPr id="6" name="Footer Placeholder 5"/>
           <p:cNvSpPr>
             <a:spLocks noGrp="1"/>
           </p:cNvSpPr>
@@ -3289,13 +5675,7 @@
       </p:sp>
       <p:sp>
         <p:nvSpPr>
-          <p:cNvPr id="7" name="Marcador de número de diapositiva 6">
-            <a:extLst>
-              <a:ext uri="{FF2B5EF4-FFF2-40B4-BE49-F238E27FC236}">
-                <a16:creationId xmlns:a16="http://schemas.microsoft.com/office/drawing/2014/main" id="{3FDC346B-70F9-47BC-AB89-55D6F9F0E211}"/>
-              </a:ext>
-            </a:extLst>
-          </p:cNvPr>
+          <p:cNvPr id="7" name="Slide Number Placeholder 6"/>
           <p:cNvSpPr>
             <a:spLocks noGrp="1"/>
           </p:cNvSpPr>
@@ -3319,7 +5699,7 @@
     </p:spTree>
     <p:extLst>
       <p:ext uri="{BB962C8B-B14F-4D97-AF65-F5344CB8AC3E}">
-        <p14:creationId xmlns:p14="http://schemas.microsoft.com/office/powerpoint/2010/main" val="1665402617"/>
+        <p14:creationId xmlns:p14="http://schemas.microsoft.com/office/powerpoint/2010/main" val="4106486250"/>
       </p:ext>
     </p:extLst>
   </p:cSld>
@@ -3348,13 +5728,7 @@
       </p:grpSpPr>
       <p:sp>
         <p:nvSpPr>
-          <p:cNvPr id="2" name="Título 1">
-            <a:extLst>
-              <a:ext uri="{FF2B5EF4-FFF2-40B4-BE49-F238E27FC236}">
-                <a16:creationId xmlns:a16="http://schemas.microsoft.com/office/drawing/2014/main" id="{3B448E16-2DC4-4433-8EC0-0A7BE7AAFD53}"/>
-              </a:ext>
-            </a:extLst>
-          </p:cNvPr>
+          <p:cNvPr id="2" name="Title 1"/>
           <p:cNvSpPr>
             <a:spLocks noGrp="1"/>
           </p:cNvSpPr>
@@ -3364,15 +5738,17 @@
         </p:nvSpPr>
         <p:spPr>
           <a:xfrm>
-            <a:off x="839788" y="457200"/>
-            <a:ext cx="3932237" cy="1600200"/>
+            <a:off x="1482724" y="1752599"/>
+            <a:ext cx="5426158" cy="1371600"/>
           </a:xfrm>
         </p:spPr>
         <p:txBody>
-          <a:bodyPr anchor="b"/>
+          <a:bodyPr anchor="b">
+            <a:normAutofit/>
+          </a:bodyPr>
           <a:lstStyle>
-            <a:lvl1pPr>
-              <a:defRPr sz="3200"/>
+            <a:lvl1pPr algn="ctr">
+              <a:defRPr sz="2800" b="0"/>
             </a:lvl1pPr>
           </a:lstStyle>
           <a:p>
@@ -3380,21 +5756,15 @@
               <a:rPr lang="es-ES"/>
               <a:t>Haga clic para modificar el estilo de título del patrón</a:t>
             </a:r>
-            <a:endParaRPr lang="es-CO"/>
-          </a:p>
-        </p:txBody>
-      </p:sp>
-      <p:sp>
-        <p:nvSpPr>
-          <p:cNvPr id="3" name="Marcador de posición de imagen 2">
-            <a:extLst>
-              <a:ext uri="{FF2B5EF4-FFF2-40B4-BE49-F238E27FC236}">
-                <a16:creationId xmlns:a16="http://schemas.microsoft.com/office/drawing/2014/main" id="{2BA453D3-BD8E-4189-A57C-0FB3A62147CE}"/>
-              </a:ext>
-            </a:extLst>
-          </p:cNvPr>
-          <p:cNvSpPr>
-            <a:spLocks noGrp="1"/>
+            <a:endParaRPr lang="en-US" dirty="0"/>
+          </a:p>
+        </p:txBody>
+      </p:sp>
+      <p:sp>
+        <p:nvSpPr>
+          <p:cNvPr id="14" name="Picture Placeholder 2"/>
+          <p:cNvSpPr>
+            <a:spLocks noGrp="1" noChangeAspect="1"/>
           </p:cNvSpPr>
           <p:nvPr>
             <p:ph type="pic" idx="1"/>
@@ -3402,118 +5772,148 @@
         </p:nvSpPr>
         <p:spPr>
           <a:xfrm>
-            <a:off x="5183188" y="987425"/>
-            <a:ext cx="6172200" cy="4873625"/>
+            <a:off x="7594682" y="914400"/>
+            <a:ext cx="3280974" cy="4572000"/>
           </a:xfrm>
+          <a:prstGeom prst="roundRect">
+            <a:avLst>
+              <a:gd name="adj" fmla="val 4280"/>
+            </a:avLst>
+          </a:prstGeom>
+          <a:ln w="38100">
+            <a:gradFill flip="none" rotWithShape="1">
+              <a:gsLst>
+                <a:gs pos="0">
+                  <a:schemeClr val="bg2"/>
+                </a:gs>
+                <a:gs pos="100000">
+                  <a:schemeClr val="bg2">
+                    <a:lumMod val="75000"/>
+                  </a:schemeClr>
+                </a:gs>
+              </a:gsLst>
+              <a:lin ang="5400000" scaled="0"/>
+              <a:tileRect/>
+            </a:gradFill>
+          </a:ln>
+          <a:effectLst>
+            <a:innerShdw blurRad="57150" dist="38100" dir="14460000">
+              <a:srgbClr val="000000">
+                <a:alpha val="70000"/>
+              </a:srgbClr>
+            </a:innerShdw>
+          </a:effectLst>
         </p:spPr>
         <p:txBody>
-          <a:bodyPr/>
+          <a:bodyPr anchor="t">
+            <a:normAutofit/>
+          </a:bodyPr>
           <a:lstStyle>
-            <a:lvl1pPr marL="0" indent="0">
-              <a:buNone/>
-              <a:defRPr sz="3200"/>
-            </a:lvl1pPr>
-            <a:lvl2pPr marL="457200" indent="0">
-              <a:buNone/>
-              <a:defRPr sz="2800"/>
-            </a:lvl2pPr>
-            <a:lvl3pPr marL="914400" indent="0">
-              <a:buNone/>
-              <a:defRPr sz="2400"/>
-            </a:lvl3pPr>
-            <a:lvl4pPr marL="1371600" indent="0">
-              <a:buNone/>
-              <a:defRPr sz="2000"/>
-            </a:lvl4pPr>
-            <a:lvl5pPr marL="1828800" indent="0">
-              <a:buNone/>
-              <a:defRPr sz="2000"/>
-            </a:lvl5pPr>
-            <a:lvl6pPr marL="2286000" indent="0">
-              <a:buNone/>
-              <a:defRPr sz="2000"/>
-            </a:lvl6pPr>
-            <a:lvl7pPr marL="2743200" indent="0">
-              <a:buNone/>
-              <a:defRPr sz="2000"/>
-            </a:lvl7pPr>
-            <a:lvl8pPr marL="3200400" indent="0">
-              <a:buNone/>
-              <a:defRPr sz="2000"/>
-            </a:lvl8pPr>
-            <a:lvl9pPr marL="3657600" indent="0">
-              <a:buNone/>
-              <a:defRPr sz="2000"/>
-            </a:lvl9pPr>
-          </a:lstStyle>
-          <a:p>
-            <a:endParaRPr lang="es-CO"/>
-          </a:p>
-        </p:txBody>
-      </p:sp>
-      <p:sp>
-        <p:nvSpPr>
-          <p:cNvPr id="4" name="Marcador de texto 3">
-            <a:extLst>
-              <a:ext uri="{FF2B5EF4-FFF2-40B4-BE49-F238E27FC236}">
-                <a16:creationId xmlns:a16="http://schemas.microsoft.com/office/drawing/2014/main" id="{849204C6-D601-4E38-835C-812A5CC2F7CC}"/>
-              </a:ext>
-            </a:extLst>
-          </p:cNvPr>
-          <p:cNvSpPr>
-            <a:spLocks noGrp="1"/>
-          </p:cNvSpPr>
-          <p:nvPr>
-            <p:ph type="body" sz="half" idx="2"/>
-          </p:nvPr>
-        </p:nvSpPr>
-        <p:spPr>
-          <a:xfrm>
-            <a:off x="839788" y="2057400"/>
-            <a:ext cx="3932237" cy="3811588"/>
-          </a:xfrm>
-        </p:spPr>
-        <p:txBody>
-          <a:bodyPr/>
-          <a:lstStyle>
-            <a:lvl1pPr marL="0" indent="0">
+            <a:lvl1pPr marL="0" indent="0" algn="ctr">
               <a:buNone/>
               <a:defRPr sz="1600"/>
             </a:lvl1pPr>
             <a:lvl2pPr marL="457200" indent="0">
               <a:buNone/>
-              <a:defRPr sz="1400"/>
+              <a:defRPr sz="1600"/>
             </a:lvl2pPr>
             <a:lvl3pPr marL="914400" indent="0">
               <a:buNone/>
-              <a:defRPr sz="1200"/>
+              <a:defRPr sz="1600"/>
             </a:lvl3pPr>
             <a:lvl4pPr marL="1371600" indent="0">
               <a:buNone/>
-              <a:defRPr sz="1000"/>
+              <a:defRPr sz="1600"/>
             </a:lvl4pPr>
             <a:lvl5pPr marL="1828800" indent="0">
               <a:buNone/>
-              <a:defRPr sz="1000"/>
+              <a:defRPr sz="1600"/>
             </a:lvl5pPr>
             <a:lvl6pPr marL="2286000" indent="0">
               <a:buNone/>
-              <a:defRPr sz="1000"/>
+              <a:defRPr sz="1600"/>
             </a:lvl6pPr>
             <a:lvl7pPr marL="2743200" indent="0">
               <a:buNone/>
-              <a:defRPr sz="1000"/>
+              <a:defRPr sz="1600"/>
             </a:lvl7pPr>
             <a:lvl8pPr marL="3200400" indent="0">
               <a:buNone/>
-              <a:defRPr sz="1000"/>
+              <a:defRPr sz="1600"/>
             </a:lvl8pPr>
             <a:lvl9pPr marL="3657600" indent="0">
               <a:buNone/>
-              <a:defRPr sz="1000"/>
+              <a:defRPr sz="1600"/>
             </a:lvl9pPr>
           </a:lstStyle>
           <a:p>
+            <a:r>
+              <a:rPr lang="es-ES"/>
+              <a:t>Haga clic en el icono para agregar una imagen</a:t>
+            </a:r>
+            <a:endParaRPr lang="en-US" dirty="0"/>
+          </a:p>
+        </p:txBody>
+      </p:sp>
+      <p:sp>
+        <p:nvSpPr>
+          <p:cNvPr id="4" name="Text Placeholder 3"/>
+          <p:cNvSpPr>
+            <a:spLocks noGrp="1"/>
+          </p:cNvSpPr>
+          <p:nvPr>
+            <p:ph type="body" sz="half" idx="2"/>
+          </p:nvPr>
+        </p:nvSpPr>
+        <p:spPr>
+          <a:xfrm>
+            <a:off x="1482724" y="3124199"/>
+            <a:ext cx="5426158" cy="1828800"/>
+          </a:xfrm>
+        </p:spPr>
+        <p:txBody>
+          <a:bodyPr>
+            <a:normAutofit/>
+          </a:bodyPr>
+          <a:lstStyle>
+            <a:lvl1pPr marL="0" indent="0" algn="ctr">
+              <a:buNone/>
+              <a:defRPr sz="1800"/>
+            </a:lvl1pPr>
+            <a:lvl2pPr marL="457200" indent="0">
+              <a:buNone/>
+              <a:defRPr sz="1200"/>
+            </a:lvl2pPr>
+            <a:lvl3pPr marL="914400" indent="0">
+              <a:buNone/>
+              <a:defRPr sz="1000"/>
+            </a:lvl3pPr>
+            <a:lvl4pPr marL="1371600" indent="0">
+              <a:buNone/>
+              <a:defRPr sz="900"/>
+            </a:lvl4pPr>
+            <a:lvl5pPr marL="1828800" indent="0">
+              <a:buNone/>
+              <a:defRPr sz="900"/>
+            </a:lvl5pPr>
+            <a:lvl6pPr marL="2286000" indent="0">
+              <a:buNone/>
+              <a:defRPr sz="900"/>
+            </a:lvl6pPr>
+            <a:lvl7pPr marL="2743200" indent="0">
+              <a:buNone/>
+              <a:defRPr sz="900"/>
+            </a:lvl7pPr>
+            <a:lvl8pPr marL="3200400" indent="0">
+              <a:buNone/>
+              <a:defRPr sz="900"/>
+            </a:lvl8pPr>
+            <a:lvl9pPr marL="3657600" indent="0">
+              <a:buNone/>
+              <a:defRPr sz="900"/>
+            </a:lvl9pPr>
+          </a:lstStyle>
+          <a:p>
             <a:pPr lvl="0"/>
             <a:r>
               <a:rPr lang="es-ES"/>
@@ -3524,13 +5924,7 @@
       </p:sp>
       <p:sp>
         <p:nvSpPr>
-          <p:cNvPr id="5" name="Marcador de fecha 4">
-            <a:extLst>
-              <a:ext uri="{FF2B5EF4-FFF2-40B4-BE49-F238E27FC236}">
-                <a16:creationId xmlns:a16="http://schemas.microsoft.com/office/drawing/2014/main" id="{B63FC1ED-9F53-49C9-8C4F-4F812039A6FD}"/>
-              </a:ext>
-            </a:extLst>
-          </p:cNvPr>
+          <p:cNvPr id="5" name="Date Placeholder 4"/>
           <p:cNvSpPr>
             <a:spLocks noGrp="1"/>
           </p:cNvSpPr>
@@ -3545,7 +5939,7 @@
           <a:p>
             <a:fld id="{69E32DB5-B750-4F20-9EEF-A545E10E8069}" type="datetimeFigureOut">
               <a:rPr lang="es-CO" smtClean="0"/>
-              <a:t>14/02/2021</a:t>
+              <a:t>14/04/2021</a:t>
             </a:fld>
             <a:endParaRPr lang="es-CO"/>
           </a:p>
@@ -3553,13 +5947,7 @@
       </p:sp>
       <p:sp>
         <p:nvSpPr>
-          <p:cNvPr id="6" name="Marcador de pie de página 5">
-            <a:extLst>
-              <a:ext uri="{FF2B5EF4-FFF2-40B4-BE49-F238E27FC236}">
-                <a16:creationId xmlns:a16="http://schemas.microsoft.com/office/drawing/2014/main" id="{270E2F9B-0D12-4A91-A7D2-B7651240C82A}"/>
-              </a:ext>
-            </a:extLst>
-          </p:cNvPr>
+          <p:cNvPr id="6" name="Footer Placeholder 5"/>
           <p:cNvSpPr>
             <a:spLocks noGrp="1"/>
           </p:cNvSpPr>
@@ -3578,13 +5966,7 @@
       </p:sp>
       <p:sp>
         <p:nvSpPr>
-          <p:cNvPr id="7" name="Marcador de número de diapositiva 6">
-            <a:extLst>
-              <a:ext uri="{FF2B5EF4-FFF2-40B4-BE49-F238E27FC236}">
-                <a16:creationId xmlns:a16="http://schemas.microsoft.com/office/drawing/2014/main" id="{3BD987B1-68A1-4979-B502-D178DE812B95}"/>
-              </a:ext>
-            </a:extLst>
-          </p:cNvPr>
+          <p:cNvPr id="7" name="Slide Number Placeholder 6"/>
           <p:cNvSpPr>
             <a:spLocks noGrp="1"/>
           </p:cNvSpPr>
@@ -3608,7 +5990,7 @@
     </p:spTree>
     <p:extLst>
       <p:ext uri="{BB962C8B-B14F-4D97-AF65-F5344CB8AC3E}">
-        <p14:creationId xmlns:p14="http://schemas.microsoft.com/office/powerpoint/2010/main" val="2856016355"/>
+        <p14:creationId xmlns:p14="http://schemas.microsoft.com/office/powerpoint/2010/main" val="3686079300"/>
       </p:ext>
     </p:extLst>
   </p:cSld>
@@ -3622,8 +6004,8 @@
 <p:sldMaster xmlns:a="http://schemas.openxmlformats.org/drawingml/2006/main" xmlns:r="http://schemas.openxmlformats.org/officeDocument/2006/relationships" xmlns:p="http://schemas.openxmlformats.org/presentationml/2006/main">
   <p:cSld>
     <p:bg>
-      <p:bgRef idx="1001">
-        <a:schemeClr val="bg1"/>
+      <p:bgRef idx="1003">
+        <a:schemeClr val="bg2"/>
       </p:bgRef>
     </p:bg>
     <p:spTree>
@@ -3640,15 +6022,325 @@
           <a:chExt cx="0" cy="0"/>
         </a:xfrm>
       </p:grpSpPr>
-      <p:sp>
-        <p:nvSpPr>
-          <p:cNvPr id="2" name="Marcador de título 1">
-            <a:extLst>
-              <a:ext uri="{FF2B5EF4-FFF2-40B4-BE49-F238E27FC236}">
-                <a16:creationId xmlns:a16="http://schemas.microsoft.com/office/drawing/2014/main" id="{96409790-D853-464A-8130-920069CFC8C8}"/>
-              </a:ext>
-            </a:extLst>
-          </p:cNvPr>
+      <p:grpSp>
+        <p:nvGrpSpPr>
+          <p:cNvPr id="7" name="Group 6"/>
+          <p:cNvGrpSpPr/>
+          <p:nvPr/>
+        </p:nvGrpSpPr>
+        <p:grpSpPr>
+          <a:xfrm>
+            <a:off x="150812" y="0"/>
+            <a:ext cx="2436813" cy="6858001"/>
+            <a:chOff x="1320800" y="0"/>
+            <a:chExt cx="2436813" cy="6858001"/>
+          </a:xfrm>
+        </p:grpSpPr>
+        <p:sp>
+          <p:nvSpPr>
+            <p:cNvPr id="8" name="Freeform 6"/>
+            <p:cNvSpPr/>
+            <p:nvPr/>
+          </p:nvSpPr>
+          <p:spPr bwMode="auto">
+            <a:xfrm>
+              <a:off x="1627188" y="0"/>
+              <a:ext cx="1122363" cy="5329238"/>
+            </a:xfrm>
+            <a:custGeom>
+              <a:avLst/>
+              <a:gdLst/>
+              <a:ahLst/>
+              <a:cxnLst/>
+              <a:rect l="0" t="0" r="r" b="b"/>
+              <a:pathLst>
+                <a:path w="707" h="3357">
+                  <a:moveTo>
+                    <a:pt x="0" y="3330"/>
+                  </a:moveTo>
+                  <a:lnTo>
+                    <a:pt x="156" y="3357"/>
+                  </a:lnTo>
+                  <a:lnTo>
+                    <a:pt x="707" y="0"/>
+                  </a:lnTo>
+                  <a:lnTo>
+                    <a:pt x="547" y="0"/>
+                  </a:lnTo>
+                  <a:lnTo>
+                    <a:pt x="0" y="3330"/>
+                  </a:lnTo>
+                  <a:close/>
+                </a:path>
+              </a:pathLst>
+            </a:custGeom>
+            <a:solidFill>
+              <a:schemeClr val="accent1"/>
+            </a:solidFill>
+            <a:ln>
+              <a:noFill/>
+            </a:ln>
+          </p:spPr>
+        </p:sp>
+        <p:sp>
+          <p:nvSpPr>
+            <p:cNvPr id="9" name="Freeform 7"/>
+            <p:cNvSpPr/>
+            <p:nvPr/>
+          </p:nvSpPr>
+          <p:spPr bwMode="auto">
+            <a:xfrm>
+              <a:off x="1320800" y="0"/>
+              <a:ext cx="1117600" cy="5276850"/>
+            </a:xfrm>
+            <a:custGeom>
+              <a:avLst/>
+              <a:gdLst/>
+              <a:ahLst/>
+              <a:cxnLst/>
+              <a:rect l="0" t="0" r="r" b="b"/>
+              <a:pathLst>
+                <a:path w="704" h="3324">
+                  <a:moveTo>
+                    <a:pt x="704" y="0"/>
+                  </a:moveTo>
+                  <a:lnTo>
+                    <a:pt x="545" y="0"/>
+                  </a:lnTo>
+                  <a:lnTo>
+                    <a:pt x="0" y="3300"/>
+                  </a:lnTo>
+                  <a:lnTo>
+                    <a:pt x="157" y="3324"/>
+                  </a:lnTo>
+                  <a:lnTo>
+                    <a:pt x="704" y="0"/>
+                  </a:lnTo>
+                  <a:close/>
+                </a:path>
+              </a:pathLst>
+            </a:custGeom>
+            <a:solidFill>
+              <a:schemeClr val="tx1">
+                <a:lumMod val="65000"/>
+                <a:lumOff val="35000"/>
+              </a:schemeClr>
+            </a:solidFill>
+            <a:ln>
+              <a:noFill/>
+            </a:ln>
+          </p:spPr>
+        </p:sp>
+        <p:sp>
+          <p:nvSpPr>
+            <p:cNvPr id="10" name="Freeform 8"/>
+            <p:cNvSpPr/>
+            <p:nvPr/>
+          </p:nvSpPr>
+          <p:spPr bwMode="auto">
+            <a:xfrm>
+              <a:off x="1320800" y="5238750"/>
+              <a:ext cx="1228725" cy="1619250"/>
+            </a:xfrm>
+            <a:custGeom>
+              <a:avLst/>
+              <a:gdLst/>
+              <a:ahLst/>
+              <a:cxnLst/>
+              <a:rect l="0" t="0" r="r" b="b"/>
+              <a:pathLst>
+                <a:path w="774" h="1020">
+                  <a:moveTo>
+                    <a:pt x="0" y="0"/>
+                  </a:moveTo>
+                  <a:lnTo>
+                    <a:pt x="740" y="1020"/>
+                  </a:lnTo>
+                  <a:lnTo>
+                    <a:pt x="774" y="1020"/>
+                  </a:lnTo>
+                  <a:lnTo>
+                    <a:pt x="0" y="0"/>
+                  </a:lnTo>
+                  <a:close/>
+                </a:path>
+              </a:pathLst>
+            </a:custGeom>
+            <a:solidFill>
+              <a:schemeClr val="tx1">
+                <a:lumMod val="85000"/>
+                <a:lumOff val="15000"/>
+              </a:schemeClr>
+            </a:solidFill>
+            <a:ln>
+              <a:noFill/>
+            </a:ln>
+          </p:spPr>
+        </p:sp>
+        <p:sp>
+          <p:nvSpPr>
+            <p:cNvPr id="11" name="Freeform 9"/>
+            <p:cNvSpPr/>
+            <p:nvPr/>
+          </p:nvSpPr>
+          <p:spPr bwMode="auto">
+            <a:xfrm>
+              <a:off x="1627188" y="5291138"/>
+              <a:ext cx="1495425" cy="1566863"/>
+            </a:xfrm>
+            <a:custGeom>
+              <a:avLst/>
+              <a:gdLst/>
+              <a:ahLst/>
+              <a:cxnLst/>
+              <a:rect l="0" t="0" r="r" b="b"/>
+              <a:pathLst>
+                <a:path w="942" h="987">
+                  <a:moveTo>
+                    <a:pt x="0" y="0"/>
+                  </a:moveTo>
+                  <a:lnTo>
+                    <a:pt x="909" y="987"/>
+                  </a:lnTo>
+                  <a:lnTo>
+                    <a:pt x="942" y="987"/>
+                  </a:lnTo>
+                  <a:lnTo>
+                    <a:pt x="0" y="0"/>
+                  </a:lnTo>
+                  <a:close/>
+                </a:path>
+              </a:pathLst>
+            </a:custGeom>
+            <a:solidFill>
+              <a:schemeClr val="accent1">
+                <a:lumMod val="50000"/>
+              </a:schemeClr>
+            </a:solidFill>
+            <a:ln>
+              <a:noFill/>
+            </a:ln>
+          </p:spPr>
+        </p:sp>
+        <p:sp>
+          <p:nvSpPr>
+            <p:cNvPr id="12" name="Freeform 10"/>
+            <p:cNvSpPr/>
+            <p:nvPr/>
+          </p:nvSpPr>
+          <p:spPr bwMode="auto">
+            <a:xfrm>
+              <a:off x="1627188" y="5286375"/>
+              <a:ext cx="2130425" cy="1571625"/>
+            </a:xfrm>
+            <a:custGeom>
+              <a:avLst/>
+              <a:gdLst/>
+              <a:ahLst/>
+              <a:cxnLst/>
+              <a:rect l="0" t="0" r="r" b="b"/>
+              <a:pathLst>
+                <a:path w="1342" h="990">
+                  <a:moveTo>
+                    <a:pt x="0" y="3"/>
+                  </a:moveTo>
+                  <a:lnTo>
+                    <a:pt x="942" y="990"/>
+                  </a:lnTo>
+                  <a:lnTo>
+                    <a:pt x="1342" y="990"/>
+                  </a:lnTo>
+                  <a:lnTo>
+                    <a:pt x="156" y="27"/>
+                  </a:lnTo>
+                  <a:lnTo>
+                    <a:pt x="0" y="0"/>
+                  </a:lnTo>
+                  <a:lnTo>
+                    <a:pt x="0" y="3"/>
+                  </a:lnTo>
+                  <a:close/>
+                </a:path>
+              </a:pathLst>
+            </a:custGeom>
+            <a:solidFill>
+              <a:schemeClr val="accent1">
+                <a:lumMod val="75000"/>
+              </a:schemeClr>
+            </a:solidFill>
+            <a:ln>
+              <a:noFill/>
+            </a:ln>
+          </p:spPr>
+        </p:sp>
+        <p:sp>
+          <p:nvSpPr>
+            <p:cNvPr id="13" name="Freeform 11"/>
+            <p:cNvSpPr/>
+            <p:nvPr/>
+          </p:nvSpPr>
+          <p:spPr bwMode="auto">
+            <a:xfrm>
+              <a:off x="1320800" y="5238750"/>
+              <a:ext cx="1695450" cy="1619250"/>
+            </a:xfrm>
+            <a:custGeom>
+              <a:avLst/>
+              <a:gdLst/>
+              <a:ahLst/>
+              <a:cxnLst/>
+              <a:rect l="0" t="0" r="r" b="b"/>
+              <a:pathLst>
+                <a:path w="1068" h="1020">
+                  <a:moveTo>
+                    <a:pt x="1068" y="1020"/>
+                  </a:moveTo>
+                  <a:lnTo>
+                    <a:pt x="184" y="60"/>
+                  </a:lnTo>
+                  <a:lnTo>
+                    <a:pt x="154" y="27"/>
+                  </a:lnTo>
+                  <a:lnTo>
+                    <a:pt x="157" y="27"/>
+                  </a:lnTo>
+                  <a:lnTo>
+                    <a:pt x="157" y="24"/>
+                  </a:lnTo>
+                  <a:lnTo>
+                    <a:pt x="154" y="24"/>
+                  </a:lnTo>
+                  <a:lnTo>
+                    <a:pt x="0" y="0"/>
+                  </a:lnTo>
+                  <a:lnTo>
+                    <a:pt x="0" y="0"/>
+                  </a:lnTo>
+                  <a:lnTo>
+                    <a:pt x="774" y="1020"/>
+                  </a:lnTo>
+                  <a:lnTo>
+                    <a:pt x="1068" y="1020"/>
+                  </a:lnTo>
+                  <a:close/>
+                </a:path>
+              </a:pathLst>
+            </a:custGeom>
+            <a:solidFill>
+              <a:schemeClr val="tx1">
+                <a:lumMod val="75000"/>
+                <a:lumOff val="25000"/>
+              </a:schemeClr>
+            </a:solidFill>
+            <a:ln>
+              <a:noFill/>
+            </a:ln>
+          </p:spPr>
+        </p:sp>
+      </p:grpSp>
+      <p:sp>
+        <p:nvSpPr>
+          <p:cNvPr id="2" name="Title Placeholder 1"/>
           <p:cNvSpPr>
             <a:spLocks noGrp="1"/>
           </p:cNvSpPr>
@@ -3658,8 +6350,42 @@
         </p:nvSpPr>
         <p:spPr>
           <a:xfrm>
-            <a:off x="838200" y="365125"/>
-            <a:ext cx="10515600" cy="1325563"/>
+            <a:off x="1484311" y="685800"/>
+            <a:ext cx="10018713" cy="1752599"/>
+          </a:xfrm>
+          <a:prstGeom prst="rect">
+            <a:avLst/>
+          </a:prstGeom>
+          <a:effectLst/>
+        </p:spPr>
+        <p:txBody>
+          <a:bodyPr vert="horz" lIns="91440" tIns="45720" rIns="91440" bIns="45720" rtlCol="0" anchor="ctr">
+            <a:normAutofit/>
+          </a:bodyPr>
+          <a:lstStyle/>
+          <a:p>
+            <a:r>
+              <a:rPr lang="es-ES"/>
+              <a:t>Haga clic para modificar el estilo de título del patrón</a:t>
+            </a:r>
+            <a:endParaRPr lang="en-US" dirty="0"/>
+          </a:p>
+        </p:txBody>
+      </p:sp>
+      <p:sp>
+        <p:nvSpPr>
+          <p:cNvPr id="3" name="Text Placeholder 2"/>
+          <p:cNvSpPr>
+            <a:spLocks noGrp="1"/>
+          </p:cNvSpPr>
+          <p:nvPr>
+            <p:ph type="body" idx="1"/>
+          </p:nvPr>
+        </p:nvSpPr>
+        <p:spPr>
+          <a:xfrm>
+            <a:off x="1484310" y="2666999"/>
+            <a:ext cx="10018713" cy="3124201"/>
           </a:xfrm>
           <a:prstGeom prst="rect">
             <a:avLst/>
@@ -3671,102 +6397,98 @@
           </a:bodyPr>
           <a:lstStyle/>
           <a:p>
+            <a:pPr lvl="0"/>
             <a:r>
               <a:rPr lang="es-ES"/>
-              <a:t>Haga clic para modificar el estilo de título del patrón</a:t>
-            </a:r>
-            <a:endParaRPr lang="es-CO"/>
-          </a:p>
-        </p:txBody>
-      </p:sp>
-      <p:sp>
-        <p:nvSpPr>
-          <p:cNvPr id="3" name="Marcador de texto 2">
-            <a:extLst>
-              <a:ext uri="{FF2B5EF4-FFF2-40B4-BE49-F238E27FC236}">
-                <a16:creationId xmlns:a16="http://schemas.microsoft.com/office/drawing/2014/main" id="{AB91FE69-A191-4A4C-95DF-76350ED14DC8}"/>
-              </a:ext>
-            </a:extLst>
-          </p:cNvPr>
-          <p:cNvSpPr>
-            <a:spLocks noGrp="1"/>
-          </p:cNvSpPr>
-          <p:nvPr>
-            <p:ph type="body" idx="1"/>
+              <a:t>Haga clic para modificar los estilos de texto del patrón</a:t>
+            </a:r>
+          </a:p>
+          <a:p>
+            <a:pPr lvl="1"/>
+            <a:r>
+              <a:rPr lang="es-ES"/>
+              <a:t>Segundo nivel</a:t>
+            </a:r>
+          </a:p>
+          <a:p>
+            <a:pPr lvl="2"/>
+            <a:r>
+              <a:rPr lang="es-ES"/>
+              <a:t>Tercer nivel</a:t>
+            </a:r>
+          </a:p>
+          <a:p>
+            <a:pPr lvl="3"/>
+            <a:r>
+              <a:rPr lang="es-ES"/>
+              <a:t>Cuarto nivel</a:t>
+            </a:r>
+          </a:p>
+          <a:p>
+            <a:pPr lvl="4"/>
+            <a:r>
+              <a:rPr lang="es-ES"/>
+              <a:t>Quinto nivel</a:t>
+            </a:r>
+            <a:endParaRPr lang="en-US" dirty="0"/>
+          </a:p>
+        </p:txBody>
+      </p:sp>
+      <p:sp>
+        <p:nvSpPr>
+          <p:cNvPr id="4" name="Date Placeholder 3"/>
+          <p:cNvSpPr>
+            <a:spLocks noGrp="1"/>
+          </p:cNvSpPr>
+          <p:nvPr>
+            <p:ph type="dt" sz="half" idx="2"/>
           </p:nvPr>
         </p:nvSpPr>
         <p:spPr>
           <a:xfrm>
-            <a:off x="838200" y="1825625"/>
-            <a:ext cx="10515600" cy="4351338"/>
+            <a:off x="9732656" y="5883275"/>
+            <a:ext cx="1143000" cy="365125"/>
           </a:xfrm>
           <a:prstGeom prst="rect">
             <a:avLst/>
           </a:prstGeom>
         </p:spPr>
         <p:txBody>
-          <a:bodyPr vert="horz" lIns="91440" tIns="45720" rIns="91440" bIns="45720" rtlCol="0">
-            <a:normAutofit/>
-          </a:bodyPr>
-          <a:lstStyle/>
-          <a:p>
-            <a:pPr lvl="0"/>
-            <a:r>
-              <a:rPr lang="es-ES"/>
-              <a:t>Haga clic para modificar los estilos de texto del patrón</a:t>
-            </a:r>
-          </a:p>
-          <a:p>
-            <a:pPr lvl="1"/>
-            <a:r>
-              <a:rPr lang="es-ES"/>
-              <a:t>Segundo nivel</a:t>
-            </a:r>
-          </a:p>
-          <a:p>
-            <a:pPr lvl="2"/>
-            <a:r>
-              <a:rPr lang="es-ES"/>
-              <a:t>Tercer nivel</a:t>
-            </a:r>
-          </a:p>
-          <a:p>
-            <a:pPr lvl="3"/>
-            <a:r>
-              <a:rPr lang="es-ES"/>
-              <a:t>Cuarto nivel</a:t>
-            </a:r>
-          </a:p>
-          <a:p>
-            <a:pPr lvl="4"/>
-            <a:r>
-              <a:rPr lang="es-ES"/>
-              <a:t>Quinto nivel</a:t>
-            </a:r>
+          <a:bodyPr vert="horz" lIns="91440" tIns="45720" rIns="91440" bIns="45720" rtlCol="0" anchor="ctr"/>
+          <a:lstStyle>
+            <a:lvl1pPr algn="r">
+              <a:defRPr sz="1000" b="0" i="0">
+                <a:solidFill>
+                  <a:schemeClr val="tx1"/>
+                </a:solidFill>
+                <a:effectLst/>
+                <a:latin typeface="+mn-lt"/>
+              </a:defRPr>
+            </a:lvl1pPr>
+          </a:lstStyle>
+          <a:p>
+            <a:fld id="{69E32DB5-B750-4F20-9EEF-A545E10E8069}" type="datetimeFigureOut">
+              <a:rPr lang="es-CO" smtClean="0"/>
+              <a:t>14/04/2021</a:t>
+            </a:fld>
             <a:endParaRPr lang="es-CO"/>
           </a:p>
         </p:txBody>
       </p:sp>
       <p:sp>
         <p:nvSpPr>
-          <p:cNvPr id="4" name="Marcador de fecha 3">
-            <a:extLst>
-              <a:ext uri="{FF2B5EF4-FFF2-40B4-BE49-F238E27FC236}">
-                <a16:creationId xmlns:a16="http://schemas.microsoft.com/office/drawing/2014/main" id="{EC485A3B-1306-4257-91C6-8252F680E63C}"/>
-              </a:ext>
-            </a:extLst>
-          </p:cNvPr>
-          <p:cNvSpPr>
-            <a:spLocks noGrp="1"/>
-          </p:cNvSpPr>
-          <p:nvPr>
-            <p:ph type="dt" sz="half" idx="2"/>
+          <p:cNvPr id="5" name="Footer Placeholder 4"/>
+          <p:cNvSpPr>
+            <a:spLocks noGrp="1"/>
+          </p:cNvSpPr>
+          <p:nvPr>
+            <p:ph type="ftr" sz="quarter" idx="3"/>
           </p:nvPr>
         </p:nvSpPr>
         <p:spPr>
           <a:xfrm>
-            <a:off x="838200" y="6356350"/>
-            <a:ext cx="2743200" cy="365125"/>
+            <a:off x="2572279" y="5883275"/>
+            <a:ext cx="7084177" cy="365125"/>
           </a:xfrm>
           <a:prstGeom prst="rect">
             <a:avLst/>
@@ -3776,44 +6498,34 @@
           <a:bodyPr vert="horz" lIns="91440" tIns="45720" rIns="91440" bIns="45720" rtlCol="0" anchor="ctr"/>
           <a:lstStyle>
             <a:lvl1pPr algn="l">
-              <a:defRPr sz="1200">
-                <a:solidFill>
-                  <a:schemeClr val="tx1">
-                    <a:tint val="75000"/>
-                  </a:schemeClr>
-                </a:solidFill>
+              <a:defRPr sz="1000" b="0" i="0">
+                <a:solidFill>
+                  <a:schemeClr val="tx1"/>
+                </a:solidFill>
+                <a:effectLst/>
+                <a:latin typeface="+mn-lt"/>
               </a:defRPr>
             </a:lvl1pPr>
           </a:lstStyle>
           <a:p>
-            <a:fld id="{69E32DB5-B750-4F20-9EEF-A545E10E8069}" type="datetimeFigureOut">
-              <a:rPr lang="es-CO" smtClean="0"/>
-              <a:t>14/02/2021</a:t>
-            </a:fld>
             <a:endParaRPr lang="es-CO"/>
           </a:p>
         </p:txBody>
       </p:sp>
       <p:sp>
         <p:nvSpPr>
-          <p:cNvPr id="5" name="Marcador de pie de página 4">
-            <a:extLst>
-              <a:ext uri="{FF2B5EF4-FFF2-40B4-BE49-F238E27FC236}">
-                <a16:creationId xmlns:a16="http://schemas.microsoft.com/office/drawing/2014/main" id="{F61E1537-F8EA-487C-88AB-9A26FF45E023}"/>
-              </a:ext>
-            </a:extLst>
-          </p:cNvPr>
-          <p:cNvSpPr>
-            <a:spLocks noGrp="1"/>
-          </p:cNvSpPr>
-          <p:nvPr>
-            <p:ph type="ftr" sz="quarter" idx="3"/>
+          <p:cNvPr id="6" name="Slide Number Placeholder 5"/>
+          <p:cNvSpPr>
+            <a:spLocks noGrp="1"/>
+          </p:cNvSpPr>
+          <p:nvPr>
+            <p:ph type="sldNum" sz="quarter" idx="4"/>
           </p:nvPr>
         </p:nvSpPr>
         <p:spPr>
           <a:xfrm>
-            <a:off x="4038600" y="6356350"/>
-            <a:ext cx="4114800" cy="365125"/>
+            <a:off x="10951856" y="5883275"/>
+            <a:ext cx="551167" cy="365125"/>
           </a:xfrm>
           <a:prstGeom prst="rect">
             <a:avLst/>
@@ -3822,56 +6534,13 @@
         <p:txBody>
           <a:bodyPr vert="horz" lIns="91440" tIns="45720" rIns="91440" bIns="45720" rtlCol="0" anchor="ctr"/>
           <a:lstStyle>
-            <a:lvl1pPr algn="ctr">
-              <a:defRPr sz="1200">
-                <a:solidFill>
-                  <a:schemeClr val="tx1">
-                    <a:tint val="75000"/>
-                  </a:schemeClr>
-                </a:solidFill>
-              </a:defRPr>
-            </a:lvl1pPr>
-          </a:lstStyle>
-          <a:p>
-            <a:endParaRPr lang="es-CO"/>
-          </a:p>
-        </p:txBody>
-      </p:sp>
-      <p:sp>
-        <p:nvSpPr>
-          <p:cNvPr id="6" name="Marcador de número de diapositiva 5">
-            <a:extLst>
-              <a:ext uri="{FF2B5EF4-FFF2-40B4-BE49-F238E27FC236}">
-                <a16:creationId xmlns:a16="http://schemas.microsoft.com/office/drawing/2014/main" id="{89DB7059-A786-438F-AD10-2A69555513F1}"/>
-              </a:ext>
-            </a:extLst>
-          </p:cNvPr>
-          <p:cNvSpPr>
-            <a:spLocks noGrp="1"/>
-          </p:cNvSpPr>
-          <p:nvPr>
-            <p:ph type="sldNum" sz="quarter" idx="4"/>
-          </p:nvPr>
-        </p:nvSpPr>
-        <p:spPr>
-          <a:xfrm>
-            <a:off x="8610600" y="6356350"/>
-            <a:ext cx="2743200" cy="365125"/>
-          </a:xfrm>
-          <a:prstGeom prst="rect">
-            <a:avLst/>
-          </a:prstGeom>
-        </p:spPr>
-        <p:txBody>
-          <a:bodyPr vert="horz" lIns="91440" tIns="45720" rIns="91440" bIns="45720" rtlCol="0" anchor="ctr"/>
-          <a:lstStyle>
             <a:lvl1pPr algn="r">
-              <a:defRPr sz="1200">
-                <a:solidFill>
-                  <a:schemeClr val="tx1">
-                    <a:tint val="75000"/>
-                  </a:schemeClr>
-                </a:solidFill>
+              <a:defRPr sz="1000" b="0" i="0">
+                <a:solidFill>
+                  <a:schemeClr val="tx1"/>
+                </a:solidFill>
+                <a:effectLst/>
+                <a:latin typeface="+mn-lt"/>
               </a:defRPr>
             </a:lvl1pPr>
           </a:lstStyle>
@@ -3887,56 +6556,341 @@
     </p:spTree>
     <p:extLst>
       <p:ext uri="{BB962C8B-B14F-4D97-AF65-F5344CB8AC3E}">
-        <p14:creationId xmlns:p14="http://schemas.microsoft.com/office/powerpoint/2010/main" val="4027522136"/>
+        <p14:creationId xmlns:p14="http://schemas.microsoft.com/office/powerpoint/2010/main" val="3345788735"/>
       </p:ext>
     </p:extLst>
   </p:cSld>
   <p:clrMap bg1="lt1" tx1="dk1" bg2="lt2" tx2="dk2" accent1="accent1" accent2="accent2" accent3="accent3" accent4="accent4" accent5="accent5" accent6="accent6" hlink="hlink" folHlink="folHlink"/>
   <p:sldLayoutIdLst>
-    <p:sldLayoutId id="2147483649" r:id="rId1"/>
-    <p:sldLayoutId id="2147483650" r:id="rId2"/>
-    <p:sldLayoutId id="2147483651" r:id="rId3"/>
-    <p:sldLayoutId id="2147483652" r:id="rId4"/>
-    <p:sldLayoutId id="2147483653" r:id="rId5"/>
-    <p:sldLayoutId id="2147483654" r:id="rId6"/>
-    <p:sldLayoutId id="2147483655" r:id="rId7"/>
-    <p:sldLayoutId id="2147483656" r:id="rId8"/>
-    <p:sldLayoutId id="2147483657" r:id="rId9"/>
-    <p:sldLayoutId id="2147483658" r:id="rId10"/>
-    <p:sldLayoutId id="2147483659" r:id="rId11"/>
-    <p:sldLayoutId id="2147483660" r:id="rId12"/>
+    <p:sldLayoutId id="2147483662" r:id="rId1"/>
+    <p:sldLayoutId id="2147483663" r:id="rId2"/>
+    <p:sldLayoutId id="2147483664" r:id="rId3"/>
+    <p:sldLayoutId id="2147483665" r:id="rId4"/>
+    <p:sldLayoutId id="2147483666" r:id="rId5"/>
+    <p:sldLayoutId id="2147483667" r:id="rId6"/>
+    <p:sldLayoutId id="2147483668" r:id="rId7"/>
+    <p:sldLayoutId id="2147483669" r:id="rId8"/>
+    <p:sldLayoutId id="2147483670" r:id="rId9"/>
+    <p:sldLayoutId id="2147483671" r:id="rId10"/>
+    <p:sldLayoutId id="2147483672" r:id="rId11"/>
+    <p:sldLayoutId id="2147483673" r:id="rId12"/>
+    <p:sldLayoutId id="2147483674" r:id="rId13"/>
+    <p:sldLayoutId id="2147483675" r:id="rId14"/>
+    <p:sldLayoutId id="2147483676" r:id="rId15"/>
+    <p:sldLayoutId id="2147483677" r:id="rId16"/>
+    <p:sldLayoutId id="2147483678" r:id="rId17"/>
+    <p:sldLayoutId id="2147483679" r:id="rId18"/>
   </p:sldLayoutIdLst>
   <p:txStyles>
     <p:titleStyle>
-      <a:lvl1pPr algn="l" defTabSz="914400" rtl="0" eaLnBrk="1" latinLnBrk="0" hangingPunct="1">
-        <a:lnSpc>
-          <a:spcPct val="90000"/>
-        </a:lnSpc>
+      <a:lvl1pPr algn="ctr" defTabSz="457200" rtl="0" eaLnBrk="1" latinLnBrk="0" hangingPunct="1">
         <a:spcBef>
           <a:spcPct val="0"/>
         </a:spcBef>
         <a:buNone/>
-        <a:defRPr sz="4400" kern="1200">
+        <a:defRPr sz="4000" kern="1200" cap="none">
+          <a:ln w="3175" cmpd="sng">
+            <a:noFill/>
+          </a:ln>
           <a:solidFill>
             <a:schemeClr val="tx1"/>
           </a:solidFill>
+          <a:effectLst/>
           <a:latin typeface="+mj-lt"/>
           <a:ea typeface="+mj-ea"/>
           <a:cs typeface="+mj-cs"/>
         </a:defRPr>
       </a:lvl1pPr>
+      <a:lvl2pPr eaLnBrk="1" hangingPunct="1">
+        <a:defRPr>
+          <a:solidFill>
+            <a:schemeClr val="tx2"/>
+          </a:solidFill>
+        </a:defRPr>
+      </a:lvl2pPr>
+      <a:lvl3pPr eaLnBrk="1" hangingPunct="1">
+        <a:defRPr>
+          <a:solidFill>
+            <a:schemeClr val="tx2"/>
+          </a:solidFill>
+        </a:defRPr>
+      </a:lvl3pPr>
+      <a:lvl4pPr eaLnBrk="1" hangingPunct="1">
+        <a:defRPr>
+          <a:solidFill>
+            <a:schemeClr val="tx2"/>
+          </a:solidFill>
+        </a:defRPr>
+      </a:lvl4pPr>
+      <a:lvl5pPr eaLnBrk="1" hangingPunct="1">
+        <a:defRPr>
+          <a:solidFill>
+            <a:schemeClr val="tx2"/>
+          </a:solidFill>
+        </a:defRPr>
+      </a:lvl5pPr>
+      <a:lvl6pPr eaLnBrk="1" hangingPunct="1">
+        <a:defRPr>
+          <a:solidFill>
+            <a:schemeClr val="tx2"/>
+          </a:solidFill>
+        </a:defRPr>
+      </a:lvl6pPr>
+      <a:lvl7pPr eaLnBrk="1" hangingPunct="1">
+        <a:defRPr>
+          <a:solidFill>
+            <a:schemeClr val="tx2"/>
+          </a:solidFill>
+        </a:defRPr>
+      </a:lvl7pPr>
+      <a:lvl8pPr eaLnBrk="1" hangingPunct="1">
+        <a:defRPr>
+          <a:solidFill>
+            <a:schemeClr val="tx2"/>
+          </a:solidFill>
+        </a:defRPr>
+      </a:lvl8pPr>
+      <a:lvl9pPr eaLnBrk="1" hangingPunct="1">
+        <a:defRPr>
+          <a:solidFill>
+            <a:schemeClr val="tx2"/>
+          </a:solidFill>
+        </a:defRPr>
+      </a:lvl9pPr>
     </p:titleStyle>
     <p:bodyStyle>
-      <a:lvl1pPr marL="228600" indent="-228600" algn="l" defTabSz="914400" rtl="0" eaLnBrk="1" latinLnBrk="0" hangingPunct="1">
-        <a:lnSpc>
-          <a:spcPct val="90000"/>
-        </a:lnSpc>
+      <a:lvl1pPr marL="285750" indent="-285750" algn="l" defTabSz="457200" rtl="0" eaLnBrk="1" latinLnBrk="0" hangingPunct="1">
         <a:spcBef>
-          <a:spcPts val="1000"/>
+          <a:spcPct val="20000"/>
         </a:spcBef>
-        <a:buFont typeface="Arial" panose="020B0604020202020204" pitchFamily="34" charset="0"/>
+        <a:spcAft>
+          <a:spcPts val="600"/>
+        </a:spcAft>
+        <a:buClr>
+          <a:schemeClr val="accent1">
+            <a:lumMod val="75000"/>
+          </a:schemeClr>
+        </a:buClr>
+        <a:buSzPct val="145000"/>
+        <a:buFont typeface="Arial"/>
         <a:buChar char="•"/>
-        <a:defRPr sz="2800" kern="1200">
+        <a:defRPr sz="2400" kern="1200" cap="none">
+          <a:solidFill>
+            <a:schemeClr val="tx1"/>
+          </a:solidFill>
+          <a:effectLst/>
+          <a:latin typeface="+mn-lt"/>
+          <a:ea typeface="+mn-ea"/>
+          <a:cs typeface="+mn-cs"/>
+        </a:defRPr>
+      </a:lvl1pPr>
+      <a:lvl2pPr marL="742950" indent="-285750" algn="l" defTabSz="457200" rtl="0" eaLnBrk="1" latinLnBrk="0" hangingPunct="1">
+        <a:spcBef>
+          <a:spcPct val="20000"/>
+        </a:spcBef>
+        <a:spcAft>
+          <a:spcPts val="600"/>
+        </a:spcAft>
+        <a:buClr>
+          <a:schemeClr val="accent1">
+            <a:lumMod val="75000"/>
+          </a:schemeClr>
+        </a:buClr>
+        <a:buSzPct val="145000"/>
+        <a:buFont typeface="Arial"/>
+        <a:buChar char="•"/>
+        <a:defRPr sz="2000" kern="1200" cap="none">
+          <a:solidFill>
+            <a:schemeClr val="tx1"/>
+          </a:solidFill>
+          <a:effectLst/>
+          <a:latin typeface="+mn-lt"/>
+          <a:ea typeface="+mn-ea"/>
+          <a:cs typeface="+mn-cs"/>
+        </a:defRPr>
+      </a:lvl2pPr>
+      <a:lvl3pPr marL="1200150" indent="-285750" algn="l" defTabSz="457200" rtl="0" eaLnBrk="1" latinLnBrk="0" hangingPunct="1">
+        <a:spcBef>
+          <a:spcPct val="20000"/>
+        </a:spcBef>
+        <a:spcAft>
+          <a:spcPts val="600"/>
+        </a:spcAft>
+        <a:buClr>
+          <a:schemeClr val="accent1">
+            <a:lumMod val="75000"/>
+          </a:schemeClr>
+        </a:buClr>
+        <a:buSzPct val="145000"/>
+        <a:buFont typeface="Arial"/>
+        <a:buChar char="•"/>
+        <a:defRPr sz="1800" kern="1200" cap="none">
+          <a:solidFill>
+            <a:schemeClr val="tx1"/>
+          </a:solidFill>
+          <a:effectLst/>
+          <a:latin typeface="+mn-lt"/>
+          <a:ea typeface="+mn-ea"/>
+          <a:cs typeface="+mn-cs"/>
+        </a:defRPr>
+      </a:lvl3pPr>
+      <a:lvl4pPr marL="1543050" indent="-171450" algn="l" defTabSz="457200" rtl="0" eaLnBrk="1" latinLnBrk="0" hangingPunct="1">
+        <a:spcBef>
+          <a:spcPct val="20000"/>
+        </a:spcBef>
+        <a:spcAft>
+          <a:spcPts val="600"/>
+        </a:spcAft>
+        <a:buClr>
+          <a:schemeClr val="accent1">
+            <a:lumMod val="75000"/>
+          </a:schemeClr>
+        </a:buClr>
+        <a:buSzPct val="145000"/>
+        <a:buFont typeface="Arial"/>
+        <a:buChar char="•"/>
+        <a:defRPr sz="1600" kern="1200" cap="none">
+          <a:solidFill>
+            <a:schemeClr val="tx1"/>
+          </a:solidFill>
+          <a:effectLst/>
+          <a:latin typeface="+mn-lt"/>
+          <a:ea typeface="+mn-ea"/>
+          <a:cs typeface="+mn-cs"/>
+        </a:defRPr>
+      </a:lvl4pPr>
+      <a:lvl5pPr marL="2000250" indent="-171450" algn="l" defTabSz="457200" rtl="0" eaLnBrk="1" latinLnBrk="0" hangingPunct="1">
+        <a:spcBef>
+          <a:spcPct val="20000"/>
+        </a:spcBef>
+        <a:spcAft>
+          <a:spcPts val="600"/>
+        </a:spcAft>
+        <a:buClr>
+          <a:schemeClr val="accent1">
+            <a:lumMod val="75000"/>
+          </a:schemeClr>
+        </a:buClr>
+        <a:buSzPct val="145000"/>
+        <a:buFont typeface="Arial"/>
+        <a:buChar char="•"/>
+        <a:defRPr sz="1400" kern="1200" cap="none">
+          <a:solidFill>
+            <a:schemeClr val="tx1"/>
+          </a:solidFill>
+          <a:effectLst/>
+          <a:latin typeface="+mn-lt"/>
+          <a:ea typeface="+mn-ea"/>
+          <a:cs typeface="+mn-cs"/>
+        </a:defRPr>
+      </a:lvl5pPr>
+      <a:lvl6pPr marL="2514600" indent="-228600" algn="l" defTabSz="457200" rtl="0" eaLnBrk="1" latinLnBrk="0" hangingPunct="1">
+        <a:spcBef>
+          <a:spcPct val="20000"/>
+        </a:spcBef>
+        <a:spcAft>
+          <a:spcPts val="600"/>
+        </a:spcAft>
+        <a:buClr>
+          <a:schemeClr val="accent1">
+            <a:lumMod val="75000"/>
+          </a:schemeClr>
+        </a:buClr>
+        <a:buSzPct val="145000"/>
+        <a:buFont typeface="Arial"/>
+        <a:buChar char="•"/>
+        <a:defRPr sz="1400" kern="1200" cap="none">
+          <a:solidFill>
+            <a:schemeClr val="tx1"/>
+          </a:solidFill>
+          <a:effectLst/>
+          <a:latin typeface="+mn-lt"/>
+          <a:ea typeface="+mn-ea"/>
+          <a:cs typeface="+mn-cs"/>
+        </a:defRPr>
+      </a:lvl6pPr>
+      <a:lvl7pPr marL="2971800" indent="-228600" algn="l" defTabSz="457200" rtl="0" eaLnBrk="1" latinLnBrk="0" hangingPunct="1">
+        <a:spcBef>
+          <a:spcPct val="20000"/>
+        </a:spcBef>
+        <a:spcAft>
+          <a:spcPts val="600"/>
+        </a:spcAft>
+        <a:buClr>
+          <a:schemeClr val="accent1">
+            <a:lumMod val="75000"/>
+          </a:schemeClr>
+        </a:buClr>
+        <a:buSzPct val="145000"/>
+        <a:buFont typeface="Arial"/>
+        <a:buChar char="•"/>
+        <a:defRPr sz="1400" kern="1200" cap="none">
+          <a:solidFill>
+            <a:schemeClr val="tx1"/>
+          </a:solidFill>
+          <a:effectLst/>
+          <a:latin typeface="+mn-lt"/>
+          <a:ea typeface="+mn-ea"/>
+          <a:cs typeface="+mn-cs"/>
+        </a:defRPr>
+      </a:lvl7pPr>
+      <a:lvl8pPr marL="3429000" indent="-228600" algn="l" defTabSz="457200" rtl="0" eaLnBrk="1" latinLnBrk="0" hangingPunct="1">
+        <a:spcBef>
+          <a:spcPct val="20000"/>
+        </a:spcBef>
+        <a:spcAft>
+          <a:spcPts val="600"/>
+        </a:spcAft>
+        <a:buClr>
+          <a:schemeClr val="accent1">
+            <a:lumMod val="75000"/>
+          </a:schemeClr>
+        </a:buClr>
+        <a:buSzPct val="145000"/>
+        <a:buFont typeface="Arial"/>
+        <a:buChar char="•"/>
+        <a:defRPr sz="1400" kern="1200" cap="none">
+          <a:solidFill>
+            <a:schemeClr val="tx1"/>
+          </a:solidFill>
+          <a:effectLst/>
+          <a:latin typeface="+mn-lt"/>
+          <a:ea typeface="+mn-ea"/>
+          <a:cs typeface="+mn-cs"/>
+        </a:defRPr>
+      </a:lvl8pPr>
+      <a:lvl9pPr marL="3886200" indent="-228600" algn="l" defTabSz="457200" rtl="0" eaLnBrk="1" latinLnBrk="0" hangingPunct="1">
+        <a:spcBef>
+          <a:spcPct val="20000"/>
+        </a:spcBef>
+        <a:spcAft>
+          <a:spcPts val="600"/>
+        </a:spcAft>
+        <a:buClr>
+          <a:schemeClr val="accent1">
+            <a:lumMod val="75000"/>
+          </a:schemeClr>
+        </a:buClr>
+        <a:buSzPct val="145000"/>
+        <a:buFont typeface="Arial"/>
+        <a:buChar char="•"/>
+        <a:defRPr sz="1400" kern="1200" cap="none">
+          <a:solidFill>
+            <a:schemeClr val="tx1"/>
+          </a:solidFill>
+          <a:effectLst/>
+          <a:latin typeface="+mn-lt"/>
+          <a:ea typeface="+mn-ea"/>
+          <a:cs typeface="+mn-cs"/>
+        </a:defRPr>
+      </a:lvl9pPr>
+    </p:bodyStyle>
+    <p:otherStyle>
+      <a:defPPr>
+        <a:defRPr lang="en-US"/>
+      </a:defPPr>
+      <a:lvl1pPr marL="0" algn="l" defTabSz="457200" rtl="0" eaLnBrk="1" latinLnBrk="0" hangingPunct="1">
+        <a:defRPr sz="1800" kern="1200">
           <a:solidFill>
             <a:schemeClr val="tx1"/>
           </a:solidFill>
@@ -3945,16 +6899,8 @@
           <a:cs typeface="+mn-cs"/>
         </a:defRPr>
       </a:lvl1pPr>
-      <a:lvl2pPr marL="685800" indent="-228600" algn="l" defTabSz="914400" rtl="0" eaLnBrk="1" latinLnBrk="0" hangingPunct="1">
-        <a:lnSpc>
-          <a:spcPct val="90000"/>
-        </a:lnSpc>
-        <a:spcBef>
-          <a:spcPts val="500"/>
-        </a:spcBef>
-        <a:buFont typeface="Arial" panose="020B0604020202020204" pitchFamily="34" charset="0"/>
-        <a:buChar char="•"/>
-        <a:defRPr sz="2400" kern="1200">
+      <a:lvl2pPr marL="457200" algn="l" defTabSz="457200" rtl="0" eaLnBrk="1" latinLnBrk="0" hangingPunct="1">
+        <a:defRPr sz="1800" kern="1200">
           <a:solidFill>
             <a:schemeClr val="tx1"/>
           </a:solidFill>
@@ -3963,16 +6909,8 @@
           <a:cs typeface="+mn-cs"/>
         </a:defRPr>
       </a:lvl2pPr>
-      <a:lvl3pPr marL="1143000" indent="-228600" algn="l" defTabSz="914400" rtl="0" eaLnBrk="1" latinLnBrk="0" hangingPunct="1">
-        <a:lnSpc>
-          <a:spcPct val="90000"/>
-        </a:lnSpc>
-        <a:spcBef>
-          <a:spcPts val="500"/>
-        </a:spcBef>
-        <a:buFont typeface="Arial" panose="020B0604020202020204" pitchFamily="34" charset="0"/>
-        <a:buChar char="•"/>
-        <a:defRPr sz="2000" kern="1200">
+      <a:lvl3pPr marL="914400" algn="l" defTabSz="457200" rtl="0" eaLnBrk="1" latinLnBrk="0" hangingPunct="1">
+        <a:defRPr sz="1800" kern="1200">
           <a:solidFill>
             <a:schemeClr val="tx1"/>
           </a:solidFill>
@@ -3981,15 +6919,7 @@
           <a:cs typeface="+mn-cs"/>
         </a:defRPr>
       </a:lvl3pPr>
-      <a:lvl4pPr marL="1600200" indent="-228600" algn="l" defTabSz="914400" rtl="0" eaLnBrk="1" latinLnBrk="0" hangingPunct="1">
-        <a:lnSpc>
-          <a:spcPct val="90000"/>
-        </a:lnSpc>
-        <a:spcBef>
-          <a:spcPts val="500"/>
-        </a:spcBef>
-        <a:buFont typeface="Arial" panose="020B0604020202020204" pitchFamily="34" charset="0"/>
-        <a:buChar char="•"/>
+      <a:lvl4pPr marL="1371600" algn="l" defTabSz="457200" rtl="0" eaLnBrk="1" latinLnBrk="0" hangingPunct="1">
         <a:defRPr sz="1800" kern="1200">
           <a:solidFill>
             <a:schemeClr val="tx1"/>
@@ -3999,15 +6929,7 @@
           <a:cs typeface="+mn-cs"/>
         </a:defRPr>
       </a:lvl4pPr>
-      <a:lvl5pPr marL="2057400" indent="-228600" algn="l" defTabSz="914400" rtl="0" eaLnBrk="1" latinLnBrk="0" hangingPunct="1">
-        <a:lnSpc>
-          <a:spcPct val="90000"/>
-        </a:lnSpc>
-        <a:spcBef>
-          <a:spcPts val="500"/>
-        </a:spcBef>
-        <a:buFont typeface="Arial" panose="020B0604020202020204" pitchFamily="34" charset="0"/>
-        <a:buChar char="•"/>
+      <a:lvl5pPr marL="1828800" algn="l" defTabSz="457200" rtl="0" eaLnBrk="1" latinLnBrk="0" hangingPunct="1">
         <a:defRPr sz="1800" kern="1200">
           <a:solidFill>
             <a:schemeClr val="tx1"/>
@@ -4017,15 +6939,7 @@
           <a:cs typeface="+mn-cs"/>
         </a:defRPr>
       </a:lvl5pPr>
-      <a:lvl6pPr marL="2514600" indent="-228600" algn="l" defTabSz="914400" rtl="0" eaLnBrk="1" latinLnBrk="0" hangingPunct="1">
-        <a:lnSpc>
-          <a:spcPct val="90000"/>
-        </a:lnSpc>
-        <a:spcBef>
-          <a:spcPts val="500"/>
-        </a:spcBef>
-        <a:buFont typeface="Arial" panose="020B0604020202020204" pitchFamily="34" charset="0"/>
-        <a:buChar char="•"/>
+      <a:lvl6pPr marL="2286000" algn="l" defTabSz="457200" rtl="0" eaLnBrk="1" latinLnBrk="0" hangingPunct="1">
         <a:defRPr sz="1800" kern="1200">
           <a:solidFill>
             <a:schemeClr val="tx1"/>
@@ -4035,15 +6949,7 @@
           <a:cs typeface="+mn-cs"/>
         </a:defRPr>
       </a:lvl6pPr>
-      <a:lvl7pPr marL="2971800" indent="-228600" algn="l" defTabSz="914400" rtl="0" eaLnBrk="1" latinLnBrk="0" hangingPunct="1">
-        <a:lnSpc>
-          <a:spcPct val="90000"/>
-        </a:lnSpc>
-        <a:spcBef>
-          <a:spcPts val="500"/>
-        </a:spcBef>
-        <a:buFont typeface="Arial" panose="020B0604020202020204" pitchFamily="34" charset="0"/>
-        <a:buChar char="•"/>
+      <a:lvl7pPr marL="2743200" algn="l" defTabSz="457200" rtl="0" eaLnBrk="1" latinLnBrk="0" hangingPunct="1">
         <a:defRPr sz="1800" kern="1200">
           <a:solidFill>
             <a:schemeClr val="tx1"/>
@@ -4053,15 +6959,7 @@
           <a:cs typeface="+mn-cs"/>
         </a:defRPr>
       </a:lvl7pPr>
-      <a:lvl8pPr marL="3429000" indent="-228600" algn="l" defTabSz="914400" rtl="0" eaLnBrk="1" latinLnBrk="0" hangingPunct="1">
-        <a:lnSpc>
-          <a:spcPct val="90000"/>
-        </a:lnSpc>
-        <a:spcBef>
-          <a:spcPts val="500"/>
-        </a:spcBef>
-        <a:buFont typeface="Arial" panose="020B0604020202020204" pitchFamily="34" charset="0"/>
-        <a:buChar char="•"/>
+      <a:lvl8pPr marL="3200400" algn="l" defTabSz="457200" rtl="0" eaLnBrk="1" latinLnBrk="0" hangingPunct="1">
         <a:defRPr sz="1800" kern="1200">
           <a:solidFill>
             <a:schemeClr val="tx1"/>
@@ -4071,110 +6969,7 @@
           <a:cs typeface="+mn-cs"/>
         </a:defRPr>
       </a:lvl8pPr>
-      <a:lvl9pPr marL="3886200" indent="-228600" algn="l" defTabSz="914400" rtl="0" eaLnBrk="1" latinLnBrk="0" hangingPunct="1">
-        <a:lnSpc>
-          <a:spcPct val="90000"/>
-        </a:lnSpc>
-        <a:spcBef>
-          <a:spcPts val="500"/>
-        </a:spcBef>
-        <a:buFont typeface="Arial" panose="020B0604020202020204" pitchFamily="34" charset="0"/>
-        <a:buChar char="•"/>
-        <a:defRPr sz="1800" kern="1200">
-          <a:solidFill>
-            <a:schemeClr val="tx1"/>
-          </a:solidFill>
-          <a:latin typeface="+mn-lt"/>
-          <a:ea typeface="+mn-ea"/>
-          <a:cs typeface="+mn-cs"/>
-        </a:defRPr>
-      </a:lvl9pPr>
-    </p:bodyStyle>
-    <p:otherStyle>
-      <a:defPPr>
-        <a:defRPr lang="es-CO"/>
-      </a:defPPr>
-      <a:lvl1pPr marL="0" algn="l" defTabSz="914400" rtl="0" eaLnBrk="1" latinLnBrk="0" hangingPunct="1">
-        <a:defRPr sz="1800" kern="1200">
-          <a:solidFill>
-            <a:schemeClr val="tx1"/>
-          </a:solidFill>
-          <a:latin typeface="+mn-lt"/>
-          <a:ea typeface="+mn-ea"/>
-          <a:cs typeface="+mn-cs"/>
-        </a:defRPr>
-      </a:lvl1pPr>
-      <a:lvl2pPr marL="457200" algn="l" defTabSz="914400" rtl="0" eaLnBrk="1" latinLnBrk="0" hangingPunct="1">
-        <a:defRPr sz="1800" kern="1200">
-          <a:solidFill>
-            <a:schemeClr val="tx1"/>
-          </a:solidFill>
-          <a:latin typeface="+mn-lt"/>
-          <a:ea typeface="+mn-ea"/>
-          <a:cs typeface="+mn-cs"/>
-        </a:defRPr>
-      </a:lvl2pPr>
-      <a:lvl3pPr marL="914400" algn="l" defTabSz="914400" rtl="0" eaLnBrk="1" latinLnBrk="0" hangingPunct="1">
-        <a:defRPr sz="1800" kern="1200">
-          <a:solidFill>
-            <a:schemeClr val="tx1"/>
-          </a:solidFill>
-          <a:latin typeface="+mn-lt"/>
-          <a:ea typeface="+mn-ea"/>
-          <a:cs typeface="+mn-cs"/>
-        </a:defRPr>
-      </a:lvl3pPr>
-      <a:lvl4pPr marL="1371600" algn="l" defTabSz="914400" rtl="0" eaLnBrk="1" latinLnBrk="0" hangingPunct="1">
-        <a:defRPr sz="1800" kern="1200">
-          <a:solidFill>
-            <a:schemeClr val="tx1"/>
-          </a:solidFill>
-          <a:latin typeface="+mn-lt"/>
-          <a:ea typeface="+mn-ea"/>
-          <a:cs typeface="+mn-cs"/>
-        </a:defRPr>
-      </a:lvl4pPr>
-      <a:lvl5pPr marL="1828800" algn="l" defTabSz="914400" rtl="0" eaLnBrk="1" latinLnBrk="0" hangingPunct="1">
-        <a:defRPr sz="1800" kern="1200">
-          <a:solidFill>
-            <a:schemeClr val="tx1"/>
-          </a:solidFill>
-          <a:latin typeface="+mn-lt"/>
-          <a:ea typeface="+mn-ea"/>
-          <a:cs typeface="+mn-cs"/>
-        </a:defRPr>
-      </a:lvl5pPr>
-      <a:lvl6pPr marL="2286000" algn="l" defTabSz="914400" rtl="0" eaLnBrk="1" latinLnBrk="0" hangingPunct="1">
-        <a:defRPr sz="1800" kern="1200">
-          <a:solidFill>
-            <a:schemeClr val="tx1"/>
-          </a:solidFill>
-          <a:latin typeface="+mn-lt"/>
-          <a:ea typeface="+mn-ea"/>
-          <a:cs typeface="+mn-cs"/>
-        </a:defRPr>
-      </a:lvl6pPr>
-      <a:lvl7pPr marL="2743200" algn="l" defTabSz="914400" rtl="0" eaLnBrk="1" latinLnBrk="0" hangingPunct="1">
-        <a:defRPr sz="1800" kern="1200">
-          <a:solidFill>
-            <a:schemeClr val="tx1"/>
-          </a:solidFill>
-          <a:latin typeface="+mn-lt"/>
-          <a:ea typeface="+mn-ea"/>
-          <a:cs typeface="+mn-cs"/>
-        </a:defRPr>
-      </a:lvl7pPr>
-      <a:lvl8pPr marL="3200400" algn="l" defTabSz="914400" rtl="0" eaLnBrk="1" latinLnBrk="0" hangingPunct="1">
-        <a:defRPr sz="1800" kern="1200">
-          <a:solidFill>
-            <a:schemeClr val="tx1"/>
-          </a:solidFill>
-          <a:latin typeface="+mn-lt"/>
-          <a:ea typeface="+mn-ea"/>
-          <a:cs typeface="+mn-cs"/>
-        </a:defRPr>
-      </a:lvl8pPr>
-      <a:lvl9pPr marL="3657600" algn="l" defTabSz="914400" rtl="0" eaLnBrk="1" latinLnBrk="0" hangingPunct="1">
+      <a:lvl9pPr marL="3657600" algn="l" defTabSz="457200" rtl="0" eaLnBrk="1" latinLnBrk="0" hangingPunct="1">
         <a:defRPr sz="1800" kern="1200">
           <a:solidFill>
             <a:schemeClr val="tx1"/>
@@ -5631,10 +8426,761 @@
 </p:sld>
 </file>
 
+<file path=ppt/slides/slide3.xml><?xml version="1.0" encoding="utf-8"?>
+<p:sld xmlns:a="http://schemas.openxmlformats.org/drawingml/2006/main" xmlns:r="http://schemas.openxmlformats.org/officeDocument/2006/relationships" xmlns:p="http://schemas.openxmlformats.org/presentationml/2006/main">
+  <p:cSld>
+    <p:spTree>
+      <p:nvGrpSpPr>
+        <p:cNvPr id="1" name=""/>
+        <p:cNvGrpSpPr/>
+        <p:nvPr/>
+      </p:nvGrpSpPr>
+      <p:grpSpPr>
+        <a:xfrm>
+          <a:off x="0" y="0"/>
+          <a:ext cx="0" cy="0"/>
+          <a:chOff x="0" y="0"/>
+          <a:chExt cx="0" cy="0"/>
+        </a:xfrm>
+      </p:grpSpPr>
+      <p:sp>
+        <p:nvSpPr>
+          <p:cNvPr id="2" name="Título 1">
+            <a:extLst>
+              <a:ext uri="{FF2B5EF4-FFF2-40B4-BE49-F238E27FC236}">
+                <a16:creationId xmlns:a16="http://schemas.microsoft.com/office/drawing/2014/main" id="{CAF0DC79-41A1-4E59-BF10-2A6A35FBC259}"/>
+              </a:ext>
+            </a:extLst>
+          </p:cNvPr>
+          <p:cNvSpPr>
+            <a:spLocks noGrp="1"/>
+          </p:cNvSpPr>
+          <p:nvPr>
+            <p:ph type="title"/>
+          </p:nvPr>
+        </p:nvSpPr>
+        <p:spPr/>
+        <p:txBody>
+          <a:bodyPr/>
+          <a:lstStyle/>
+          <a:p>
+            <a:pPr algn="l"/>
+            <a:r>
+              <a:rPr lang="es-MX" dirty="0">
+                <a:latin typeface="Times New Roman" panose="02020603050405020304" pitchFamily="18" charset="0"/>
+                <a:cs typeface="Times New Roman" panose="02020603050405020304" pitchFamily="18" charset="0"/>
+              </a:rPr>
+              <a:t>1.1 </a:t>
+            </a:r>
+            <a:r>
+              <a:rPr lang="es-MX" dirty="0" err="1">
+                <a:latin typeface="Times New Roman" panose="02020603050405020304" pitchFamily="18" charset="0"/>
+                <a:cs typeface="Times New Roman" panose="02020603050405020304" pitchFamily="18" charset="0"/>
+              </a:rPr>
+              <a:t>Problem</a:t>
+            </a:r>
+            <a:endParaRPr lang="es-CO" dirty="0">
+              <a:latin typeface="Times New Roman" panose="02020603050405020304" pitchFamily="18" charset="0"/>
+              <a:cs typeface="Times New Roman" panose="02020603050405020304" pitchFamily="18" charset="0"/>
+            </a:endParaRPr>
+          </a:p>
+        </p:txBody>
+      </p:sp>
+      <p:sp>
+        <p:nvSpPr>
+          <p:cNvPr id="3" name="Marcador de contenido 2">
+            <a:extLst>
+              <a:ext uri="{FF2B5EF4-FFF2-40B4-BE49-F238E27FC236}">
+                <a16:creationId xmlns:a16="http://schemas.microsoft.com/office/drawing/2014/main" id="{9CF923D9-70DA-4FA5-BDB2-CB8347DE5F75}"/>
+              </a:ext>
+            </a:extLst>
+          </p:cNvPr>
+          <p:cNvSpPr>
+            <a:spLocks noGrp="1"/>
+          </p:cNvSpPr>
+          <p:nvPr>
+            <p:ph idx="1"/>
+          </p:nvPr>
+        </p:nvSpPr>
+        <p:spPr/>
+        <p:txBody>
+          <a:bodyPr/>
+          <a:lstStyle/>
+          <a:p>
+            <a:pPr marL="0" indent="0">
+              <a:buNone/>
+            </a:pPr>
+            <a:r>
+              <a:rPr lang="en-US" sz="1800" dirty="0">
+                <a:effectLst/>
+                <a:latin typeface="Times New Roman" panose="02020603050405020304" pitchFamily="18" charset="0"/>
+                <a:ea typeface="Times New Roman" panose="02020603050405020304" pitchFamily="18" charset="0"/>
+              </a:rPr>
+              <a:t>Lor that treats in this problem is delicate largely by the tall consumption so much of dairy as of meat, therefore, the good classification is paramount since if there is not good classification the product will be in bad state</a:t>
+            </a:r>
+            <a:endParaRPr lang="es-CO" sz="1800" dirty="0">
+              <a:effectLst/>
+              <a:latin typeface="Times New Roman" panose="02020603050405020304" pitchFamily="18" charset="0"/>
+              <a:ea typeface="Times New Roman" panose="02020603050405020304" pitchFamily="18" charset="0"/>
+            </a:endParaRPr>
+          </a:p>
+          <a:p>
+            <a:pPr marL="0" indent="0">
+              <a:buNone/>
+            </a:pPr>
+            <a:endParaRPr lang="es-CO" dirty="0"/>
+          </a:p>
+        </p:txBody>
+      </p:sp>
+    </p:spTree>
+    <p:extLst>
+      <p:ext uri="{BB962C8B-B14F-4D97-AF65-F5344CB8AC3E}">
+        <p14:creationId xmlns:p14="http://schemas.microsoft.com/office/powerpoint/2010/main" val="1572039757"/>
+      </p:ext>
+    </p:extLst>
+  </p:cSld>
+  <p:clrMapOvr>
+    <a:masterClrMapping/>
+  </p:clrMapOvr>
+</p:sld>
+</file>
+
+<file path=ppt/slides/slide4.xml><?xml version="1.0" encoding="utf-8"?>
+<p:sld xmlns:a="http://schemas.openxmlformats.org/drawingml/2006/main" xmlns:r="http://schemas.openxmlformats.org/officeDocument/2006/relationships" xmlns:p="http://schemas.openxmlformats.org/presentationml/2006/main">
+  <p:cSld>
+    <p:spTree>
+      <p:nvGrpSpPr>
+        <p:cNvPr id="1" name=""/>
+        <p:cNvGrpSpPr/>
+        <p:nvPr/>
+      </p:nvGrpSpPr>
+      <p:grpSpPr>
+        <a:xfrm>
+          <a:off x="0" y="0"/>
+          <a:ext cx="0" cy="0"/>
+          <a:chOff x="0" y="0"/>
+          <a:chExt cx="0" cy="0"/>
+        </a:xfrm>
+      </p:grpSpPr>
+      <p:sp>
+        <p:nvSpPr>
+          <p:cNvPr id="2" name="Título 1">
+            <a:extLst>
+              <a:ext uri="{FF2B5EF4-FFF2-40B4-BE49-F238E27FC236}">
+                <a16:creationId xmlns:a16="http://schemas.microsoft.com/office/drawing/2014/main" id="{B0DBAA92-A207-4402-8F35-B0A947B5E3CB}"/>
+              </a:ext>
+            </a:extLst>
+          </p:cNvPr>
+          <p:cNvSpPr>
+            <a:spLocks noGrp="1"/>
+          </p:cNvSpPr>
+          <p:nvPr>
+            <p:ph type="title"/>
+          </p:nvPr>
+        </p:nvSpPr>
+        <p:spPr/>
+        <p:txBody>
+          <a:bodyPr/>
+          <a:lstStyle/>
+          <a:p>
+            <a:pPr algn="l"/>
+            <a:r>
+              <a:rPr lang="es-MX" dirty="0">
+                <a:latin typeface="Times New Roman" panose="02020603050405020304" pitchFamily="18" charset="0"/>
+                <a:cs typeface="Times New Roman" panose="02020603050405020304" pitchFamily="18" charset="0"/>
+              </a:rPr>
+              <a:t>1.2 </a:t>
+            </a:r>
+            <a:r>
+              <a:rPr lang="es-MX" dirty="0" err="1">
+                <a:latin typeface="Times New Roman" panose="02020603050405020304" pitchFamily="18" charset="0"/>
+                <a:cs typeface="Times New Roman" panose="02020603050405020304" pitchFamily="18" charset="0"/>
+              </a:rPr>
+              <a:t>Solution</a:t>
+            </a:r>
+            <a:endParaRPr lang="es-CO" dirty="0">
+              <a:latin typeface="Times New Roman" panose="02020603050405020304" pitchFamily="18" charset="0"/>
+              <a:cs typeface="Times New Roman" panose="02020603050405020304" pitchFamily="18" charset="0"/>
+            </a:endParaRPr>
+          </a:p>
+        </p:txBody>
+      </p:sp>
+      <p:sp>
+        <p:nvSpPr>
+          <p:cNvPr id="3" name="Marcador de contenido 2">
+            <a:extLst>
+              <a:ext uri="{FF2B5EF4-FFF2-40B4-BE49-F238E27FC236}">
+                <a16:creationId xmlns:a16="http://schemas.microsoft.com/office/drawing/2014/main" id="{732FDE2F-5982-415A-9CB8-8B1BBBCC1247}"/>
+              </a:ext>
+            </a:extLst>
+          </p:cNvPr>
+          <p:cNvSpPr>
+            <a:spLocks noGrp="1"/>
+          </p:cNvSpPr>
+          <p:nvPr>
+            <p:ph idx="1"/>
+          </p:nvPr>
+        </p:nvSpPr>
+        <p:spPr/>
+        <p:txBody>
+          <a:bodyPr/>
+          <a:lstStyle/>
+          <a:p>
+            <a:r>
+              <a:rPr lang="en-US" sz="1800" dirty="0">
+                <a:effectLst/>
+                <a:latin typeface="Times New Roman" panose="02020603050405020304" pitchFamily="18" charset="0"/>
+                <a:ea typeface="Times New Roman" panose="02020603050405020304" pitchFamily="18" charset="0"/>
+              </a:rPr>
+              <a:t>For this solution we choose the algorithm of the nearest neighbor, this is an image scaling algorithm that effectively helps us to our image classification, which for our cattle problem is an important factor, even though it is an image loss algorithm, we believe It is the one indicated to do the compression and also the label of the cattle.</a:t>
+            </a:r>
+            <a:endParaRPr lang="es-CO" sz="1800" dirty="0">
+              <a:effectLst/>
+              <a:latin typeface="Times New Roman" panose="02020603050405020304" pitchFamily="18" charset="0"/>
+              <a:ea typeface="Times New Roman" panose="02020603050405020304" pitchFamily="18" charset="0"/>
+            </a:endParaRPr>
+          </a:p>
+          <a:p>
+            <a:endParaRPr lang="es-CO" dirty="0"/>
+          </a:p>
+        </p:txBody>
+      </p:sp>
+    </p:spTree>
+    <p:extLst>
+      <p:ext uri="{BB962C8B-B14F-4D97-AF65-F5344CB8AC3E}">
+        <p14:creationId xmlns:p14="http://schemas.microsoft.com/office/powerpoint/2010/main" val="3885349716"/>
+      </p:ext>
+    </p:extLst>
+  </p:cSld>
+  <p:clrMapOvr>
+    <a:masterClrMapping/>
+  </p:clrMapOvr>
+</p:sld>
+</file>
+
+<file path=ppt/slides/slide5.xml><?xml version="1.0" encoding="utf-8"?>
+<p:sld xmlns:a="http://schemas.openxmlformats.org/drawingml/2006/main" xmlns:r="http://schemas.openxmlformats.org/officeDocument/2006/relationships" xmlns:p="http://schemas.openxmlformats.org/presentationml/2006/main">
+  <p:cSld>
+    <p:spTree>
+      <p:nvGrpSpPr>
+        <p:cNvPr id="1" name=""/>
+        <p:cNvGrpSpPr/>
+        <p:nvPr/>
+      </p:nvGrpSpPr>
+      <p:grpSpPr>
+        <a:xfrm>
+          <a:off x="0" y="0"/>
+          <a:ext cx="0" cy="0"/>
+          <a:chOff x="0" y="0"/>
+          <a:chExt cx="0" cy="0"/>
+        </a:xfrm>
+      </p:grpSpPr>
+      <p:sp>
+        <p:nvSpPr>
+          <p:cNvPr id="2" name="Título 1">
+            <a:extLst>
+              <a:ext uri="{FF2B5EF4-FFF2-40B4-BE49-F238E27FC236}">
+                <a16:creationId xmlns:a16="http://schemas.microsoft.com/office/drawing/2014/main" id="{69CC57BD-0200-40EF-BEC8-E4DD1A9E6711}"/>
+              </a:ext>
+            </a:extLst>
+          </p:cNvPr>
+          <p:cNvSpPr>
+            <a:spLocks noGrp="1"/>
+          </p:cNvSpPr>
+          <p:nvPr>
+            <p:ph type="title"/>
+          </p:nvPr>
+        </p:nvSpPr>
+        <p:spPr/>
+        <p:txBody>
+          <a:bodyPr/>
+          <a:lstStyle/>
+          <a:p>
+            <a:pPr algn="l"/>
+            <a:r>
+              <a:rPr lang="es-MX" dirty="0">
+                <a:latin typeface="Times New Roman" panose="02020603050405020304" pitchFamily="18" charset="0"/>
+                <a:cs typeface="Times New Roman" panose="02020603050405020304" pitchFamily="18" charset="0"/>
+              </a:rPr>
+              <a:t>4.1 Data </a:t>
+            </a:r>
+            <a:r>
+              <a:rPr lang="es-MX" dirty="0" err="1">
+                <a:latin typeface="Times New Roman" panose="02020603050405020304" pitchFamily="18" charset="0"/>
+                <a:cs typeface="Times New Roman" panose="02020603050405020304" pitchFamily="18" charset="0"/>
+              </a:rPr>
+              <a:t>Structure</a:t>
+            </a:r>
+            <a:endParaRPr lang="es-CO" dirty="0">
+              <a:latin typeface="Times New Roman" panose="02020603050405020304" pitchFamily="18" charset="0"/>
+              <a:cs typeface="Times New Roman" panose="02020603050405020304" pitchFamily="18" charset="0"/>
+            </a:endParaRPr>
+          </a:p>
+        </p:txBody>
+      </p:sp>
+      <p:sp>
+        <p:nvSpPr>
+          <p:cNvPr id="3" name="Marcador de contenido 2">
+            <a:extLst>
+              <a:ext uri="{FF2B5EF4-FFF2-40B4-BE49-F238E27FC236}">
+                <a16:creationId xmlns:a16="http://schemas.microsoft.com/office/drawing/2014/main" id="{38C5062A-51A6-43B4-B7ED-FB31E88F2C7E}"/>
+              </a:ext>
+            </a:extLst>
+          </p:cNvPr>
+          <p:cNvSpPr>
+            <a:spLocks noGrp="1"/>
+          </p:cNvSpPr>
+          <p:nvPr>
+            <p:ph idx="1"/>
+          </p:nvPr>
+        </p:nvSpPr>
+        <p:spPr/>
+        <p:txBody>
+          <a:bodyPr/>
+          <a:lstStyle/>
+          <a:p>
+            <a:r>
+              <a:rPr lang="en-US" sz="1800" dirty="0">
+                <a:effectLst/>
+                <a:latin typeface="Times New Roman" panose="02020603050405020304" pitchFamily="18" charset="0"/>
+                <a:ea typeface="Times New Roman" panose="02020603050405020304" pitchFamily="18" charset="0"/>
+              </a:rPr>
+              <a:t>The data structure that we used was one implemented in python called </a:t>
+            </a:r>
+            <a:r>
+              <a:rPr lang="en-US" sz="1800" dirty="0" err="1">
+                <a:effectLst/>
+                <a:latin typeface="Times New Roman" panose="02020603050405020304" pitchFamily="18" charset="0"/>
+                <a:ea typeface="Times New Roman" panose="02020603050405020304" pitchFamily="18" charset="0"/>
+              </a:rPr>
+              <a:t>numpy</a:t>
+            </a:r>
+            <a:r>
+              <a:rPr lang="en-US" sz="1800" dirty="0">
+                <a:effectLst/>
+                <a:latin typeface="Times New Roman" panose="02020603050405020304" pitchFamily="18" charset="0"/>
+                <a:ea typeface="Times New Roman" panose="02020603050405020304" pitchFamily="18" charset="0"/>
+              </a:rPr>
+              <a:t> arrays, which basically consists of a system of vectors or arrays which have positions that can be used effectively. therefore, it helps us a lot for the problem to be solved.</a:t>
+            </a:r>
+            <a:endParaRPr lang="es-CO" sz="1800" dirty="0">
+              <a:effectLst/>
+              <a:latin typeface="Times New Roman" panose="02020603050405020304" pitchFamily="18" charset="0"/>
+              <a:ea typeface="Times New Roman" panose="02020603050405020304" pitchFamily="18" charset="0"/>
+            </a:endParaRPr>
+          </a:p>
+          <a:p>
+            <a:endParaRPr lang="es-CO" dirty="0">
+              <a:latin typeface="Times New Roman" panose="02020603050405020304" pitchFamily="18" charset="0"/>
+              <a:cs typeface="Times New Roman" panose="02020603050405020304" pitchFamily="18" charset="0"/>
+            </a:endParaRPr>
+          </a:p>
+        </p:txBody>
+      </p:sp>
+    </p:spTree>
+    <p:extLst>
+      <p:ext uri="{BB962C8B-B14F-4D97-AF65-F5344CB8AC3E}">
+        <p14:creationId xmlns:p14="http://schemas.microsoft.com/office/powerpoint/2010/main" val="1374094084"/>
+      </p:ext>
+    </p:extLst>
+  </p:cSld>
+  <p:clrMapOvr>
+    <a:masterClrMapping/>
+  </p:clrMapOvr>
+</p:sld>
+</file>
+
+<file path=ppt/slides/slide6.xml><?xml version="1.0" encoding="utf-8"?>
+<p:sld xmlns:a="http://schemas.openxmlformats.org/drawingml/2006/main" xmlns:r="http://schemas.openxmlformats.org/officeDocument/2006/relationships" xmlns:p="http://schemas.openxmlformats.org/presentationml/2006/main">
+  <p:cSld>
+    <p:spTree>
+      <p:nvGrpSpPr>
+        <p:cNvPr id="1" name=""/>
+        <p:cNvGrpSpPr/>
+        <p:nvPr/>
+      </p:nvGrpSpPr>
+      <p:grpSpPr>
+        <a:xfrm>
+          <a:off x="0" y="0"/>
+          <a:ext cx="0" cy="0"/>
+          <a:chOff x="0" y="0"/>
+          <a:chExt cx="0" cy="0"/>
+        </a:xfrm>
+      </p:grpSpPr>
+      <p:sp>
+        <p:nvSpPr>
+          <p:cNvPr id="2" name="Título 1">
+            <a:extLst>
+              <a:ext uri="{FF2B5EF4-FFF2-40B4-BE49-F238E27FC236}">
+                <a16:creationId xmlns:a16="http://schemas.microsoft.com/office/drawing/2014/main" id="{A73BEA90-AA55-427C-ADF7-11F7A08D8ED1}"/>
+              </a:ext>
+            </a:extLst>
+          </p:cNvPr>
+          <p:cNvSpPr>
+            <a:spLocks noGrp="1"/>
+          </p:cNvSpPr>
+          <p:nvPr>
+            <p:ph type="title"/>
+          </p:nvPr>
+        </p:nvSpPr>
+        <p:spPr/>
+        <p:txBody>
+          <a:bodyPr>
+            <a:normAutofit/>
+          </a:bodyPr>
+          <a:lstStyle/>
+          <a:p>
+            <a:pPr algn="l"/>
+            <a:r>
+              <a:rPr lang="es-MX" sz="2800" dirty="0">
+                <a:latin typeface="Times New Roman" panose="02020603050405020304" pitchFamily="18" charset="0"/>
+                <a:cs typeface="Times New Roman" panose="02020603050405020304" pitchFamily="18" charset="0"/>
+              </a:rPr>
+              <a:t>4.2.1 </a:t>
+            </a:r>
+            <a:r>
+              <a:rPr lang="es-CO" sz="2800" b="1" kern="100" dirty="0" err="1">
+                <a:solidFill>
+                  <a:srgbClr val="000000"/>
+                </a:solidFill>
+                <a:effectLst/>
+                <a:latin typeface="Times New Roman" panose="02020603050405020304" pitchFamily="18" charset="0"/>
+                <a:ea typeface="Times New Roman" panose="02020603050405020304" pitchFamily="18" charset="0"/>
+                <a:cs typeface="Times New Roman" panose="02020603050405020304" pitchFamily="18" charset="0"/>
+              </a:rPr>
+              <a:t>Lossy</a:t>
+            </a:r>
+            <a:r>
+              <a:rPr lang="es-CO" sz="2800" b="1" kern="100" dirty="0">
+                <a:solidFill>
+                  <a:srgbClr val="000000"/>
+                </a:solidFill>
+                <a:effectLst/>
+                <a:latin typeface="Times New Roman" panose="02020603050405020304" pitchFamily="18" charset="0"/>
+                <a:ea typeface="Times New Roman" panose="02020603050405020304" pitchFamily="18" charset="0"/>
+                <a:cs typeface="Times New Roman" panose="02020603050405020304" pitchFamily="18" charset="0"/>
+              </a:rPr>
+              <a:t> </a:t>
+            </a:r>
+            <a:r>
+              <a:rPr lang="es-CO" sz="2800" b="1" kern="100" dirty="0" err="1">
+                <a:solidFill>
+                  <a:srgbClr val="000000"/>
+                </a:solidFill>
+                <a:effectLst/>
+                <a:latin typeface="Times New Roman" panose="02020603050405020304" pitchFamily="18" charset="0"/>
+                <a:ea typeface="Times New Roman" panose="02020603050405020304" pitchFamily="18" charset="0"/>
+                <a:cs typeface="Times New Roman" panose="02020603050405020304" pitchFamily="18" charset="0"/>
+              </a:rPr>
+              <a:t>Image-compression</a:t>
+            </a:r>
+            <a:r>
+              <a:rPr lang="es-CO" sz="2800" b="1" kern="100" dirty="0">
+                <a:solidFill>
+                  <a:srgbClr val="000000"/>
+                </a:solidFill>
+                <a:effectLst/>
+                <a:latin typeface="Times New Roman" panose="02020603050405020304" pitchFamily="18" charset="0"/>
+                <a:ea typeface="Times New Roman" panose="02020603050405020304" pitchFamily="18" charset="0"/>
+                <a:cs typeface="Times New Roman" panose="02020603050405020304" pitchFamily="18" charset="0"/>
+              </a:rPr>
+              <a:t> </a:t>
+            </a:r>
+            <a:r>
+              <a:rPr lang="es-CO" sz="2800" b="1" kern="100" dirty="0" err="1">
+                <a:solidFill>
+                  <a:srgbClr val="000000"/>
+                </a:solidFill>
+                <a:effectLst/>
+                <a:latin typeface="Times New Roman" panose="02020603050405020304" pitchFamily="18" charset="0"/>
+                <a:ea typeface="Times New Roman" panose="02020603050405020304" pitchFamily="18" charset="0"/>
+                <a:cs typeface="Times New Roman" panose="02020603050405020304" pitchFamily="18" charset="0"/>
+              </a:rPr>
+              <a:t>algorithm</a:t>
+            </a:r>
+            <a:r>
+              <a:rPr lang="es-CO" sz="2800" b="1" kern="100" dirty="0">
+                <a:solidFill>
+                  <a:srgbClr val="000000"/>
+                </a:solidFill>
+                <a:effectLst/>
+                <a:latin typeface="Times New Roman" panose="02020603050405020304" pitchFamily="18" charset="0"/>
+                <a:ea typeface="Times New Roman" panose="02020603050405020304" pitchFamily="18" charset="0"/>
+                <a:cs typeface="Times New Roman" panose="02020603050405020304" pitchFamily="18" charset="0"/>
+              </a:rPr>
+              <a:t>.</a:t>
+            </a:r>
+            <a:endParaRPr lang="es-CO" sz="2800" dirty="0">
+              <a:latin typeface="Times New Roman" panose="02020603050405020304" pitchFamily="18" charset="0"/>
+              <a:cs typeface="Times New Roman" panose="02020603050405020304" pitchFamily="18" charset="0"/>
+            </a:endParaRPr>
+          </a:p>
+        </p:txBody>
+      </p:sp>
+      <p:sp>
+        <p:nvSpPr>
+          <p:cNvPr id="3" name="Marcador de contenido 2">
+            <a:extLst>
+              <a:ext uri="{FF2B5EF4-FFF2-40B4-BE49-F238E27FC236}">
+                <a16:creationId xmlns:a16="http://schemas.microsoft.com/office/drawing/2014/main" id="{52E92B07-CA40-4E53-B77D-E8F2D21AA1BD}"/>
+              </a:ext>
+            </a:extLst>
+          </p:cNvPr>
+          <p:cNvSpPr>
+            <a:spLocks noGrp="1"/>
+          </p:cNvSpPr>
+          <p:nvPr>
+            <p:ph idx="1"/>
+          </p:nvPr>
+        </p:nvSpPr>
+        <p:spPr/>
+        <p:txBody>
+          <a:bodyPr/>
+          <a:lstStyle/>
+          <a:p>
+            <a:r>
+              <a:rPr lang="en-US" sz="1800" dirty="0">
+                <a:effectLst/>
+                <a:latin typeface="Times New Roman" panose="02020603050405020304" pitchFamily="18" charset="0"/>
+                <a:ea typeface="Times New Roman" panose="02020603050405020304" pitchFamily="18" charset="0"/>
+              </a:rPr>
+              <a:t>The first thing is to pass the csv files to a pandas </a:t>
+            </a:r>
+            <a:r>
+              <a:rPr lang="en-US" sz="1800" dirty="0" err="1">
+                <a:effectLst/>
+                <a:latin typeface="Times New Roman" panose="02020603050405020304" pitchFamily="18" charset="0"/>
+                <a:ea typeface="Times New Roman" panose="02020603050405020304" pitchFamily="18" charset="0"/>
+              </a:rPr>
+              <a:t>dataframe</a:t>
+            </a:r>
+            <a:r>
+              <a:rPr lang="en-US" sz="1800" dirty="0">
+                <a:effectLst/>
+                <a:latin typeface="Times New Roman" panose="02020603050405020304" pitchFamily="18" charset="0"/>
+                <a:ea typeface="Times New Roman" panose="02020603050405020304" pitchFamily="18" charset="0"/>
+              </a:rPr>
+              <a:t>, then that </a:t>
+            </a:r>
+            <a:r>
+              <a:rPr lang="en-US" sz="1800" dirty="0" err="1">
+                <a:effectLst/>
+                <a:latin typeface="Times New Roman" panose="02020603050405020304" pitchFamily="18" charset="0"/>
+                <a:ea typeface="Times New Roman" panose="02020603050405020304" pitchFamily="18" charset="0"/>
+              </a:rPr>
+              <a:t>dataframe</a:t>
+            </a:r>
+            <a:r>
+              <a:rPr lang="en-US" sz="1800" dirty="0">
+                <a:effectLst/>
+                <a:latin typeface="Times New Roman" panose="02020603050405020304" pitchFamily="18" charset="0"/>
+                <a:ea typeface="Times New Roman" panose="02020603050405020304" pitchFamily="18" charset="0"/>
+              </a:rPr>
+              <a:t> is used to convert it into a </a:t>
+            </a:r>
+            <a:r>
+              <a:rPr lang="en-US" sz="1800" dirty="0" err="1">
+                <a:effectLst/>
+                <a:latin typeface="Times New Roman" panose="02020603050405020304" pitchFamily="18" charset="0"/>
+                <a:ea typeface="Times New Roman" panose="02020603050405020304" pitchFamily="18" charset="0"/>
+              </a:rPr>
+              <a:t>numpy</a:t>
+            </a:r>
+            <a:r>
+              <a:rPr lang="en-US" sz="1800" dirty="0">
+                <a:effectLst/>
+                <a:latin typeface="Times New Roman" panose="02020603050405020304" pitchFamily="18" charset="0"/>
+                <a:ea typeface="Times New Roman" panose="02020603050405020304" pitchFamily="18" charset="0"/>
+              </a:rPr>
+              <a:t> array, when converting it into a </a:t>
+            </a:r>
+            <a:r>
+              <a:rPr lang="en-US" sz="1800" dirty="0" err="1">
+                <a:effectLst/>
+                <a:latin typeface="Times New Roman" panose="02020603050405020304" pitchFamily="18" charset="0"/>
+                <a:ea typeface="Times New Roman" panose="02020603050405020304" pitchFamily="18" charset="0"/>
+              </a:rPr>
+              <a:t>numpy</a:t>
+            </a:r>
+            <a:r>
+              <a:rPr lang="en-US" sz="1800" dirty="0">
+                <a:effectLst/>
+                <a:latin typeface="Times New Roman" panose="02020603050405020304" pitchFamily="18" charset="0"/>
+                <a:ea typeface="Times New Roman" panose="02020603050405020304" pitchFamily="18" charset="0"/>
+              </a:rPr>
+              <a:t> array it is read as an image and this image is compressed with the image scaling method, with the function from the nearest neighbor, when doing this, the images are resized by a smaller one, to complete the compression process and it is saved in a new image.</a:t>
+            </a:r>
+            <a:endParaRPr lang="es-CO" sz="1800" dirty="0">
+              <a:effectLst/>
+              <a:latin typeface="Times New Roman" panose="02020603050405020304" pitchFamily="18" charset="0"/>
+              <a:ea typeface="Times New Roman" panose="02020603050405020304" pitchFamily="18" charset="0"/>
+            </a:endParaRPr>
+          </a:p>
+          <a:p>
+            <a:endParaRPr lang="es-CO" dirty="0"/>
+          </a:p>
+        </p:txBody>
+      </p:sp>
+    </p:spTree>
+    <p:extLst>
+      <p:ext uri="{BB962C8B-B14F-4D97-AF65-F5344CB8AC3E}">
+        <p14:creationId xmlns:p14="http://schemas.microsoft.com/office/powerpoint/2010/main" val="1843482444"/>
+      </p:ext>
+    </p:extLst>
+  </p:cSld>
+  <p:clrMapOvr>
+    <a:masterClrMapping/>
+  </p:clrMapOvr>
+</p:sld>
+</file>
+
+<file path=ppt/slides/slide7.xml><?xml version="1.0" encoding="utf-8"?>
+<p:sld xmlns:a="http://schemas.openxmlformats.org/drawingml/2006/main" xmlns:r="http://schemas.openxmlformats.org/officeDocument/2006/relationships" xmlns:p="http://schemas.openxmlformats.org/presentationml/2006/main">
+  <p:cSld>
+    <p:spTree>
+      <p:nvGrpSpPr>
+        <p:cNvPr id="1" name=""/>
+        <p:cNvGrpSpPr/>
+        <p:nvPr/>
+      </p:nvGrpSpPr>
+      <p:grpSpPr>
+        <a:xfrm>
+          <a:off x="0" y="0"/>
+          <a:ext cx="0" cy="0"/>
+          <a:chOff x="0" y="0"/>
+          <a:chExt cx="0" cy="0"/>
+        </a:xfrm>
+      </p:grpSpPr>
+      <p:sp>
+        <p:nvSpPr>
+          <p:cNvPr id="2" name="Título 1">
+            <a:extLst>
+              <a:ext uri="{FF2B5EF4-FFF2-40B4-BE49-F238E27FC236}">
+                <a16:creationId xmlns:a16="http://schemas.microsoft.com/office/drawing/2014/main" id="{23C2A5D2-589A-4D32-8AF0-B5D07F0AF7EE}"/>
+              </a:ext>
+            </a:extLst>
+          </p:cNvPr>
+          <p:cNvSpPr>
+            <a:spLocks noGrp="1"/>
+          </p:cNvSpPr>
+          <p:nvPr>
+            <p:ph type="title"/>
+          </p:nvPr>
+        </p:nvSpPr>
+        <p:spPr/>
+        <p:txBody>
+          <a:bodyPr/>
+          <a:lstStyle/>
+          <a:p>
+            <a:pPr algn="l"/>
+            <a:r>
+              <a:rPr lang="en-US" sz="2800" b="1" kern="100" dirty="0">
+                <a:effectLst/>
+                <a:latin typeface="Times New Roman" panose="02020603050405020304" pitchFamily="18" charset="0"/>
+                <a:ea typeface="Times New Roman" panose="02020603050405020304" pitchFamily="18" charset="0"/>
+              </a:rPr>
+              <a:t>4.2.2 Lossless image-compression algorithm</a:t>
+            </a:r>
+            <a:br>
+              <a:rPr lang="es-CO" sz="1800" dirty="0">
+                <a:effectLst/>
+                <a:latin typeface="Times New Roman" panose="02020603050405020304" pitchFamily="18" charset="0"/>
+                <a:ea typeface="Times New Roman" panose="02020603050405020304" pitchFamily="18" charset="0"/>
+              </a:rPr>
+            </a:br>
+            <a:endParaRPr lang="es-CO" dirty="0"/>
+          </a:p>
+        </p:txBody>
+      </p:sp>
+      <p:sp>
+        <p:nvSpPr>
+          <p:cNvPr id="3" name="Marcador de contenido 2">
+            <a:extLst>
+              <a:ext uri="{FF2B5EF4-FFF2-40B4-BE49-F238E27FC236}">
+                <a16:creationId xmlns:a16="http://schemas.microsoft.com/office/drawing/2014/main" id="{1C26828C-8631-462B-A4BE-32BBD7E31791}"/>
+              </a:ext>
+            </a:extLst>
+          </p:cNvPr>
+          <p:cNvSpPr>
+            <a:spLocks noGrp="1"/>
+          </p:cNvSpPr>
+          <p:nvPr>
+            <p:ph idx="1"/>
+          </p:nvPr>
+        </p:nvSpPr>
+        <p:spPr/>
+        <p:txBody>
+          <a:bodyPr/>
+          <a:lstStyle/>
+          <a:p>
+            <a:r>
+              <a:rPr lang="en-US" sz="1800" dirty="0">
+                <a:effectLst/>
+                <a:latin typeface="Times New Roman" panose="02020603050405020304" pitchFamily="18" charset="0"/>
+                <a:ea typeface="Times New Roman" panose="02020603050405020304" pitchFamily="18" charset="0"/>
+              </a:rPr>
+              <a:t>In the process of decompression of images, it will be the opposite of the compression process, that is, when you have the compressed image, it passes it to a </a:t>
+            </a:r>
+            <a:r>
+              <a:rPr lang="en-US" sz="1800" dirty="0" err="1">
+                <a:effectLst/>
+                <a:latin typeface="Times New Roman" panose="02020603050405020304" pitchFamily="18" charset="0"/>
+                <a:ea typeface="Times New Roman" panose="02020603050405020304" pitchFamily="18" charset="0"/>
+              </a:rPr>
+              <a:t>numpy</a:t>
+            </a:r>
+            <a:r>
+              <a:rPr lang="en-US" sz="1800" dirty="0">
+                <a:effectLst/>
+                <a:latin typeface="Times New Roman" panose="02020603050405020304" pitchFamily="18" charset="0"/>
+                <a:ea typeface="Times New Roman" panose="02020603050405020304" pitchFamily="18" charset="0"/>
+              </a:rPr>
+              <a:t> array, then to the </a:t>
+            </a:r>
+            <a:r>
+              <a:rPr lang="en-US" sz="1800" dirty="0" err="1">
+                <a:effectLst/>
+                <a:latin typeface="Times New Roman" panose="02020603050405020304" pitchFamily="18" charset="0"/>
+                <a:ea typeface="Times New Roman" panose="02020603050405020304" pitchFamily="18" charset="0"/>
+              </a:rPr>
+              <a:t>dataframe</a:t>
+            </a:r>
+            <a:r>
+              <a:rPr lang="en-US" sz="1800" dirty="0">
+                <a:effectLst/>
+                <a:latin typeface="Times New Roman" panose="02020603050405020304" pitchFamily="18" charset="0"/>
+                <a:ea typeface="Times New Roman" panose="02020603050405020304" pitchFamily="18" charset="0"/>
+              </a:rPr>
+              <a:t> and finally to the csv file.</a:t>
+            </a:r>
+            <a:endParaRPr lang="es-CO" sz="1800" dirty="0">
+              <a:effectLst/>
+              <a:latin typeface="Times New Roman" panose="02020603050405020304" pitchFamily="18" charset="0"/>
+              <a:ea typeface="Times New Roman" panose="02020603050405020304" pitchFamily="18" charset="0"/>
+            </a:endParaRPr>
+          </a:p>
+          <a:p>
+            <a:endParaRPr lang="es-CO" dirty="0"/>
+          </a:p>
+        </p:txBody>
+      </p:sp>
+    </p:spTree>
+    <p:extLst>
+      <p:ext uri="{BB962C8B-B14F-4D97-AF65-F5344CB8AC3E}">
+        <p14:creationId xmlns:p14="http://schemas.microsoft.com/office/powerpoint/2010/main" val="495937223"/>
+      </p:ext>
+    </p:extLst>
+  </p:cSld>
+  <p:clrMapOvr>
+    <a:masterClrMapping/>
+  </p:clrMapOvr>
+</p:sld>
+</file>
+
 <file path=ppt/theme/theme1.xml><?xml version="1.0" encoding="utf-8"?>
-<a:theme xmlns:a="http://schemas.openxmlformats.org/drawingml/2006/main" name="Tema de Office">
+<a:theme xmlns:a="http://schemas.openxmlformats.org/drawingml/2006/main" name="Parallax">
   <a:themeElements>
-    <a:clrScheme name="Office">
+    <a:clrScheme name="Parallax">
       <a:dk1>
         <a:sysClr val="windowText" lastClr="000000"/>
       </a:dk1>
@@ -5642,100 +9188,48 @@
         <a:sysClr val="window" lastClr="FFFFFF"/>
       </a:lt1>
       <a:dk2>
-        <a:srgbClr val="44546A"/>
+        <a:srgbClr val="212121"/>
       </a:dk2>
       <a:lt2>
-        <a:srgbClr val="E7E6E6"/>
+        <a:srgbClr val="CDD0D1"/>
       </a:lt2>
       <a:accent1>
-        <a:srgbClr val="4472C4"/>
+        <a:srgbClr val="30ACEC"/>
       </a:accent1>
       <a:accent2>
-        <a:srgbClr val="ED7D31"/>
+        <a:srgbClr val="80C34F"/>
       </a:accent2>
       <a:accent3>
-        <a:srgbClr val="A5A5A5"/>
+        <a:srgbClr val="E29D3E"/>
       </a:accent3>
       <a:accent4>
-        <a:srgbClr val="FFC000"/>
+        <a:srgbClr val="D64A3B"/>
       </a:accent4>
       <a:accent5>
-        <a:srgbClr val="5B9BD5"/>
+        <a:srgbClr val="D64787"/>
       </a:accent5>
       <a:accent6>
-        <a:srgbClr val="70AD47"/>
+        <a:srgbClr val="A666E1"/>
       </a:accent6>
       <a:hlink>
-        <a:srgbClr val="0563C1"/>
+        <a:srgbClr val="3085ED"/>
       </a:hlink>
       <a:folHlink>
-        <a:srgbClr val="954F72"/>
+        <a:srgbClr val="82B6F4"/>
       </a:folHlink>
     </a:clrScheme>
-    <a:fontScheme name="Office">
+    <a:fontScheme name="Parallax">
       <a:majorFont>
-        <a:latin typeface="Calibri Light" panose="020F0302020204030204"/>
+        <a:latin typeface="Corbel" panose="020B0503020204020204"/>
         <a:ea typeface=""/>
         <a:cs typeface=""/>
-        <a:font script="Jpan" typeface="游ゴシック Light"/>
-        <a:font script="Hang" typeface="맑은 고딕"/>
-        <a:font script="Hans" typeface="等线 Light"/>
+        <a:font script="Jpan" typeface="HGｺﾞｼｯｸM"/>
+        <a:font script="Hang" typeface="HY엽서L"/>
+        <a:font script="Hans" typeface="华文楷体"/>
         <a:font script="Hant" typeface="新細明體"/>
-        <a:font script="Arab" typeface="Times New Roman"/>
-        <a:font script="Hebr" typeface="Times New Roman"/>
-        <a:font script="Thai" typeface="Angsana New"/>
-        <a:font script="Ethi" typeface="Nyala"/>
-        <a:font script="Beng" typeface="Vrinda"/>
-        <a:font script="Gujr" typeface="Shruti"/>
-        <a:font script="Khmr" typeface="MoolBoran"/>
-        <a:font script="Knda" typeface="Tunga"/>
-        <a:font script="Guru" typeface="Raavi"/>
-        <a:font script="Cans" typeface="Euphemia"/>
-        <a:font script="Cher" typeface="Plantagenet Cherokee"/>
-        <a:font script="Yiii" typeface="Microsoft Yi Baiti"/>
-        <a:font script="Tibt" typeface="Microsoft Himalaya"/>
-        <a:font script="Thaa" typeface="MV Boli"/>
-        <a:font script="Deva" typeface="Mangal"/>
-        <a:font script="Telu" typeface="Gautami"/>
-        <a:font script="Taml" typeface="Latha"/>
-        <a:font script="Syrc" typeface="Estrangelo Edessa"/>
-        <a:font script="Orya" typeface="Kalinga"/>
-        <a:font script="Mlym" typeface="Kartika"/>
-        <a:font script="Laoo" typeface="DokChampa"/>
-        <a:font script="Sinh" typeface="Iskoola Pota"/>
-        <a:font script="Mong" typeface="Mongolian Baiti"/>
-        <a:font script="Viet" typeface="Times New Roman"/>
-        <a:font script="Uigh" typeface="Microsoft Uighur"/>
-        <a:font script="Geor" typeface="Sylfaen"/>
-        <a:font script="Armn" typeface="Arial"/>
-        <a:font script="Bugi" typeface="Leelawadee UI"/>
-        <a:font script="Bopo" typeface="Microsoft JhengHei"/>
-        <a:font script="Java" typeface="Javanese Text"/>
-        <a:font script="Lisu" typeface="Segoe UI"/>
-        <a:font script="Mymr" typeface="Myanmar Text"/>
-        <a:font script="Nkoo" typeface="Ebrima"/>
-        <a:font script="Olck" typeface="Nirmala UI"/>
-        <a:font script="Osma" typeface="Ebrima"/>
-        <a:font script="Phag" typeface="Phagspa"/>
-        <a:font script="Syrn" typeface="Estrangelo Edessa"/>
-        <a:font script="Syrj" typeface="Estrangelo Edessa"/>
-        <a:font script="Syre" typeface="Estrangelo Edessa"/>
-        <a:font script="Sora" typeface="Nirmala UI"/>
-        <a:font script="Tale" typeface="Microsoft Tai Le"/>
-        <a:font script="Talu" typeface="Microsoft New Tai Lue"/>
-        <a:font script="Tfng" typeface="Ebrima"/>
-      </a:majorFont>
-      <a:minorFont>
-        <a:latin typeface="Calibri" panose="020F0502020204030204"/>
-        <a:ea typeface=""/>
-        <a:cs typeface=""/>
-        <a:font script="Jpan" typeface="游ゴシック"/>
-        <a:font script="Hang" typeface="맑은 고딕"/>
-        <a:font script="Hans" typeface="等线"/>
-        <a:font script="Hant" typeface="新細明體"/>
-        <a:font script="Arab" typeface="Arial"/>
-        <a:font script="Hebr" typeface="Arial"/>
-        <a:font script="Thai" typeface="Cordia New"/>
+        <a:font script="Arab" typeface="Tahoma"/>
+        <a:font script="Hebr" typeface="Miriam"/>
+        <a:font script="Thai" typeface="DilleniaUPC"/>
         <a:font script="Ethi" typeface="Nyala"/>
         <a:font script="Beng" typeface="Vrinda"/>
         <a:font script="Gujr" typeface="Shruti"/>
@@ -5759,26 +9253,44 @@
         <a:font script="Viet" typeface="Arial"/>
         <a:font script="Uigh" typeface="Microsoft Uighur"/>
         <a:font script="Geor" typeface="Sylfaen"/>
-        <a:font script="Armn" typeface="Arial"/>
-        <a:font script="Bugi" typeface="Leelawadee UI"/>
-        <a:font script="Bopo" typeface="Microsoft JhengHei"/>
-        <a:font script="Java" typeface="Javanese Text"/>
-        <a:font script="Lisu" typeface="Segoe UI"/>
-        <a:font script="Mymr" typeface="Myanmar Text"/>
-        <a:font script="Nkoo" typeface="Ebrima"/>
-        <a:font script="Olck" typeface="Nirmala UI"/>
-        <a:font script="Osma" typeface="Ebrima"/>
-        <a:font script="Phag" typeface="Phagspa"/>
-        <a:font script="Syrn" typeface="Estrangelo Edessa"/>
-        <a:font script="Syrj" typeface="Estrangelo Edessa"/>
-        <a:font script="Syre" typeface="Estrangelo Edessa"/>
-        <a:font script="Sora" typeface="Nirmala UI"/>
-        <a:font script="Tale" typeface="Microsoft Tai Le"/>
-        <a:font script="Talu" typeface="Microsoft New Tai Lue"/>
-        <a:font script="Tfng" typeface="Ebrima"/>
+      </a:majorFont>
+      <a:minorFont>
+        <a:latin typeface="Corbel" panose="020B0503020204020204"/>
+        <a:ea typeface=""/>
+        <a:cs typeface=""/>
+        <a:font script="Jpan" typeface="HGｺﾞｼｯｸM"/>
+        <a:font script="Hang" typeface="HY엽서L"/>
+        <a:font script="Hans" typeface="华文楷体"/>
+        <a:font script="Hant" typeface="新細明體"/>
+        <a:font script="Arab" typeface="Tahoma"/>
+        <a:font script="Hebr" typeface="Miriam"/>
+        <a:font script="Thai" typeface="DilleniaUPC"/>
+        <a:font script="Ethi" typeface="Nyala"/>
+        <a:font script="Beng" typeface="Vrinda"/>
+        <a:font script="Gujr" typeface="Shruti"/>
+        <a:font script="Khmr" typeface="DaunPenh"/>
+        <a:font script="Knda" typeface="Tunga"/>
+        <a:font script="Guru" typeface="Raavi"/>
+        <a:font script="Cans" typeface="Euphemia"/>
+        <a:font script="Cher" typeface="Plantagenet Cherokee"/>
+        <a:font script="Yiii" typeface="Microsoft Yi Baiti"/>
+        <a:font script="Tibt" typeface="Microsoft Himalaya"/>
+        <a:font script="Thaa" typeface="MV Boli"/>
+        <a:font script="Deva" typeface="Mangal"/>
+        <a:font script="Telu" typeface="Gautami"/>
+        <a:font script="Taml" typeface="Latha"/>
+        <a:font script="Syrc" typeface="Estrangelo Edessa"/>
+        <a:font script="Orya" typeface="Kalinga"/>
+        <a:font script="Mlym" typeface="Kartika"/>
+        <a:font script="Laoo" typeface="DokChampa"/>
+        <a:font script="Sinh" typeface="Iskoola Pota"/>
+        <a:font script="Mong" typeface="Mongolian Baiti"/>
+        <a:font script="Viet" typeface="Arial"/>
+        <a:font script="Uigh" typeface="Microsoft Uighur"/>
+        <a:font script="Geor" typeface="Sylfaen"/>
       </a:minorFont>
     </a:fontScheme>
-    <a:fmtScheme name="Office">
+    <a:fmtScheme name="Parallax">
       <a:fillStyleLst>
         <a:solidFill>
           <a:schemeClr val="phClr"/>
@@ -5787,23 +9299,13 @@
           <a:gsLst>
             <a:gs pos="0">
               <a:schemeClr val="phClr">
-                <a:lumMod val="110000"/>
-                <a:satMod val="105000"/>
-                <a:tint val="67000"/>
-              </a:schemeClr>
-            </a:gs>
-            <a:gs pos="50000">
-              <a:schemeClr val="phClr">
-                <a:lumMod val="105000"/>
-                <a:satMod val="103000"/>
-                <a:tint val="73000"/>
+                <a:tint val="60000"/>
+                <a:lumMod val="104000"/>
               </a:schemeClr>
             </a:gs>
             <a:gs pos="100000">
               <a:schemeClr val="phClr">
-                <a:lumMod val="105000"/>
-                <a:satMod val="109000"/>
-                <a:tint val="81000"/>
+                <a:tint val="84000"/>
               </a:schemeClr>
             </a:gs>
           </a:gsLst>
@@ -5813,50 +9315,42 @@
           <a:gsLst>
             <a:gs pos="0">
               <a:schemeClr val="phClr">
-                <a:satMod val="103000"/>
+                <a:tint val="96000"/>
                 <a:lumMod val="102000"/>
-                <a:tint val="94000"/>
-              </a:schemeClr>
-            </a:gs>
-            <a:gs pos="50000">
-              <a:schemeClr val="phClr">
-                <a:satMod val="110000"/>
-                <a:lumMod val="100000"/>
-                <a:shade val="100000"/>
               </a:schemeClr>
             </a:gs>
             <a:gs pos="100000">
               <a:schemeClr val="phClr">
-                <a:lumMod val="99000"/>
-                <a:satMod val="120000"/>
-                <a:shade val="78000"/>
+                <a:shade val="88000"/>
+                <a:lumMod val="94000"/>
               </a:schemeClr>
             </a:gs>
           </a:gsLst>
-          <a:lin ang="5400000" scaled="0"/>
+          <a:path path="circle">
+            <a:fillToRect l="50000" t="100000" r="100000" b="50000"/>
+          </a:path>
         </a:gradFill>
       </a:fillStyleLst>
       <a:lnStyleLst>
-        <a:ln w="6350" cap="flat" cmpd="sng" algn="ctr">
+        <a:ln w="9525" cap="rnd" cmpd="sng" algn="ctr">
+          <a:solidFill>
+            <a:schemeClr val="phClr">
+              <a:tint val="60000"/>
+            </a:schemeClr>
+          </a:solidFill>
+          <a:prstDash val="solid"/>
+        </a:ln>
+        <a:ln w="15875" cap="rnd" cmpd="sng" algn="ctr">
           <a:solidFill>
             <a:schemeClr val="phClr"/>
           </a:solidFill>
           <a:prstDash val="solid"/>
-          <a:miter lim="800000"/>
         </a:ln>
-        <a:ln w="12700" cap="flat" cmpd="sng" algn="ctr">
+        <a:ln w="22225" cap="rnd" cmpd="sng" algn="ctr">
           <a:solidFill>
             <a:schemeClr val="phClr"/>
           </a:solidFill>
           <a:prstDash val="solid"/>
-          <a:miter lim="800000"/>
-        </a:ln>
-        <a:ln w="19050" cap="flat" cmpd="sng" algn="ctr">
-          <a:solidFill>
-            <a:schemeClr val="phClr"/>
-          </a:solidFill>
-          <a:prstDash val="solid"/>
-          <a:miter lim="800000"/>
         </a:ln>
       </a:lnStyleLst>
       <a:effectStyleLst>
@@ -5864,55 +9358,68 @@
           <a:effectLst/>
         </a:effectStyle>
         <a:effectStyle>
-          <a:effectLst/>
+          <a:effectLst>
+            <a:reflection blurRad="12700" stA="26000" endPos="32000" dist="12700" dir="5400000" sy="-100000" rotWithShape="0"/>
+          </a:effectLst>
         </a:effectStyle>
         <a:effectStyle>
           <a:effectLst>
-            <a:outerShdw blurRad="57150" dist="19050" dir="5400000" algn="ctr" rotWithShape="0">
+            <a:outerShdw blurRad="38100" dist="25400" dir="5400000" rotWithShape="0">
               <a:srgbClr val="000000">
-                <a:alpha val="63000"/>
+                <a:alpha val="64000"/>
               </a:srgbClr>
             </a:outerShdw>
           </a:effectLst>
+          <a:scene3d>
+            <a:camera prst="orthographicFront">
+              <a:rot lat="0" lon="0" rev="0"/>
+            </a:camera>
+            <a:lightRig rig="threePt" dir="tl">
+              <a:rot lat="0" lon="0" rev="1200000"/>
+            </a:lightRig>
+          </a:scene3d>
+          <a:sp3d>
+            <a:bevelT w="25400" h="12700"/>
+          </a:sp3d>
         </a:effectStyle>
       </a:effectStyleLst>
       <a:bgFillStyleLst>
         <a:solidFill>
           <a:schemeClr val="phClr"/>
         </a:solidFill>
-        <a:solidFill>
-          <a:schemeClr val="phClr">
-            <a:tint val="95000"/>
-            <a:satMod val="170000"/>
-          </a:schemeClr>
-        </a:solidFill>
         <a:gradFill rotWithShape="1">
           <a:gsLst>
             <a:gs pos="0">
               <a:schemeClr val="phClr">
-                <a:tint val="93000"/>
-                <a:satMod val="150000"/>
-                <a:shade val="98000"/>
-                <a:lumMod val="102000"/>
-              </a:schemeClr>
-            </a:gs>
-            <a:gs pos="50000">
-              <a:schemeClr val="phClr">
-                <a:tint val="98000"/>
-                <a:satMod val="130000"/>
-                <a:shade val="90000"/>
-                <a:lumMod val="103000"/>
+                <a:tint val="90000"/>
+                <a:lumMod val="110000"/>
               </a:schemeClr>
             </a:gs>
             <a:gs pos="100000">
               <a:schemeClr val="phClr">
-                <a:shade val="63000"/>
-                <a:satMod val="120000"/>
+                <a:shade val="64000"/>
+                <a:lumMod val="98000"/>
               </a:schemeClr>
             </a:gs>
           </a:gsLst>
           <a:lin ang="5400000" scaled="0"/>
         </a:gradFill>
+        <a:blipFill rotWithShape="1">
+          <a:blip xmlns:r="http://schemas.openxmlformats.org/officeDocument/2006/relationships" r:embed="rId1">
+            <a:duotone>
+              <a:schemeClr val="phClr">
+                <a:shade val="76000"/>
+                <a:satMod val="180000"/>
+              </a:schemeClr>
+              <a:schemeClr val="phClr">
+                <a:tint val="80000"/>
+                <a:satMod val="120000"/>
+                <a:lumMod val="180000"/>
+              </a:schemeClr>
+            </a:duotone>
+          </a:blip>
+          <a:stretch/>
+        </a:blipFill>
       </a:bgFillStyleLst>
     </a:fmtScheme>
   </a:themeElements>
@@ -5920,7 +9427,7 @@
   <a:extraClrSchemeLst/>
   <a:extLst>
     <a:ext uri="{05A4C25C-085E-4340-85A3-A5531E510DB2}">
-      <thm15:themeFamily xmlns:thm15="http://schemas.microsoft.com/office/thememl/2012/main" name="Office Theme" id="{62F939B6-93AF-4DB8-9C6B-D6C7DFDC589F}" vid="{4A3C46E8-61CC-4603-A589-7422A47A8E4A}"/>
+      <thm15:themeFamily xmlns:thm15="http://schemas.microsoft.com/office/thememl/2012/main" name="Parallax" id="{3388167B-A2EB-4685-9635-1831D9AEF8C4}" vid="{4F7A876A-7598-49CA-AFC8-8EDA2551E4A7}"/>
     </a:ext>
   </a:extLst>
 </a:theme>
